--- a/lectures/Lecture5-MMG232.pptx
+++ b/lectures/Lecture5-MMG232.pptx
@@ -2,26 +2,40 @@
 <file path=ppt/presentation.xml><?xml version="1.0" encoding="utf-8"?>
 <p:presentation xmlns:a="http://schemas.openxmlformats.org/drawingml/2006/main" xmlns:r="http://schemas.openxmlformats.org/officeDocument/2006/relationships" xmlns:p="http://schemas.openxmlformats.org/presentationml/2006/main" saveSubsetFonts="1" autoCompressPictures="0">
   <p:sldMasterIdLst>
-    <p:sldMasterId id="2147483660" r:id="rId1"/>
+    <p:sldMasterId id="2147483708" r:id="rId1"/>
   </p:sldMasterIdLst>
   <p:sldIdLst>
     <p:sldId id="256" r:id="rId2"/>
-    <p:sldId id="569" r:id="rId3"/>
-    <p:sldId id="270" r:id="rId4"/>
-    <p:sldId id="271" r:id="rId5"/>
-    <p:sldId id="286" r:id="rId6"/>
-    <p:sldId id="578" r:id="rId7"/>
-    <p:sldId id="579" r:id="rId8"/>
-    <p:sldId id="580" r:id="rId9"/>
-    <p:sldId id="595" r:id="rId10"/>
-    <p:sldId id="616" r:id="rId11"/>
-    <p:sldId id="603" r:id="rId12"/>
-    <p:sldId id="608" r:id="rId13"/>
-    <p:sldId id="626" r:id="rId14"/>
-    <p:sldId id="627" r:id="rId15"/>
-    <p:sldId id="628" r:id="rId16"/>
-    <p:sldId id="629" r:id="rId17"/>
-    <p:sldId id="630" r:id="rId18"/>
+    <p:sldId id="631" r:id="rId3"/>
+    <p:sldId id="633" r:id="rId4"/>
+    <p:sldId id="635" r:id="rId5"/>
+    <p:sldId id="632" r:id="rId6"/>
+    <p:sldId id="636" r:id="rId7"/>
+    <p:sldId id="637" r:id="rId8"/>
+    <p:sldId id="638" r:id="rId9"/>
+    <p:sldId id="639" r:id="rId10"/>
+    <p:sldId id="634" r:id="rId11"/>
+    <p:sldId id="640" r:id="rId12"/>
+    <p:sldId id="643" r:id="rId13"/>
+    <p:sldId id="641" r:id="rId14"/>
+    <p:sldId id="644" r:id="rId15"/>
+    <p:sldId id="642" r:id="rId16"/>
+    <p:sldId id="569" r:id="rId17"/>
+    <p:sldId id="270" r:id="rId18"/>
+    <p:sldId id="271" r:id="rId19"/>
+    <p:sldId id="286" r:id="rId20"/>
+    <p:sldId id="578" r:id="rId21"/>
+    <p:sldId id="579" r:id="rId22"/>
+    <p:sldId id="580" r:id="rId23"/>
+    <p:sldId id="595" r:id="rId24"/>
+    <p:sldId id="616" r:id="rId25"/>
+    <p:sldId id="603" r:id="rId26"/>
+    <p:sldId id="608" r:id="rId27"/>
+    <p:sldId id="626" r:id="rId28"/>
+    <p:sldId id="627" r:id="rId29"/>
+    <p:sldId id="628" r:id="rId30"/>
+    <p:sldId id="629" r:id="rId31"/>
+    <p:sldId id="630" r:id="rId32"/>
   </p:sldIdLst>
   <p:sldSz cx="9144000" cy="6858000" type="screen4x3"/>
   <p:notesSz cx="6858000" cy="9144000"/>
@@ -29,7 +43,7 @@
     <a:defPPr>
       <a:defRPr lang="en-US"/>
     </a:defPPr>
-    <a:lvl1pPr marL="0" algn="l" defTabSz="457200" rtl="0" eaLnBrk="1" latinLnBrk="0" hangingPunct="1">
+    <a:lvl1pPr marL="0" algn="l" defTabSz="914400" rtl="0" eaLnBrk="1" latinLnBrk="0" hangingPunct="1">
       <a:defRPr sz="1800" kern="1200">
         <a:solidFill>
           <a:schemeClr val="tx1"/>
@@ -39,7 +53,7 @@
         <a:cs typeface="+mn-cs"/>
       </a:defRPr>
     </a:lvl1pPr>
-    <a:lvl2pPr marL="457200" algn="l" defTabSz="457200" rtl="0" eaLnBrk="1" latinLnBrk="0" hangingPunct="1">
+    <a:lvl2pPr marL="457200" algn="l" defTabSz="914400" rtl="0" eaLnBrk="1" latinLnBrk="0" hangingPunct="1">
       <a:defRPr sz="1800" kern="1200">
         <a:solidFill>
           <a:schemeClr val="tx1"/>
@@ -49,7 +63,7 @@
         <a:cs typeface="+mn-cs"/>
       </a:defRPr>
     </a:lvl2pPr>
-    <a:lvl3pPr marL="914400" algn="l" defTabSz="457200" rtl="0" eaLnBrk="1" latinLnBrk="0" hangingPunct="1">
+    <a:lvl3pPr marL="914400" algn="l" defTabSz="914400" rtl="0" eaLnBrk="1" latinLnBrk="0" hangingPunct="1">
       <a:defRPr sz="1800" kern="1200">
         <a:solidFill>
           <a:schemeClr val="tx1"/>
@@ -59,7 +73,7 @@
         <a:cs typeface="+mn-cs"/>
       </a:defRPr>
     </a:lvl3pPr>
-    <a:lvl4pPr marL="1371600" algn="l" defTabSz="457200" rtl="0" eaLnBrk="1" latinLnBrk="0" hangingPunct="1">
+    <a:lvl4pPr marL="1371600" algn="l" defTabSz="914400" rtl="0" eaLnBrk="1" latinLnBrk="0" hangingPunct="1">
       <a:defRPr sz="1800" kern="1200">
         <a:solidFill>
           <a:schemeClr val="tx1"/>
@@ -69,7 +83,7 @@
         <a:cs typeface="+mn-cs"/>
       </a:defRPr>
     </a:lvl4pPr>
-    <a:lvl5pPr marL="1828800" algn="l" defTabSz="457200" rtl="0" eaLnBrk="1" latinLnBrk="0" hangingPunct="1">
+    <a:lvl5pPr marL="1828800" algn="l" defTabSz="914400" rtl="0" eaLnBrk="1" latinLnBrk="0" hangingPunct="1">
       <a:defRPr sz="1800" kern="1200">
         <a:solidFill>
           <a:schemeClr val="tx1"/>
@@ -79,7 +93,7 @@
         <a:cs typeface="+mn-cs"/>
       </a:defRPr>
     </a:lvl5pPr>
-    <a:lvl6pPr marL="2286000" algn="l" defTabSz="457200" rtl="0" eaLnBrk="1" latinLnBrk="0" hangingPunct="1">
+    <a:lvl6pPr marL="2286000" algn="l" defTabSz="914400" rtl="0" eaLnBrk="1" latinLnBrk="0" hangingPunct="1">
       <a:defRPr sz="1800" kern="1200">
         <a:solidFill>
           <a:schemeClr val="tx1"/>
@@ -89,7 +103,7 @@
         <a:cs typeface="+mn-cs"/>
       </a:defRPr>
     </a:lvl6pPr>
-    <a:lvl7pPr marL="2743200" algn="l" defTabSz="457200" rtl="0" eaLnBrk="1" latinLnBrk="0" hangingPunct="1">
+    <a:lvl7pPr marL="2743200" algn="l" defTabSz="914400" rtl="0" eaLnBrk="1" latinLnBrk="0" hangingPunct="1">
       <a:defRPr sz="1800" kern="1200">
         <a:solidFill>
           <a:schemeClr val="tx1"/>
@@ -99,7 +113,7 @@
         <a:cs typeface="+mn-cs"/>
       </a:defRPr>
     </a:lvl7pPr>
-    <a:lvl8pPr marL="3200400" algn="l" defTabSz="457200" rtl="0" eaLnBrk="1" latinLnBrk="0" hangingPunct="1">
+    <a:lvl8pPr marL="3200400" algn="l" defTabSz="914400" rtl="0" eaLnBrk="1" latinLnBrk="0" hangingPunct="1">
       <a:defRPr sz="1800" kern="1200">
         <a:solidFill>
           <a:schemeClr val="tx1"/>
@@ -109,7 +123,7 @@
         <a:cs typeface="+mn-cs"/>
       </a:defRPr>
     </a:lvl8pPr>
-    <a:lvl9pPr marL="3657600" algn="l" defTabSz="457200" rtl="0" eaLnBrk="1" latinLnBrk="0" hangingPunct="1">
+    <a:lvl9pPr marL="3657600" algn="l" defTabSz="914400" rtl="0" eaLnBrk="1" latinLnBrk="0" hangingPunct="1">
       <a:defRPr sz="1800" kern="1200">
         <a:solidFill>
           <a:schemeClr val="tx1"/>
@@ -120,6 +134,11 @@
       </a:defRPr>
     </a:lvl9pPr>
   </p:defaultTextStyle>
+  <p:extLst>
+    <p:ext uri="{EFAFB233-063F-42B5-8137-9DF3F51BA10A}">
+      <p15:sldGuideLst xmlns:p15="http://schemas.microsoft.com/office/powerpoint/2012/main"/>
+    </p:ext>
+  </p:extLst>
 </p:presentation>
 </file>
 
@@ -142,7 +161,13 @@
       </p:grpSpPr>
       <p:sp>
         <p:nvSpPr>
-          <p:cNvPr id="2" name="Title 1"/>
+          <p:cNvPr id="2" name="Title 1">
+            <a:extLst>
+              <a:ext uri="{FF2B5EF4-FFF2-40B4-BE49-F238E27FC236}">
+                <a16:creationId xmlns:a16="http://schemas.microsoft.com/office/drawing/2014/main" id="{4D993AB7-3ED0-EC4A-AD5D-55617CF9300B}"/>
+              </a:ext>
+            </a:extLst>
+          </p:cNvPr>
           <p:cNvSpPr>
             <a:spLocks noGrp="1"/>
           </p:cNvSpPr>
@@ -152,15 +177,15 @@
         </p:nvSpPr>
         <p:spPr>
           <a:xfrm>
-            <a:off x="685800" y="1122363"/>
-            <a:ext cx="7772400" cy="2387600"/>
+            <a:off x="1143000" y="1122363"/>
+            <a:ext cx="6858000" cy="2387600"/>
           </a:xfrm>
         </p:spPr>
         <p:txBody>
           <a:bodyPr anchor="b"/>
           <a:lstStyle>
             <a:lvl1pPr algn="ctr">
-              <a:defRPr sz="6000"/>
+              <a:defRPr sz="4500"/>
             </a:lvl1pPr>
           </a:lstStyle>
           <a:p>
@@ -168,13 +193,18 @@
               <a:rPr lang="en-US"/>
               <a:t>Click to edit Master title style</a:t>
             </a:r>
-            <a:endParaRPr lang="en-US" dirty="0"/>
           </a:p>
         </p:txBody>
       </p:sp>
       <p:sp>
         <p:nvSpPr>
-          <p:cNvPr id="3" name="Subtitle 2"/>
+          <p:cNvPr id="3" name="Subtitle 2">
+            <a:extLst>
+              <a:ext uri="{FF2B5EF4-FFF2-40B4-BE49-F238E27FC236}">
+                <a16:creationId xmlns:a16="http://schemas.microsoft.com/office/drawing/2014/main" id="{C15E8E22-584A-2B41-9204-9F21A7159669}"/>
+              </a:ext>
+            </a:extLst>
+          </p:cNvPr>
           <p:cNvSpPr>
             <a:spLocks noGrp="1"/>
           </p:cNvSpPr>
@@ -193,39 +223,39 @@
           <a:lstStyle>
             <a:lvl1pPr marL="0" indent="0" algn="ctr">
               <a:buNone/>
-              <a:defRPr sz="2400"/>
+              <a:defRPr sz="1800"/>
             </a:lvl1pPr>
-            <a:lvl2pPr marL="457200" indent="0" algn="ctr">
+            <a:lvl2pPr marL="342900" indent="0" algn="ctr">
               <a:buNone/>
-              <a:defRPr sz="2000"/>
+              <a:defRPr sz="1500"/>
             </a:lvl2pPr>
-            <a:lvl3pPr marL="914400" indent="0" algn="ctr">
+            <a:lvl3pPr marL="685800" indent="0" algn="ctr">
               <a:buNone/>
-              <a:defRPr sz="1800"/>
+              <a:defRPr sz="1350"/>
             </a:lvl3pPr>
-            <a:lvl4pPr marL="1371600" indent="0" algn="ctr">
+            <a:lvl4pPr marL="1028700" indent="0" algn="ctr">
               <a:buNone/>
-              <a:defRPr sz="1600"/>
+              <a:defRPr sz="1200"/>
             </a:lvl4pPr>
-            <a:lvl5pPr marL="1828800" indent="0" algn="ctr">
+            <a:lvl5pPr marL="1371600" indent="0" algn="ctr">
               <a:buNone/>
-              <a:defRPr sz="1600"/>
+              <a:defRPr sz="1200"/>
             </a:lvl5pPr>
-            <a:lvl6pPr marL="2286000" indent="0" algn="ctr">
+            <a:lvl6pPr marL="1714500" indent="0" algn="ctr">
               <a:buNone/>
-              <a:defRPr sz="1600"/>
+              <a:defRPr sz="1200"/>
             </a:lvl6pPr>
-            <a:lvl7pPr marL="2743200" indent="0" algn="ctr">
+            <a:lvl7pPr marL="2057400" indent="0" algn="ctr">
               <a:buNone/>
-              <a:defRPr sz="1600"/>
+              <a:defRPr sz="1200"/>
             </a:lvl7pPr>
-            <a:lvl8pPr marL="3200400" indent="0" algn="ctr">
+            <a:lvl8pPr marL="2400300" indent="0" algn="ctr">
               <a:buNone/>
-              <a:defRPr sz="1600"/>
+              <a:defRPr sz="1200"/>
             </a:lvl8pPr>
-            <a:lvl9pPr marL="3657600" indent="0" algn="ctr">
+            <a:lvl9pPr marL="2743200" indent="0" algn="ctr">
               <a:buNone/>
-              <a:defRPr sz="1600"/>
+              <a:defRPr sz="1200"/>
             </a:lvl9pPr>
           </a:lstStyle>
           <a:p>
@@ -233,13 +263,18 @@
               <a:rPr lang="en-US"/>
               <a:t>Click to edit Master subtitle style</a:t>
             </a:r>
-            <a:endParaRPr lang="en-US" dirty="0"/>
           </a:p>
         </p:txBody>
       </p:sp>
       <p:sp>
         <p:nvSpPr>
-          <p:cNvPr id="4" name="Date Placeholder 3"/>
+          <p:cNvPr id="4" name="Date Placeholder 3">
+            <a:extLst>
+              <a:ext uri="{FF2B5EF4-FFF2-40B4-BE49-F238E27FC236}">
+                <a16:creationId xmlns:a16="http://schemas.microsoft.com/office/drawing/2014/main" id="{B87CAD26-27A5-5B4E-AE36-BEC56034C91E}"/>
+              </a:ext>
+            </a:extLst>
+          </p:cNvPr>
           <p:cNvSpPr>
             <a:spLocks noGrp="1"/>
           </p:cNvSpPr>
@@ -254,7 +289,7 @@
           <a:p>
             <a:fld id="{6E19963A-E563-FF41-97A1-EDA55CB1C20E}" type="datetimeFigureOut">
               <a:rPr lang="en-US" smtClean="0"/>
-              <a:t>2/3/23</a:t>
+              <a:t>2/7/23</a:t>
             </a:fld>
             <a:endParaRPr lang="en-US"/>
           </a:p>
@@ -262,7 +297,13 @@
       </p:sp>
       <p:sp>
         <p:nvSpPr>
-          <p:cNvPr id="5" name="Footer Placeholder 4"/>
+          <p:cNvPr id="5" name="Footer Placeholder 4">
+            <a:extLst>
+              <a:ext uri="{FF2B5EF4-FFF2-40B4-BE49-F238E27FC236}">
+                <a16:creationId xmlns:a16="http://schemas.microsoft.com/office/drawing/2014/main" id="{50B64527-6874-BF42-A8F8-9BB1E7197B23}"/>
+              </a:ext>
+            </a:extLst>
+          </p:cNvPr>
           <p:cNvSpPr>
             <a:spLocks noGrp="1"/>
           </p:cNvSpPr>
@@ -281,7 +322,13 @@
       </p:sp>
       <p:sp>
         <p:nvSpPr>
-          <p:cNvPr id="6" name="Slide Number Placeholder 5"/>
+          <p:cNvPr id="6" name="Slide Number Placeholder 5">
+            <a:extLst>
+              <a:ext uri="{FF2B5EF4-FFF2-40B4-BE49-F238E27FC236}">
+                <a16:creationId xmlns:a16="http://schemas.microsoft.com/office/drawing/2014/main" id="{89E671AD-7A47-7E42-B326-0C5A5634206C}"/>
+              </a:ext>
+            </a:extLst>
+          </p:cNvPr>
           <p:cNvSpPr>
             <a:spLocks noGrp="1"/>
           </p:cNvSpPr>
@@ -305,7 +352,7 @@
     </p:spTree>
     <p:extLst>
       <p:ext uri="{BB962C8B-B14F-4D97-AF65-F5344CB8AC3E}">
-        <p14:creationId xmlns:p14="http://schemas.microsoft.com/office/powerpoint/2010/main" val="919098013"/>
+        <p14:creationId xmlns:p14="http://schemas.microsoft.com/office/powerpoint/2010/main" val="1102981192"/>
       </p:ext>
     </p:extLst>
   </p:cSld>
@@ -334,7 +381,13 @@
       </p:grpSpPr>
       <p:sp>
         <p:nvSpPr>
-          <p:cNvPr id="2" name="Title 1"/>
+          <p:cNvPr id="2" name="Title 1">
+            <a:extLst>
+              <a:ext uri="{FF2B5EF4-FFF2-40B4-BE49-F238E27FC236}">
+                <a16:creationId xmlns:a16="http://schemas.microsoft.com/office/drawing/2014/main" id="{9D39F264-F241-0241-A64D-8E950078CD68}"/>
+              </a:ext>
+            </a:extLst>
+          </p:cNvPr>
           <p:cNvSpPr>
             <a:spLocks noGrp="1"/>
           </p:cNvSpPr>
@@ -351,13 +404,18 @@
               <a:rPr lang="en-US"/>
               <a:t>Click to edit Master title style</a:t>
             </a:r>
-            <a:endParaRPr lang="en-US" dirty="0"/>
           </a:p>
         </p:txBody>
       </p:sp>
       <p:sp>
         <p:nvSpPr>
-          <p:cNvPr id="3" name="Vertical Text Placeholder 2"/>
+          <p:cNvPr id="3" name="Vertical Text Placeholder 2">
+            <a:extLst>
+              <a:ext uri="{FF2B5EF4-FFF2-40B4-BE49-F238E27FC236}">
+                <a16:creationId xmlns:a16="http://schemas.microsoft.com/office/drawing/2014/main" id="{7DA66768-7428-164E-B867-46F5DC1B96AF}"/>
+              </a:ext>
+            </a:extLst>
+          </p:cNvPr>
           <p:cNvSpPr>
             <a:spLocks noGrp="1"/>
           </p:cNvSpPr>
@@ -403,13 +461,18 @@
               <a:rPr lang="en-US"/>
               <a:t>Fifth level</a:t>
             </a:r>
-            <a:endParaRPr lang="en-US" dirty="0"/>
           </a:p>
         </p:txBody>
       </p:sp>
       <p:sp>
         <p:nvSpPr>
-          <p:cNvPr id="4" name="Date Placeholder 3"/>
+          <p:cNvPr id="4" name="Date Placeholder 3">
+            <a:extLst>
+              <a:ext uri="{FF2B5EF4-FFF2-40B4-BE49-F238E27FC236}">
+                <a16:creationId xmlns:a16="http://schemas.microsoft.com/office/drawing/2014/main" id="{2DE2242F-80F3-B548-85E5-D5E5B0628CFC}"/>
+              </a:ext>
+            </a:extLst>
+          </p:cNvPr>
           <p:cNvSpPr>
             <a:spLocks noGrp="1"/>
           </p:cNvSpPr>
@@ -424,7 +487,7 @@
           <a:p>
             <a:fld id="{6E19963A-E563-FF41-97A1-EDA55CB1C20E}" type="datetimeFigureOut">
               <a:rPr lang="en-US" smtClean="0"/>
-              <a:t>2/3/23</a:t>
+              <a:t>2/7/23</a:t>
             </a:fld>
             <a:endParaRPr lang="en-US"/>
           </a:p>
@@ -432,7 +495,13 @@
       </p:sp>
       <p:sp>
         <p:nvSpPr>
-          <p:cNvPr id="5" name="Footer Placeholder 4"/>
+          <p:cNvPr id="5" name="Footer Placeholder 4">
+            <a:extLst>
+              <a:ext uri="{FF2B5EF4-FFF2-40B4-BE49-F238E27FC236}">
+                <a16:creationId xmlns:a16="http://schemas.microsoft.com/office/drawing/2014/main" id="{2E669BC5-E9BA-A542-A32D-8DAF4F56C786}"/>
+              </a:ext>
+            </a:extLst>
+          </p:cNvPr>
           <p:cNvSpPr>
             <a:spLocks noGrp="1"/>
           </p:cNvSpPr>
@@ -451,7 +520,13 @@
       </p:sp>
       <p:sp>
         <p:nvSpPr>
-          <p:cNvPr id="6" name="Slide Number Placeholder 5"/>
+          <p:cNvPr id="6" name="Slide Number Placeholder 5">
+            <a:extLst>
+              <a:ext uri="{FF2B5EF4-FFF2-40B4-BE49-F238E27FC236}">
+                <a16:creationId xmlns:a16="http://schemas.microsoft.com/office/drawing/2014/main" id="{B4590302-25D5-F946-83B0-7E9871A613CE}"/>
+              </a:ext>
+            </a:extLst>
+          </p:cNvPr>
           <p:cNvSpPr>
             <a:spLocks noGrp="1"/>
           </p:cNvSpPr>
@@ -475,7 +550,7 @@
     </p:spTree>
     <p:extLst>
       <p:ext uri="{BB962C8B-B14F-4D97-AF65-F5344CB8AC3E}">
-        <p14:creationId xmlns:p14="http://schemas.microsoft.com/office/powerpoint/2010/main" val="618312311"/>
+        <p14:creationId xmlns:p14="http://schemas.microsoft.com/office/powerpoint/2010/main" val="2124652879"/>
       </p:ext>
     </p:extLst>
   </p:cSld>
@@ -504,7 +579,13 @@
       </p:grpSpPr>
       <p:sp>
         <p:nvSpPr>
-          <p:cNvPr id="2" name="Vertical Title 1"/>
+          <p:cNvPr id="2" name="Vertical Title 1">
+            <a:extLst>
+              <a:ext uri="{FF2B5EF4-FFF2-40B4-BE49-F238E27FC236}">
+                <a16:creationId xmlns:a16="http://schemas.microsoft.com/office/drawing/2014/main" id="{67179724-73E9-D14F-87B0-EF020ABE6848}"/>
+              </a:ext>
+            </a:extLst>
+          </p:cNvPr>
           <p:cNvSpPr>
             <a:spLocks noGrp="1"/>
           </p:cNvSpPr>
@@ -526,13 +607,18 @@
               <a:rPr lang="en-US"/>
               <a:t>Click to edit Master title style</a:t>
             </a:r>
-            <a:endParaRPr lang="en-US" dirty="0"/>
           </a:p>
         </p:txBody>
       </p:sp>
       <p:sp>
         <p:nvSpPr>
-          <p:cNvPr id="3" name="Vertical Text Placeholder 2"/>
+          <p:cNvPr id="3" name="Vertical Text Placeholder 2">
+            <a:extLst>
+              <a:ext uri="{FF2B5EF4-FFF2-40B4-BE49-F238E27FC236}">
+                <a16:creationId xmlns:a16="http://schemas.microsoft.com/office/drawing/2014/main" id="{0325EE1A-FA01-CC4F-A85B-73EF7D9DEA05}"/>
+              </a:ext>
+            </a:extLst>
+          </p:cNvPr>
           <p:cNvSpPr>
             <a:spLocks noGrp="1"/>
           </p:cNvSpPr>
@@ -583,13 +669,18 @@
               <a:rPr lang="en-US"/>
               <a:t>Fifth level</a:t>
             </a:r>
-            <a:endParaRPr lang="en-US" dirty="0"/>
           </a:p>
         </p:txBody>
       </p:sp>
       <p:sp>
         <p:nvSpPr>
-          <p:cNvPr id="4" name="Date Placeholder 3"/>
+          <p:cNvPr id="4" name="Date Placeholder 3">
+            <a:extLst>
+              <a:ext uri="{FF2B5EF4-FFF2-40B4-BE49-F238E27FC236}">
+                <a16:creationId xmlns:a16="http://schemas.microsoft.com/office/drawing/2014/main" id="{9BA1DEAF-A104-F44E-9933-D6ED4CFF6019}"/>
+              </a:ext>
+            </a:extLst>
+          </p:cNvPr>
           <p:cNvSpPr>
             <a:spLocks noGrp="1"/>
           </p:cNvSpPr>
@@ -604,7 +695,7 @@
           <a:p>
             <a:fld id="{6E19963A-E563-FF41-97A1-EDA55CB1C20E}" type="datetimeFigureOut">
               <a:rPr lang="en-US" smtClean="0"/>
-              <a:t>2/3/23</a:t>
+              <a:t>2/7/23</a:t>
             </a:fld>
             <a:endParaRPr lang="en-US"/>
           </a:p>
@@ -612,7 +703,13 @@
       </p:sp>
       <p:sp>
         <p:nvSpPr>
-          <p:cNvPr id="5" name="Footer Placeholder 4"/>
+          <p:cNvPr id="5" name="Footer Placeholder 4">
+            <a:extLst>
+              <a:ext uri="{FF2B5EF4-FFF2-40B4-BE49-F238E27FC236}">
+                <a16:creationId xmlns:a16="http://schemas.microsoft.com/office/drawing/2014/main" id="{8454AFBA-BD4F-EB4A-9820-EA4A9394007B}"/>
+              </a:ext>
+            </a:extLst>
+          </p:cNvPr>
           <p:cNvSpPr>
             <a:spLocks noGrp="1"/>
           </p:cNvSpPr>
@@ -631,7 +728,13 @@
       </p:sp>
       <p:sp>
         <p:nvSpPr>
-          <p:cNvPr id="6" name="Slide Number Placeholder 5"/>
+          <p:cNvPr id="6" name="Slide Number Placeholder 5">
+            <a:extLst>
+              <a:ext uri="{FF2B5EF4-FFF2-40B4-BE49-F238E27FC236}">
+                <a16:creationId xmlns:a16="http://schemas.microsoft.com/office/drawing/2014/main" id="{D2977FE1-0E46-6E4D-A77A-53ED96DC3A1C}"/>
+              </a:ext>
+            </a:extLst>
+          </p:cNvPr>
           <p:cNvSpPr>
             <a:spLocks noGrp="1"/>
           </p:cNvSpPr>
@@ -655,7 +758,7 @@
     </p:spTree>
     <p:extLst>
       <p:ext uri="{BB962C8B-B14F-4D97-AF65-F5344CB8AC3E}">
-        <p14:creationId xmlns:p14="http://schemas.microsoft.com/office/powerpoint/2010/main" val="2164231418"/>
+        <p14:creationId xmlns:p14="http://schemas.microsoft.com/office/powerpoint/2010/main" val="650694584"/>
       </p:ext>
     </p:extLst>
   </p:cSld>
@@ -684,7 +787,13 @@
       </p:grpSpPr>
       <p:sp>
         <p:nvSpPr>
-          <p:cNvPr id="2" name="Title 1"/>
+          <p:cNvPr id="2" name="Title 1">
+            <a:extLst>
+              <a:ext uri="{FF2B5EF4-FFF2-40B4-BE49-F238E27FC236}">
+                <a16:creationId xmlns:a16="http://schemas.microsoft.com/office/drawing/2014/main" id="{2F8BD4EB-530A-F14E-8EEF-09ED4F1FB986}"/>
+              </a:ext>
+            </a:extLst>
+          </p:cNvPr>
           <p:cNvSpPr>
             <a:spLocks noGrp="1"/>
           </p:cNvSpPr>
@@ -701,13 +810,18 @@
               <a:rPr lang="en-US"/>
               <a:t>Click to edit Master title style</a:t>
             </a:r>
-            <a:endParaRPr lang="en-US" dirty="0"/>
           </a:p>
         </p:txBody>
       </p:sp>
       <p:sp>
         <p:nvSpPr>
-          <p:cNvPr id="3" name="Content Placeholder 2"/>
+          <p:cNvPr id="3" name="Content Placeholder 2">
+            <a:extLst>
+              <a:ext uri="{FF2B5EF4-FFF2-40B4-BE49-F238E27FC236}">
+                <a16:creationId xmlns:a16="http://schemas.microsoft.com/office/drawing/2014/main" id="{6CA644B2-F1E7-D444-9998-EFAAA441E29D}"/>
+              </a:ext>
+            </a:extLst>
+          </p:cNvPr>
           <p:cNvSpPr>
             <a:spLocks noGrp="1"/>
           </p:cNvSpPr>
@@ -753,13 +867,18 @@
               <a:rPr lang="en-US"/>
               <a:t>Fifth level</a:t>
             </a:r>
-            <a:endParaRPr lang="en-US" dirty="0"/>
           </a:p>
         </p:txBody>
       </p:sp>
       <p:sp>
         <p:nvSpPr>
-          <p:cNvPr id="4" name="Date Placeholder 3"/>
+          <p:cNvPr id="4" name="Date Placeholder 3">
+            <a:extLst>
+              <a:ext uri="{FF2B5EF4-FFF2-40B4-BE49-F238E27FC236}">
+                <a16:creationId xmlns:a16="http://schemas.microsoft.com/office/drawing/2014/main" id="{A35C3A49-C3B3-B44F-BD73-4B989FC21781}"/>
+              </a:ext>
+            </a:extLst>
+          </p:cNvPr>
           <p:cNvSpPr>
             <a:spLocks noGrp="1"/>
           </p:cNvSpPr>
@@ -774,7 +893,7 @@
           <a:p>
             <a:fld id="{6E19963A-E563-FF41-97A1-EDA55CB1C20E}" type="datetimeFigureOut">
               <a:rPr lang="en-US" smtClean="0"/>
-              <a:t>2/3/23</a:t>
+              <a:t>2/7/23</a:t>
             </a:fld>
             <a:endParaRPr lang="en-US"/>
           </a:p>
@@ -782,7 +901,13 @@
       </p:sp>
       <p:sp>
         <p:nvSpPr>
-          <p:cNvPr id="5" name="Footer Placeholder 4"/>
+          <p:cNvPr id="5" name="Footer Placeholder 4">
+            <a:extLst>
+              <a:ext uri="{FF2B5EF4-FFF2-40B4-BE49-F238E27FC236}">
+                <a16:creationId xmlns:a16="http://schemas.microsoft.com/office/drawing/2014/main" id="{D775B786-27FB-8D4F-A4F9-8E72745C5C2C}"/>
+              </a:ext>
+            </a:extLst>
+          </p:cNvPr>
           <p:cNvSpPr>
             <a:spLocks noGrp="1"/>
           </p:cNvSpPr>
@@ -801,7 +926,13 @@
       </p:sp>
       <p:sp>
         <p:nvSpPr>
-          <p:cNvPr id="6" name="Slide Number Placeholder 5"/>
+          <p:cNvPr id="6" name="Slide Number Placeholder 5">
+            <a:extLst>
+              <a:ext uri="{FF2B5EF4-FFF2-40B4-BE49-F238E27FC236}">
+                <a16:creationId xmlns:a16="http://schemas.microsoft.com/office/drawing/2014/main" id="{821362B6-6F77-7B40-97D2-663B1CBA206B}"/>
+              </a:ext>
+            </a:extLst>
+          </p:cNvPr>
           <p:cNvSpPr>
             <a:spLocks noGrp="1"/>
           </p:cNvSpPr>
@@ -825,7 +956,7 @@
     </p:spTree>
     <p:extLst>
       <p:ext uri="{BB962C8B-B14F-4D97-AF65-F5344CB8AC3E}">
-        <p14:creationId xmlns:p14="http://schemas.microsoft.com/office/powerpoint/2010/main" val="27680983"/>
+        <p14:creationId xmlns:p14="http://schemas.microsoft.com/office/powerpoint/2010/main" val="529525032"/>
       </p:ext>
     </p:extLst>
   </p:cSld>
@@ -854,7 +985,13 @@
       </p:grpSpPr>
       <p:sp>
         <p:nvSpPr>
-          <p:cNvPr id="2" name="Title 1"/>
+          <p:cNvPr id="2" name="Title 1">
+            <a:extLst>
+              <a:ext uri="{FF2B5EF4-FFF2-40B4-BE49-F238E27FC236}">
+                <a16:creationId xmlns:a16="http://schemas.microsoft.com/office/drawing/2014/main" id="{97E264EB-6391-6A41-B08D-1CE5E0BAF6A6}"/>
+              </a:ext>
+            </a:extLst>
+          </p:cNvPr>
           <p:cNvSpPr>
             <a:spLocks noGrp="1"/>
           </p:cNvSpPr>
@@ -872,7 +1009,7 @@
           <a:bodyPr anchor="b"/>
           <a:lstStyle>
             <a:lvl1pPr>
-              <a:defRPr sz="6000"/>
+              <a:defRPr sz="4500"/>
             </a:lvl1pPr>
           </a:lstStyle>
           <a:p>
@@ -880,13 +1017,18 @@
               <a:rPr lang="en-US"/>
               <a:t>Click to edit Master title style</a:t>
             </a:r>
-            <a:endParaRPr lang="en-US" dirty="0"/>
           </a:p>
         </p:txBody>
       </p:sp>
       <p:sp>
         <p:nvSpPr>
-          <p:cNvPr id="3" name="Text Placeholder 2"/>
+          <p:cNvPr id="3" name="Text Placeholder 2">
+            <a:extLst>
+              <a:ext uri="{FF2B5EF4-FFF2-40B4-BE49-F238E27FC236}">
+                <a16:creationId xmlns:a16="http://schemas.microsoft.com/office/drawing/2014/main" id="{4CAA27B9-3844-CB4E-A558-CA91748C8898}"/>
+              </a:ext>
+            </a:extLst>
+          </p:cNvPr>
           <p:cNvSpPr>
             <a:spLocks noGrp="1"/>
           </p:cNvSpPr>
@@ -905,15 +1047,17 @@
           <a:lstStyle>
             <a:lvl1pPr marL="0" indent="0">
               <a:buNone/>
-              <a:defRPr sz="2400">
+              <a:defRPr sz="1800">
                 <a:solidFill>
-                  <a:schemeClr val="tx1"/>
+                  <a:schemeClr val="tx1">
+                    <a:tint val="75000"/>
+                  </a:schemeClr>
                 </a:solidFill>
               </a:defRPr>
             </a:lvl1pPr>
-            <a:lvl2pPr marL="457200" indent="0">
+            <a:lvl2pPr marL="342900" indent="0">
               <a:buNone/>
-              <a:defRPr sz="2000">
+              <a:defRPr sz="1500">
                 <a:solidFill>
                   <a:schemeClr val="tx1">
                     <a:tint val="75000"/>
@@ -921,9 +1065,9 @@
                 </a:solidFill>
               </a:defRPr>
             </a:lvl2pPr>
-            <a:lvl3pPr marL="914400" indent="0">
+            <a:lvl3pPr marL="685800" indent="0">
               <a:buNone/>
-              <a:defRPr sz="1800">
+              <a:defRPr sz="1350">
                 <a:solidFill>
                   <a:schemeClr val="tx1">
                     <a:tint val="75000"/>
@@ -931,9 +1075,9 @@
                 </a:solidFill>
               </a:defRPr>
             </a:lvl3pPr>
-            <a:lvl4pPr marL="1371600" indent="0">
+            <a:lvl4pPr marL="1028700" indent="0">
               <a:buNone/>
-              <a:defRPr sz="1600">
+              <a:defRPr sz="1200">
                 <a:solidFill>
                   <a:schemeClr val="tx1">
                     <a:tint val="75000"/>
@@ -941,9 +1085,9 @@
                 </a:solidFill>
               </a:defRPr>
             </a:lvl4pPr>
-            <a:lvl5pPr marL="1828800" indent="0">
+            <a:lvl5pPr marL="1371600" indent="0">
               <a:buNone/>
-              <a:defRPr sz="1600">
+              <a:defRPr sz="1200">
                 <a:solidFill>
                   <a:schemeClr val="tx1">
                     <a:tint val="75000"/>
@@ -951,9 +1095,9 @@
                 </a:solidFill>
               </a:defRPr>
             </a:lvl5pPr>
-            <a:lvl6pPr marL="2286000" indent="0">
+            <a:lvl6pPr marL="1714500" indent="0">
               <a:buNone/>
-              <a:defRPr sz="1600">
+              <a:defRPr sz="1200">
                 <a:solidFill>
                   <a:schemeClr val="tx1">
                     <a:tint val="75000"/>
@@ -961,9 +1105,9 @@
                 </a:solidFill>
               </a:defRPr>
             </a:lvl6pPr>
-            <a:lvl7pPr marL="2743200" indent="0">
+            <a:lvl7pPr marL="2057400" indent="0">
               <a:buNone/>
-              <a:defRPr sz="1600">
+              <a:defRPr sz="1200">
                 <a:solidFill>
                   <a:schemeClr val="tx1">
                     <a:tint val="75000"/>
@@ -971,9 +1115,9 @@
                 </a:solidFill>
               </a:defRPr>
             </a:lvl7pPr>
-            <a:lvl8pPr marL="3200400" indent="0">
+            <a:lvl8pPr marL="2400300" indent="0">
               <a:buNone/>
-              <a:defRPr sz="1600">
+              <a:defRPr sz="1200">
                 <a:solidFill>
                   <a:schemeClr val="tx1">
                     <a:tint val="75000"/>
@@ -981,9 +1125,9 @@
                 </a:solidFill>
               </a:defRPr>
             </a:lvl8pPr>
-            <a:lvl9pPr marL="3657600" indent="0">
+            <a:lvl9pPr marL="2743200" indent="0">
               <a:buNone/>
-              <a:defRPr sz="1600">
+              <a:defRPr sz="1200">
                 <a:solidFill>
                   <a:schemeClr val="tx1">
                     <a:tint val="75000"/>
@@ -1003,7 +1147,13 @@
       </p:sp>
       <p:sp>
         <p:nvSpPr>
-          <p:cNvPr id="4" name="Date Placeholder 3"/>
+          <p:cNvPr id="4" name="Date Placeholder 3">
+            <a:extLst>
+              <a:ext uri="{FF2B5EF4-FFF2-40B4-BE49-F238E27FC236}">
+                <a16:creationId xmlns:a16="http://schemas.microsoft.com/office/drawing/2014/main" id="{5A742D66-AD3C-8043-BB10-5967DD65A125}"/>
+              </a:ext>
+            </a:extLst>
+          </p:cNvPr>
           <p:cNvSpPr>
             <a:spLocks noGrp="1"/>
           </p:cNvSpPr>
@@ -1018,7 +1168,7 @@
           <a:p>
             <a:fld id="{6E19963A-E563-FF41-97A1-EDA55CB1C20E}" type="datetimeFigureOut">
               <a:rPr lang="en-US" smtClean="0"/>
-              <a:t>2/3/23</a:t>
+              <a:t>2/7/23</a:t>
             </a:fld>
             <a:endParaRPr lang="en-US"/>
           </a:p>
@@ -1026,7 +1176,13 @@
       </p:sp>
       <p:sp>
         <p:nvSpPr>
-          <p:cNvPr id="5" name="Footer Placeholder 4"/>
+          <p:cNvPr id="5" name="Footer Placeholder 4">
+            <a:extLst>
+              <a:ext uri="{FF2B5EF4-FFF2-40B4-BE49-F238E27FC236}">
+                <a16:creationId xmlns:a16="http://schemas.microsoft.com/office/drawing/2014/main" id="{2B39C2FA-59A9-774D-856E-FB2A78699C08}"/>
+              </a:ext>
+            </a:extLst>
+          </p:cNvPr>
           <p:cNvSpPr>
             <a:spLocks noGrp="1"/>
           </p:cNvSpPr>
@@ -1045,7 +1201,13 @@
       </p:sp>
       <p:sp>
         <p:nvSpPr>
-          <p:cNvPr id="6" name="Slide Number Placeholder 5"/>
+          <p:cNvPr id="6" name="Slide Number Placeholder 5">
+            <a:extLst>
+              <a:ext uri="{FF2B5EF4-FFF2-40B4-BE49-F238E27FC236}">
+                <a16:creationId xmlns:a16="http://schemas.microsoft.com/office/drawing/2014/main" id="{4B7E15BE-4438-8B46-9825-AFE21F871D5A}"/>
+              </a:ext>
+            </a:extLst>
+          </p:cNvPr>
           <p:cNvSpPr>
             <a:spLocks noGrp="1"/>
           </p:cNvSpPr>
@@ -1069,7 +1231,7 @@
     </p:spTree>
     <p:extLst>
       <p:ext uri="{BB962C8B-B14F-4D97-AF65-F5344CB8AC3E}">
-        <p14:creationId xmlns:p14="http://schemas.microsoft.com/office/powerpoint/2010/main" val="546367928"/>
+        <p14:creationId xmlns:p14="http://schemas.microsoft.com/office/powerpoint/2010/main" val="1443128841"/>
       </p:ext>
     </p:extLst>
   </p:cSld>
@@ -1098,7 +1260,13 @@
       </p:grpSpPr>
       <p:sp>
         <p:nvSpPr>
-          <p:cNvPr id="2" name="Title 1"/>
+          <p:cNvPr id="2" name="Title 1">
+            <a:extLst>
+              <a:ext uri="{FF2B5EF4-FFF2-40B4-BE49-F238E27FC236}">
+                <a16:creationId xmlns:a16="http://schemas.microsoft.com/office/drawing/2014/main" id="{5CF2C936-B086-784D-AF4C-5FFD157633E1}"/>
+              </a:ext>
+            </a:extLst>
+          </p:cNvPr>
           <p:cNvSpPr>
             <a:spLocks noGrp="1"/>
           </p:cNvSpPr>
@@ -1115,13 +1283,18 @@
               <a:rPr lang="en-US"/>
               <a:t>Click to edit Master title style</a:t>
             </a:r>
-            <a:endParaRPr lang="en-US" dirty="0"/>
           </a:p>
         </p:txBody>
       </p:sp>
       <p:sp>
         <p:nvSpPr>
-          <p:cNvPr id="3" name="Content Placeholder 2"/>
+          <p:cNvPr id="3" name="Content Placeholder 2">
+            <a:extLst>
+              <a:ext uri="{FF2B5EF4-FFF2-40B4-BE49-F238E27FC236}">
+                <a16:creationId xmlns:a16="http://schemas.microsoft.com/office/drawing/2014/main" id="{7A1A83C6-911D-204B-A871-35669E4E38A5}"/>
+              </a:ext>
+            </a:extLst>
+          </p:cNvPr>
           <p:cNvSpPr>
             <a:spLocks noGrp="1"/>
           </p:cNvSpPr>
@@ -1172,13 +1345,18 @@
               <a:rPr lang="en-US"/>
               <a:t>Fifth level</a:t>
             </a:r>
-            <a:endParaRPr lang="en-US" dirty="0"/>
           </a:p>
         </p:txBody>
       </p:sp>
       <p:sp>
         <p:nvSpPr>
-          <p:cNvPr id="4" name="Content Placeholder 3"/>
+          <p:cNvPr id="4" name="Content Placeholder 3">
+            <a:extLst>
+              <a:ext uri="{FF2B5EF4-FFF2-40B4-BE49-F238E27FC236}">
+                <a16:creationId xmlns:a16="http://schemas.microsoft.com/office/drawing/2014/main" id="{8CFDB338-B0FA-A943-BAA7-663B6830959A}"/>
+              </a:ext>
+            </a:extLst>
+          </p:cNvPr>
           <p:cNvSpPr>
             <a:spLocks noGrp="1"/>
           </p:cNvSpPr>
@@ -1229,13 +1407,18 @@
               <a:rPr lang="en-US"/>
               <a:t>Fifth level</a:t>
             </a:r>
-            <a:endParaRPr lang="en-US" dirty="0"/>
           </a:p>
         </p:txBody>
       </p:sp>
       <p:sp>
         <p:nvSpPr>
-          <p:cNvPr id="5" name="Date Placeholder 4"/>
+          <p:cNvPr id="5" name="Date Placeholder 4">
+            <a:extLst>
+              <a:ext uri="{FF2B5EF4-FFF2-40B4-BE49-F238E27FC236}">
+                <a16:creationId xmlns:a16="http://schemas.microsoft.com/office/drawing/2014/main" id="{B30121DE-C0E1-5449-B97E-9F2A184775EC}"/>
+              </a:ext>
+            </a:extLst>
+          </p:cNvPr>
           <p:cNvSpPr>
             <a:spLocks noGrp="1"/>
           </p:cNvSpPr>
@@ -1250,7 +1433,7 @@
           <a:p>
             <a:fld id="{6E19963A-E563-FF41-97A1-EDA55CB1C20E}" type="datetimeFigureOut">
               <a:rPr lang="en-US" smtClean="0"/>
-              <a:t>2/3/23</a:t>
+              <a:t>2/7/23</a:t>
             </a:fld>
             <a:endParaRPr lang="en-US"/>
           </a:p>
@@ -1258,7 +1441,13 @@
       </p:sp>
       <p:sp>
         <p:nvSpPr>
-          <p:cNvPr id="6" name="Footer Placeholder 5"/>
+          <p:cNvPr id="6" name="Footer Placeholder 5">
+            <a:extLst>
+              <a:ext uri="{FF2B5EF4-FFF2-40B4-BE49-F238E27FC236}">
+                <a16:creationId xmlns:a16="http://schemas.microsoft.com/office/drawing/2014/main" id="{648435CF-DCAD-564E-AC57-4CB5BA3D7BF6}"/>
+              </a:ext>
+            </a:extLst>
+          </p:cNvPr>
           <p:cNvSpPr>
             <a:spLocks noGrp="1"/>
           </p:cNvSpPr>
@@ -1277,7 +1466,13 @@
       </p:sp>
       <p:sp>
         <p:nvSpPr>
-          <p:cNvPr id="7" name="Slide Number Placeholder 6"/>
+          <p:cNvPr id="7" name="Slide Number Placeholder 6">
+            <a:extLst>
+              <a:ext uri="{FF2B5EF4-FFF2-40B4-BE49-F238E27FC236}">
+                <a16:creationId xmlns:a16="http://schemas.microsoft.com/office/drawing/2014/main" id="{CB313955-A936-EA4E-B1F4-EDE568660B15}"/>
+              </a:ext>
+            </a:extLst>
+          </p:cNvPr>
           <p:cNvSpPr>
             <a:spLocks noGrp="1"/>
           </p:cNvSpPr>
@@ -1301,7 +1496,7 @@
     </p:spTree>
     <p:extLst>
       <p:ext uri="{BB962C8B-B14F-4D97-AF65-F5344CB8AC3E}">
-        <p14:creationId xmlns:p14="http://schemas.microsoft.com/office/powerpoint/2010/main" val="1187558989"/>
+        <p14:creationId xmlns:p14="http://schemas.microsoft.com/office/powerpoint/2010/main" val="3826006449"/>
       </p:ext>
     </p:extLst>
   </p:cSld>
@@ -1330,7 +1525,13 @@
       </p:grpSpPr>
       <p:sp>
         <p:nvSpPr>
-          <p:cNvPr id="2" name="Title 1"/>
+          <p:cNvPr id="2" name="Title 1">
+            <a:extLst>
+              <a:ext uri="{FF2B5EF4-FFF2-40B4-BE49-F238E27FC236}">
+                <a16:creationId xmlns:a16="http://schemas.microsoft.com/office/drawing/2014/main" id="{D304A31B-490B-F14F-A77B-7569A2E13FD9}"/>
+              </a:ext>
+            </a:extLst>
+          </p:cNvPr>
           <p:cNvSpPr>
             <a:spLocks noGrp="1"/>
           </p:cNvSpPr>
@@ -1352,13 +1553,18 @@
               <a:rPr lang="en-US"/>
               <a:t>Click to edit Master title style</a:t>
             </a:r>
-            <a:endParaRPr lang="en-US" dirty="0"/>
           </a:p>
         </p:txBody>
       </p:sp>
       <p:sp>
         <p:nvSpPr>
-          <p:cNvPr id="3" name="Text Placeholder 2"/>
+          <p:cNvPr id="3" name="Text Placeholder 2">
+            <a:extLst>
+              <a:ext uri="{FF2B5EF4-FFF2-40B4-BE49-F238E27FC236}">
+                <a16:creationId xmlns:a16="http://schemas.microsoft.com/office/drawing/2014/main" id="{40FCAEF1-9D41-DA47-93C6-F9C9FD250B53}"/>
+              </a:ext>
+            </a:extLst>
+          </p:cNvPr>
           <p:cNvSpPr>
             <a:spLocks noGrp="1"/>
           </p:cNvSpPr>
@@ -1377,39 +1583,39 @@
           <a:lstStyle>
             <a:lvl1pPr marL="0" indent="0">
               <a:buNone/>
-              <a:defRPr sz="2400" b="1"/>
+              <a:defRPr sz="1800" b="1"/>
             </a:lvl1pPr>
-            <a:lvl2pPr marL="457200" indent="0">
+            <a:lvl2pPr marL="342900" indent="0">
               <a:buNone/>
-              <a:defRPr sz="2000" b="1"/>
+              <a:defRPr sz="1500" b="1"/>
             </a:lvl2pPr>
-            <a:lvl3pPr marL="914400" indent="0">
+            <a:lvl3pPr marL="685800" indent="0">
               <a:buNone/>
-              <a:defRPr sz="1800" b="1"/>
+              <a:defRPr sz="1350" b="1"/>
             </a:lvl3pPr>
-            <a:lvl4pPr marL="1371600" indent="0">
+            <a:lvl4pPr marL="1028700" indent="0">
               <a:buNone/>
-              <a:defRPr sz="1600" b="1"/>
+              <a:defRPr sz="1200" b="1"/>
             </a:lvl4pPr>
-            <a:lvl5pPr marL="1828800" indent="0">
+            <a:lvl5pPr marL="1371600" indent="0">
               <a:buNone/>
-              <a:defRPr sz="1600" b="1"/>
+              <a:defRPr sz="1200" b="1"/>
             </a:lvl5pPr>
-            <a:lvl6pPr marL="2286000" indent="0">
+            <a:lvl6pPr marL="1714500" indent="0">
               <a:buNone/>
-              <a:defRPr sz="1600" b="1"/>
+              <a:defRPr sz="1200" b="1"/>
             </a:lvl6pPr>
-            <a:lvl7pPr marL="2743200" indent="0">
+            <a:lvl7pPr marL="2057400" indent="0">
               <a:buNone/>
-              <a:defRPr sz="1600" b="1"/>
+              <a:defRPr sz="1200" b="1"/>
             </a:lvl7pPr>
-            <a:lvl8pPr marL="3200400" indent="0">
+            <a:lvl8pPr marL="2400300" indent="0">
               <a:buNone/>
-              <a:defRPr sz="1600" b="1"/>
+              <a:defRPr sz="1200" b="1"/>
             </a:lvl8pPr>
-            <a:lvl9pPr marL="3657600" indent="0">
+            <a:lvl9pPr marL="2743200" indent="0">
               <a:buNone/>
-              <a:defRPr sz="1600" b="1"/>
+              <a:defRPr sz="1200" b="1"/>
             </a:lvl9pPr>
           </a:lstStyle>
           <a:p>
@@ -1423,7 +1629,13 @@
       </p:sp>
       <p:sp>
         <p:nvSpPr>
-          <p:cNvPr id="4" name="Content Placeholder 3"/>
+          <p:cNvPr id="4" name="Content Placeholder 3">
+            <a:extLst>
+              <a:ext uri="{FF2B5EF4-FFF2-40B4-BE49-F238E27FC236}">
+                <a16:creationId xmlns:a16="http://schemas.microsoft.com/office/drawing/2014/main" id="{0466B06E-E18C-2A44-874F-A450A585B821}"/>
+              </a:ext>
+            </a:extLst>
+          </p:cNvPr>
           <p:cNvSpPr>
             <a:spLocks noGrp="1"/>
           </p:cNvSpPr>
@@ -1474,13 +1686,18 @@
               <a:rPr lang="en-US"/>
               <a:t>Fifth level</a:t>
             </a:r>
-            <a:endParaRPr lang="en-US" dirty="0"/>
           </a:p>
         </p:txBody>
       </p:sp>
       <p:sp>
         <p:nvSpPr>
-          <p:cNvPr id="5" name="Text Placeholder 4"/>
+          <p:cNvPr id="5" name="Text Placeholder 4">
+            <a:extLst>
+              <a:ext uri="{FF2B5EF4-FFF2-40B4-BE49-F238E27FC236}">
+                <a16:creationId xmlns:a16="http://schemas.microsoft.com/office/drawing/2014/main" id="{54F4D0BB-5ECC-534A-9FA6-93A82361D378}"/>
+              </a:ext>
+            </a:extLst>
+          </p:cNvPr>
           <p:cNvSpPr>
             <a:spLocks noGrp="1"/>
           </p:cNvSpPr>
@@ -1499,39 +1716,39 @@
           <a:lstStyle>
             <a:lvl1pPr marL="0" indent="0">
               <a:buNone/>
-              <a:defRPr sz="2400" b="1"/>
+              <a:defRPr sz="1800" b="1"/>
             </a:lvl1pPr>
-            <a:lvl2pPr marL="457200" indent="0">
+            <a:lvl2pPr marL="342900" indent="0">
               <a:buNone/>
-              <a:defRPr sz="2000" b="1"/>
+              <a:defRPr sz="1500" b="1"/>
             </a:lvl2pPr>
-            <a:lvl3pPr marL="914400" indent="0">
+            <a:lvl3pPr marL="685800" indent="0">
               <a:buNone/>
-              <a:defRPr sz="1800" b="1"/>
+              <a:defRPr sz="1350" b="1"/>
             </a:lvl3pPr>
-            <a:lvl4pPr marL="1371600" indent="0">
+            <a:lvl4pPr marL="1028700" indent="0">
               <a:buNone/>
-              <a:defRPr sz="1600" b="1"/>
+              <a:defRPr sz="1200" b="1"/>
             </a:lvl4pPr>
-            <a:lvl5pPr marL="1828800" indent="0">
+            <a:lvl5pPr marL="1371600" indent="0">
               <a:buNone/>
-              <a:defRPr sz="1600" b="1"/>
+              <a:defRPr sz="1200" b="1"/>
             </a:lvl5pPr>
-            <a:lvl6pPr marL="2286000" indent="0">
+            <a:lvl6pPr marL="1714500" indent="0">
               <a:buNone/>
-              <a:defRPr sz="1600" b="1"/>
+              <a:defRPr sz="1200" b="1"/>
             </a:lvl6pPr>
-            <a:lvl7pPr marL="2743200" indent="0">
+            <a:lvl7pPr marL="2057400" indent="0">
               <a:buNone/>
-              <a:defRPr sz="1600" b="1"/>
+              <a:defRPr sz="1200" b="1"/>
             </a:lvl7pPr>
-            <a:lvl8pPr marL="3200400" indent="0">
+            <a:lvl8pPr marL="2400300" indent="0">
               <a:buNone/>
-              <a:defRPr sz="1600" b="1"/>
+              <a:defRPr sz="1200" b="1"/>
             </a:lvl8pPr>
-            <a:lvl9pPr marL="3657600" indent="0">
+            <a:lvl9pPr marL="2743200" indent="0">
               <a:buNone/>
-              <a:defRPr sz="1600" b="1"/>
+              <a:defRPr sz="1200" b="1"/>
             </a:lvl9pPr>
           </a:lstStyle>
           <a:p>
@@ -1545,7 +1762,13 @@
       </p:sp>
       <p:sp>
         <p:nvSpPr>
-          <p:cNvPr id="6" name="Content Placeholder 5"/>
+          <p:cNvPr id="6" name="Content Placeholder 5">
+            <a:extLst>
+              <a:ext uri="{FF2B5EF4-FFF2-40B4-BE49-F238E27FC236}">
+                <a16:creationId xmlns:a16="http://schemas.microsoft.com/office/drawing/2014/main" id="{17425B45-2812-1F49-9093-AD04BBD6A7A3}"/>
+              </a:ext>
+            </a:extLst>
+          </p:cNvPr>
           <p:cNvSpPr>
             <a:spLocks noGrp="1"/>
           </p:cNvSpPr>
@@ -1596,13 +1819,18 @@
               <a:rPr lang="en-US"/>
               <a:t>Fifth level</a:t>
             </a:r>
-            <a:endParaRPr lang="en-US" dirty="0"/>
           </a:p>
         </p:txBody>
       </p:sp>
       <p:sp>
         <p:nvSpPr>
-          <p:cNvPr id="7" name="Date Placeholder 6"/>
+          <p:cNvPr id="7" name="Date Placeholder 6">
+            <a:extLst>
+              <a:ext uri="{FF2B5EF4-FFF2-40B4-BE49-F238E27FC236}">
+                <a16:creationId xmlns:a16="http://schemas.microsoft.com/office/drawing/2014/main" id="{850118A8-2573-E040-8212-A310CCD1CF85}"/>
+              </a:ext>
+            </a:extLst>
+          </p:cNvPr>
           <p:cNvSpPr>
             <a:spLocks noGrp="1"/>
           </p:cNvSpPr>
@@ -1617,7 +1845,7 @@
           <a:p>
             <a:fld id="{6E19963A-E563-FF41-97A1-EDA55CB1C20E}" type="datetimeFigureOut">
               <a:rPr lang="en-US" smtClean="0"/>
-              <a:t>2/3/23</a:t>
+              <a:t>2/7/23</a:t>
             </a:fld>
             <a:endParaRPr lang="en-US"/>
           </a:p>
@@ -1625,7 +1853,13 @@
       </p:sp>
       <p:sp>
         <p:nvSpPr>
-          <p:cNvPr id="8" name="Footer Placeholder 7"/>
+          <p:cNvPr id="8" name="Footer Placeholder 7">
+            <a:extLst>
+              <a:ext uri="{FF2B5EF4-FFF2-40B4-BE49-F238E27FC236}">
+                <a16:creationId xmlns:a16="http://schemas.microsoft.com/office/drawing/2014/main" id="{341C64DB-01B4-7048-8753-7EABBF806727}"/>
+              </a:ext>
+            </a:extLst>
+          </p:cNvPr>
           <p:cNvSpPr>
             <a:spLocks noGrp="1"/>
           </p:cNvSpPr>
@@ -1644,7 +1878,13 @@
       </p:sp>
       <p:sp>
         <p:nvSpPr>
-          <p:cNvPr id="9" name="Slide Number Placeholder 8"/>
+          <p:cNvPr id="9" name="Slide Number Placeholder 8">
+            <a:extLst>
+              <a:ext uri="{FF2B5EF4-FFF2-40B4-BE49-F238E27FC236}">
+                <a16:creationId xmlns:a16="http://schemas.microsoft.com/office/drawing/2014/main" id="{3B44C1DD-6112-8D43-9904-E3D2E9695086}"/>
+              </a:ext>
+            </a:extLst>
+          </p:cNvPr>
           <p:cNvSpPr>
             <a:spLocks noGrp="1"/>
           </p:cNvSpPr>
@@ -1668,7 +1908,7 @@
     </p:spTree>
     <p:extLst>
       <p:ext uri="{BB962C8B-B14F-4D97-AF65-F5344CB8AC3E}">
-        <p14:creationId xmlns:p14="http://schemas.microsoft.com/office/powerpoint/2010/main" val="2084390476"/>
+        <p14:creationId xmlns:p14="http://schemas.microsoft.com/office/powerpoint/2010/main" val="3277114606"/>
       </p:ext>
     </p:extLst>
   </p:cSld>
@@ -1697,7 +1937,13 @@
       </p:grpSpPr>
       <p:sp>
         <p:nvSpPr>
-          <p:cNvPr id="2" name="Title 1"/>
+          <p:cNvPr id="2" name="Title 1">
+            <a:extLst>
+              <a:ext uri="{FF2B5EF4-FFF2-40B4-BE49-F238E27FC236}">
+                <a16:creationId xmlns:a16="http://schemas.microsoft.com/office/drawing/2014/main" id="{88D30CFA-AC97-B64C-8A88-6CA03EE79949}"/>
+              </a:ext>
+            </a:extLst>
+          </p:cNvPr>
           <p:cNvSpPr>
             <a:spLocks noGrp="1"/>
           </p:cNvSpPr>
@@ -1714,13 +1960,18 @@
               <a:rPr lang="en-US"/>
               <a:t>Click to edit Master title style</a:t>
             </a:r>
-            <a:endParaRPr lang="en-US" dirty="0"/>
           </a:p>
         </p:txBody>
       </p:sp>
       <p:sp>
         <p:nvSpPr>
-          <p:cNvPr id="3" name="Date Placeholder 2"/>
+          <p:cNvPr id="3" name="Date Placeholder 2">
+            <a:extLst>
+              <a:ext uri="{FF2B5EF4-FFF2-40B4-BE49-F238E27FC236}">
+                <a16:creationId xmlns:a16="http://schemas.microsoft.com/office/drawing/2014/main" id="{FAAABC7A-77E8-994E-85F8-0781FBF5F3D2}"/>
+              </a:ext>
+            </a:extLst>
+          </p:cNvPr>
           <p:cNvSpPr>
             <a:spLocks noGrp="1"/>
           </p:cNvSpPr>
@@ -1735,7 +1986,7 @@
           <a:p>
             <a:fld id="{6E19963A-E563-FF41-97A1-EDA55CB1C20E}" type="datetimeFigureOut">
               <a:rPr lang="en-US" smtClean="0"/>
-              <a:t>2/3/23</a:t>
+              <a:t>2/7/23</a:t>
             </a:fld>
             <a:endParaRPr lang="en-US"/>
           </a:p>
@@ -1743,7 +1994,13 @@
       </p:sp>
       <p:sp>
         <p:nvSpPr>
-          <p:cNvPr id="4" name="Footer Placeholder 3"/>
+          <p:cNvPr id="4" name="Footer Placeholder 3">
+            <a:extLst>
+              <a:ext uri="{FF2B5EF4-FFF2-40B4-BE49-F238E27FC236}">
+                <a16:creationId xmlns:a16="http://schemas.microsoft.com/office/drawing/2014/main" id="{824FBCF0-4C7C-D24A-AC29-79E47A7FF1D3}"/>
+              </a:ext>
+            </a:extLst>
+          </p:cNvPr>
           <p:cNvSpPr>
             <a:spLocks noGrp="1"/>
           </p:cNvSpPr>
@@ -1762,7 +2019,13 @@
       </p:sp>
       <p:sp>
         <p:nvSpPr>
-          <p:cNvPr id="5" name="Slide Number Placeholder 4"/>
+          <p:cNvPr id="5" name="Slide Number Placeholder 4">
+            <a:extLst>
+              <a:ext uri="{FF2B5EF4-FFF2-40B4-BE49-F238E27FC236}">
+                <a16:creationId xmlns:a16="http://schemas.microsoft.com/office/drawing/2014/main" id="{DC04B2AA-D1C3-9046-BBFF-794548DC68A4}"/>
+              </a:ext>
+            </a:extLst>
+          </p:cNvPr>
           <p:cNvSpPr>
             <a:spLocks noGrp="1"/>
           </p:cNvSpPr>
@@ -1786,7 +2049,7 @@
     </p:spTree>
     <p:extLst>
       <p:ext uri="{BB962C8B-B14F-4D97-AF65-F5344CB8AC3E}">
-        <p14:creationId xmlns:p14="http://schemas.microsoft.com/office/powerpoint/2010/main" val="1559145526"/>
+        <p14:creationId xmlns:p14="http://schemas.microsoft.com/office/powerpoint/2010/main" val="2963459659"/>
       </p:ext>
     </p:extLst>
   </p:cSld>
@@ -1815,7 +2078,13 @@
       </p:grpSpPr>
       <p:sp>
         <p:nvSpPr>
-          <p:cNvPr id="2" name="Date Placeholder 1"/>
+          <p:cNvPr id="2" name="Date Placeholder 1">
+            <a:extLst>
+              <a:ext uri="{FF2B5EF4-FFF2-40B4-BE49-F238E27FC236}">
+                <a16:creationId xmlns:a16="http://schemas.microsoft.com/office/drawing/2014/main" id="{79EDB061-1760-7946-845F-981E40F2D041}"/>
+              </a:ext>
+            </a:extLst>
+          </p:cNvPr>
           <p:cNvSpPr>
             <a:spLocks noGrp="1"/>
           </p:cNvSpPr>
@@ -1830,7 +2099,7 @@
           <a:p>
             <a:fld id="{6E19963A-E563-FF41-97A1-EDA55CB1C20E}" type="datetimeFigureOut">
               <a:rPr lang="en-US" smtClean="0"/>
-              <a:t>2/3/23</a:t>
+              <a:t>2/7/23</a:t>
             </a:fld>
             <a:endParaRPr lang="en-US"/>
           </a:p>
@@ -1838,7 +2107,13 @@
       </p:sp>
       <p:sp>
         <p:nvSpPr>
-          <p:cNvPr id="3" name="Footer Placeholder 2"/>
+          <p:cNvPr id="3" name="Footer Placeholder 2">
+            <a:extLst>
+              <a:ext uri="{FF2B5EF4-FFF2-40B4-BE49-F238E27FC236}">
+                <a16:creationId xmlns:a16="http://schemas.microsoft.com/office/drawing/2014/main" id="{319B265E-1F5C-BD45-B905-9856ADCA0ADD}"/>
+              </a:ext>
+            </a:extLst>
+          </p:cNvPr>
           <p:cNvSpPr>
             <a:spLocks noGrp="1"/>
           </p:cNvSpPr>
@@ -1857,7 +2132,13 @@
       </p:sp>
       <p:sp>
         <p:nvSpPr>
-          <p:cNvPr id="4" name="Slide Number Placeholder 3"/>
+          <p:cNvPr id="4" name="Slide Number Placeholder 3">
+            <a:extLst>
+              <a:ext uri="{FF2B5EF4-FFF2-40B4-BE49-F238E27FC236}">
+                <a16:creationId xmlns:a16="http://schemas.microsoft.com/office/drawing/2014/main" id="{2281A059-F288-9440-90C7-A51B095CA114}"/>
+              </a:ext>
+            </a:extLst>
+          </p:cNvPr>
           <p:cNvSpPr>
             <a:spLocks noGrp="1"/>
           </p:cNvSpPr>
@@ -1881,7 +2162,7 @@
     </p:spTree>
     <p:extLst>
       <p:ext uri="{BB962C8B-B14F-4D97-AF65-F5344CB8AC3E}">
-        <p14:creationId xmlns:p14="http://schemas.microsoft.com/office/powerpoint/2010/main" val="2806164141"/>
+        <p14:creationId xmlns:p14="http://schemas.microsoft.com/office/powerpoint/2010/main" val="4003039993"/>
       </p:ext>
     </p:extLst>
   </p:cSld>
@@ -1910,7 +2191,13 @@
       </p:grpSpPr>
       <p:sp>
         <p:nvSpPr>
-          <p:cNvPr id="2" name="Title 1"/>
+          <p:cNvPr id="2" name="Title 1">
+            <a:extLst>
+              <a:ext uri="{FF2B5EF4-FFF2-40B4-BE49-F238E27FC236}">
+                <a16:creationId xmlns:a16="http://schemas.microsoft.com/office/drawing/2014/main" id="{90F5CBD0-6720-E245-B379-2E34B0740303}"/>
+              </a:ext>
+            </a:extLst>
+          </p:cNvPr>
           <p:cNvSpPr>
             <a:spLocks noGrp="1"/>
           </p:cNvSpPr>
@@ -1928,7 +2215,7 @@
           <a:bodyPr anchor="b"/>
           <a:lstStyle>
             <a:lvl1pPr>
-              <a:defRPr sz="3200"/>
+              <a:defRPr sz="2400"/>
             </a:lvl1pPr>
           </a:lstStyle>
           <a:p>
@@ -1936,13 +2223,18 @@
               <a:rPr lang="en-US"/>
               <a:t>Click to edit Master title style</a:t>
             </a:r>
-            <a:endParaRPr lang="en-US" dirty="0"/>
           </a:p>
         </p:txBody>
       </p:sp>
       <p:sp>
         <p:nvSpPr>
-          <p:cNvPr id="3" name="Content Placeholder 2"/>
+          <p:cNvPr id="3" name="Content Placeholder 2">
+            <a:extLst>
+              <a:ext uri="{FF2B5EF4-FFF2-40B4-BE49-F238E27FC236}">
+                <a16:creationId xmlns:a16="http://schemas.microsoft.com/office/drawing/2014/main" id="{356A19A3-6FE7-0D48-B24C-38BE3DD1A359}"/>
+              </a:ext>
+            </a:extLst>
+          </p:cNvPr>
           <p:cNvSpPr>
             <a:spLocks noGrp="1"/>
           </p:cNvSpPr>
@@ -1960,31 +2252,31 @@
           <a:bodyPr/>
           <a:lstStyle>
             <a:lvl1pPr>
-              <a:defRPr sz="3200"/>
+              <a:defRPr sz="2400"/>
             </a:lvl1pPr>
             <a:lvl2pPr>
-              <a:defRPr sz="2800"/>
+              <a:defRPr sz="2100"/>
             </a:lvl2pPr>
             <a:lvl3pPr>
-              <a:defRPr sz="2400"/>
+              <a:defRPr sz="1800"/>
             </a:lvl3pPr>
             <a:lvl4pPr>
-              <a:defRPr sz="2000"/>
+              <a:defRPr sz="1500"/>
             </a:lvl4pPr>
             <a:lvl5pPr>
-              <a:defRPr sz="2000"/>
+              <a:defRPr sz="1500"/>
             </a:lvl5pPr>
             <a:lvl6pPr>
-              <a:defRPr sz="2000"/>
+              <a:defRPr sz="1500"/>
             </a:lvl6pPr>
             <a:lvl7pPr>
-              <a:defRPr sz="2000"/>
+              <a:defRPr sz="1500"/>
             </a:lvl7pPr>
             <a:lvl8pPr>
-              <a:defRPr sz="2000"/>
+              <a:defRPr sz="1500"/>
             </a:lvl8pPr>
             <a:lvl9pPr>
-              <a:defRPr sz="2000"/>
+              <a:defRPr sz="1500"/>
             </a:lvl9pPr>
           </a:lstStyle>
           <a:p>
@@ -2021,13 +2313,18 @@
               <a:rPr lang="en-US"/>
               <a:t>Fifth level</a:t>
             </a:r>
-            <a:endParaRPr lang="en-US" dirty="0"/>
           </a:p>
         </p:txBody>
       </p:sp>
       <p:sp>
         <p:nvSpPr>
-          <p:cNvPr id="4" name="Text Placeholder 3"/>
+          <p:cNvPr id="4" name="Text Placeholder 3">
+            <a:extLst>
+              <a:ext uri="{FF2B5EF4-FFF2-40B4-BE49-F238E27FC236}">
+                <a16:creationId xmlns:a16="http://schemas.microsoft.com/office/drawing/2014/main" id="{658A91DC-BA73-AA46-AA2C-BB4258ABE286}"/>
+              </a:ext>
+            </a:extLst>
+          </p:cNvPr>
           <p:cNvSpPr>
             <a:spLocks noGrp="1"/>
           </p:cNvSpPr>
@@ -2046,39 +2343,39 @@
           <a:lstStyle>
             <a:lvl1pPr marL="0" indent="0">
               <a:buNone/>
-              <a:defRPr sz="1600"/>
+              <a:defRPr sz="1200"/>
             </a:lvl1pPr>
-            <a:lvl2pPr marL="457200" indent="0">
+            <a:lvl2pPr marL="342900" indent="0">
               <a:buNone/>
-              <a:defRPr sz="1400"/>
+              <a:defRPr sz="1050"/>
             </a:lvl2pPr>
-            <a:lvl3pPr marL="914400" indent="0">
+            <a:lvl3pPr marL="685800" indent="0">
               <a:buNone/>
-              <a:defRPr sz="1200"/>
+              <a:defRPr sz="900"/>
             </a:lvl3pPr>
-            <a:lvl4pPr marL="1371600" indent="0">
+            <a:lvl4pPr marL="1028700" indent="0">
               <a:buNone/>
-              <a:defRPr sz="1000"/>
+              <a:defRPr sz="750"/>
             </a:lvl4pPr>
-            <a:lvl5pPr marL="1828800" indent="0">
+            <a:lvl5pPr marL="1371600" indent="0">
               <a:buNone/>
-              <a:defRPr sz="1000"/>
+              <a:defRPr sz="750"/>
             </a:lvl5pPr>
-            <a:lvl6pPr marL="2286000" indent="0">
+            <a:lvl6pPr marL="1714500" indent="0">
               <a:buNone/>
-              <a:defRPr sz="1000"/>
+              <a:defRPr sz="750"/>
             </a:lvl6pPr>
-            <a:lvl7pPr marL="2743200" indent="0">
+            <a:lvl7pPr marL="2057400" indent="0">
               <a:buNone/>
-              <a:defRPr sz="1000"/>
+              <a:defRPr sz="750"/>
             </a:lvl7pPr>
-            <a:lvl8pPr marL="3200400" indent="0">
+            <a:lvl8pPr marL="2400300" indent="0">
               <a:buNone/>
-              <a:defRPr sz="1000"/>
+              <a:defRPr sz="750"/>
             </a:lvl8pPr>
-            <a:lvl9pPr marL="3657600" indent="0">
+            <a:lvl9pPr marL="2743200" indent="0">
               <a:buNone/>
-              <a:defRPr sz="1000"/>
+              <a:defRPr sz="750"/>
             </a:lvl9pPr>
           </a:lstStyle>
           <a:p>
@@ -2092,7 +2389,13 @@
       </p:sp>
       <p:sp>
         <p:nvSpPr>
-          <p:cNvPr id="5" name="Date Placeholder 4"/>
+          <p:cNvPr id="5" name="Date Placeholder 4">
+            <a:extLst>
+              <a:ext uri="{FF2B5EF4-FFF2-40B4-BE49-F238E27FC236}">
+                <a16:creationId xmlns:a16="http://schemas.microsoft.com/office/drawing/2014/main" id="{3B681565-26C4-9647-A5FD-359D6876BA9B}"/>
+              </a:ext>
+            </a:extLst>
+          </p:cNvPr>
           <p:cNvSpPr>
             <a:spLocks noGrp="1"/>
           </p:cNvSpPr>
@@ -2107,7 +2410,7 @@
           <a:p>
             <a:fld id="{6E19963A-E563-FF41-97A1-EDA55CB1C20E}" type="datetimeFigureOut">
               <a:rPr lang="en-US" smtClean="0"/>
-              <a:t>2/3/23</a:t>
+              <a:t>2/7/23</a:t>
             </a:fld>
             <a:endParaRPr lang="en-US"/>
           </a:p>
@@ -2115,7 +2418,13 @@
       </p:sp>
       <p:sp>
         <p:nvSpPr>
-          <p:cNvPr id="6" name="Footer Placeholder 5"/>
+          <p:cNvPr id="6" name="Footer Placeholder 5">
+            <a:extLst>
+              <a:ext uri="{FF2B5EF4-FFF2-40B4-BE49-F238E27FC236}">
+                <a16:creationId xmlns:a16="http://schemas.microsoft.com/office/drawing/2014/main" id="{1CBEC2CE-780E-4842-8E4A-E8607AAB65E9}"/>
+              </a:ext>
+            </a:extLst>
+          </p:cNvPr>
           <p:cNvSpPr>
             <a:spLocks noGrp="1"/>
           </p:cNvSpPr>
@@ -2134,7 +2443,13 @@
       </p:sp>
       <p:sp>
         <p:nvSpPr>
-          <p:cNvPr id="7" name="Slide Number Placeholder 6"/>
+          <p:cNvPr id="7" name="Slide Number Placeholder 6">
+            <a:extLst>
+              <a:ext uri="{FF2B5EF4-FFF2-40B4-BE49-F238E27FC236}">
+                <a16:creationId xmlns:a16="http://schemas.microsoft.com/office/drawing/2014/main" id="{68D9CA3E-3D82-804C-B679-8F9ADC5CB4F4}"/>
+              </a:ext>
+            </a:extLst>
+          </p:cNvPr>
           <p:cNvSpPr>
             <a:spLocks noGrp="1"/>
           </p:cNvSpPr>
@@ -2158,7 +2473,7 @@
     </p:spTree>
     <p:extLst>
       <p:ext uri="{BB962C8B-B14F-4D97-AF65-F5344CB8AC3E}">
-        <p14:creationId xmlns:p14="http://schemas.microsoft.com/office/powerpoint/2010/main" val="2002675432"/>
+        <p14:creationId xmlns:p14="http://schemas.microsoft.com/office/powerpoint/2010/main" val="1887541441"/>
       </p:ext>
     </p:extLst>
   </p:cSld>
@@ -2187,7 +2502,13 @@
       </p:grpSpPr>
       <p:sp>
         <p:nvSpPr>
-          <p:cNvPr id="2" name="Title 1"/>
+          <p:cNvPr id="2" name="Title 1">
+            <a:extLst>
+              <a:ext uri="{FF2B5EF4-FFF2-40B4-BE49-F238E27FC236}">
+                <a16:creationId xmlns:a16="http://schemas.microsoft.com/office/drawing/2014/main" id="{F09CF370-6190-AF4B-BDA3-3E89BF140B06}"/>
+              </a:ext>
+            </a:extLst>
+          </p:cNvPr>
           <p:cNvSpPr>
             <a:spLocks noGrp="1"/>
           </p:cNvSpPr>
@@ -2205,7 +2526,7 @@
           <a:bodyPr anchor="b"/>
           <a:lstStyle>
             <a:lvl1pPr>
-              <a:defRPr sz="3200"/>
+              <a:defRPr sz="2400"/>
             </a:lvl1pPr>
           </a:lstStyle>
           <a:p>
@@ -2213,15 +2534,20 @@
               <a:rPr lang="en-US"/>
               <a:t>Click to edit Master title style</a:t>
             </a:r>
-            <a:endParaRPr lang="en-US" dirty="0"/>
           </a:p>
         </p:txBody>
       </p:sp>
       <p:sp>
         <p:nvSpPr>
-          <p:cNvPr id="3" name="Picture Placeholder 2"/>
+          <p:cNvPr id="3" name="Picture Placeholder 2">
+            <a:extLst>
+              <a:ext uri="{FF2B5EF4-FFF2-40B4-BE49-F238E27FC236}">
+                <a16:creationId xmlns:a16="http://schemas.microsoft.com/office/drawing/2014/main" id="{0F6841D0-48FE-EA46-8B0F-E4C994A73019}"/>
+              </a:ext>
+            </a:extLst>
+          </p:cNvPr>
           <p:cNvSpPr>
-            <a:spLocks noGrp="1" noChangeAspect="1"/>
+            <a:spLocks noGrp="1"/>
           </p:cNvSpPr>
           <p:nvPr>
             <p:ph type="pic" idx="1"/>
@@ -2234,57 +2560,59 @@
           </a:xfrm>
         </p:spPr>
         <p:txBody>
-          <a:bodyPr anchor="t"/>
+          <a:bodyPr/>
           <a:lstStyle>
             <a:lvl1pPr marL="0" indent="0">
               <a:buNone/>
-              <a:defRPr sz="3200"/>
+              <a:defRPr sz="2400"/>
             </a:lvl1pPr>
-            <a:lvl2pPr marL="457200" indent="0">
+            <a:lvl2pPr marL="342900" indent="0">
               <a:buNone/>
-              <a:defRPr sz="2800"/>
+              <a:defRPr sz="2100"/>
             </a:lvl2pPr>
-            <a:lvl3pPr marL="914400" indent="0">
+            <a:lvl3pPr marL="685800" indent="0">
               <a:buNone/>
-              <a:defRPr sz="2400"/>
+              <a:defRPr sz="1800"/>
             </a:lvl3pPr>
-            <a:lvl4pPr marL="1371600" indent="0">
+            <a:lvl4pPr marL="1028700" indent="0">
               <a:buNone/>
-              <a:defRPr sz="2000"/>
+              <a:defRPr sz="1500"/>
             </a:lvl4pPr>
-            <a:lvl5pPr marL="1828800" indent="0">
+            <a:lvl5pPr marL="1371600" indent="0">
               <a:buNone/>
-              <a:defRPr sz="2000"/>
+              <a:defRPr sz="1500"/>
             </a:lvl5pPr>
-            <a:lvl6pPr marL="2286000" indent="0">
+            <a:lvl6pPr marL="1714500" indent="0">
               <a:buNone/>
-              <a:defRPr sz="2000"/>
+              <a:defRPr sz="1500"/>
             </a:lvl6pPr>
-            <a:lvl7pPr marL="2743200" indent="0">
+            <a:lvl7pPr marL="2057400" indent="0">
               <a:buNone/>
-              <a:defRPr sz="2000"/>
+              <a:defRPr sz="1500"/>
             </a:lvl7pPr>
-            <a:lvl8pPr marL="3200400" indent="0">
+            <a:lvl8pPr marL="2400300" indent="0">
               <a:buNone/>
-              <a:defRPr sz="2000"/>
+              <a:defRPr sz="1500"/>
             </a:lvl8pPr>
-            <a:lvl9pPr marL="3657600" indent="0">
+            <a:lvl9pPr marL="2743200" indent="0">
               <a:buNone/>
-              <a:defRPr sz="2000"/>
+              <a:defRPr sz="1500"/>
             </a:lvl9pPr>
           </a:lstStyle>
           <a:p>
-            <a:r>
-              <a:rPr lang="en-US"/>
-              <a:t>Click icon to add picture</a:t>
-            </a:r>
-            <a:endParaRPr lang="en-US" dirty="0"/>
+            <a:endParaRPr lang="en-US"/>
           </a:p>
         </p:txBody>
       </p:sp>
       <p:sp>
         <p:nvSpPr>
-          <p:cNvPr id="4" name="Text Placeholder 3"/>
+          <p:cNvPr id="4" name="Text Placeholder 3">
+            <a:extLst>
+              <a:ext uri="{FF2B5EF4-FFF2-40B4-BE49-F238E27FC236}">
+                <a16:creationId xmlns:a16="http://schemas.microsoft.com/office/drawing/2014/main" id="{D3CFE150-48DB-8A4C-A6F4-A4F86E52EF19}"/>
+              </a:ext>
+            </a:extLst>
+          </p:cNvPr>
           <p:cNvSpPr>
             <a:spLocks noGrp="1"/>
           </p:cNvSpPr>
@@ -2303,39 +2631,39 @@
           <a:lstStyle>
             <a:lvl1pPr marL="0" indent="0">
               <a:buNone/>
-              <a:defRPr sz="1600"/>
+              <a:defRPr sz="1200"/>
             </a:lvl1pPr>
-            <a:lvl2pPr marL="457200" indent="0">
+            <a:lvl2pPr marL="342900" indent="0">
               <a:buNone/>
-              <a:defRPr sz="1400"/>
+              <a:defRPr sz="1050"/>
             </a:lvl2pPr>
-            <a:lvl3pPr marL="914400" indent="0">
+            <a:lvl3pPr marL="685800" indent="0">
               <a:buNone/>
-              <a:defRPr sz="1200"/>
+              <a:defRPr sz="900"/>
             </a:lvl3pPr>
-            <a:lvl4pPr marL="1371600" indent="0">
+            <a:lvl4pPr marL="1028700" indent="0">
               <a:buNone/>
-              <a:defRPr sz="1000"/>
+              <a:defRPr sz="750"/>
             </a:lvl4pPr>
-            <a:lvl5pPr marL="1828800" indent="0">
+            <a:lvl5pPr marL="1371600" indent="0">
               <a:buNone/>
-              <a:defRPr sz="1000"/>
+              <a:defRPr sz="750"/>
             </a:lvl5pPr>
-            <a:lvl6pPr marL="2286000" indent="0">
+            <a:lvl6pPr marL="1714500" indent="0">
               <a:buNone/>
-              <a:defRPr sz="1000"/>
+              <a:defRPr sz="750"/>
             </a:lvl6pPr>
-            <a:lvl7pPr marL="2743200" indent="0">
+            <a:lvl7pPr marL="2057400" indent="0">
               <a:buNone/>
-              <a:defRPr sz="1000"/>
+              <a:defRPr sz="750"/>
             </a:lvl7pPr>
-            <a:lvl8pPr marL="3200400" indent="0">
+            <a:lvl8pPr marL="2400300" indent="0">
               <a:buNone/>
-              <a:defRPr sz="1000"/>
+              <a:defRPr sz="750"/>
             </a:lvl8pPr>
-            <a:lvl9pPr marL="3657600" indent="0">
+            <a:lvl9pPr marL="2743200" indent="0">
               <a:buNone/>
-              <a:defRPr sz="1000"/>
+              <a:defRPr sz="750"/>
             </a:lvl9pPr>
           </a:lstStyle>
           <a:p>
@@ -2349,7 +2677,13 @@
       </p:sp>
       <p:sp>
         <p:nvSpPr>
-          <p:cNvPr id="5" name="Date Placeholder 4"/>
+          <p:cNvPr id="5" name="Date Placeholder 4">
+            <a:extLst>
+              <a:ext uri="{FF2B5EF4-FFF2-40B4-BE49-F238E27FC236}">
+                <a16:creationId xmlns:a16="http://schemas.microsoft.com/office/drawing/2014/main" id="{4D28079F-614D-7E48-8390-A81362C26556}"/>
+              </a:ext>
+            </a:extLst>
+          </p:cNvPr>
           <p:cNvSpPr>
             <a:spLocks noGrp="1"/>
           </p:cNvSpPr>
@@ -2364,7 +2698,7 @@
           <a:p>
             <a:fld id="{6E19963A-E563-FF41-97A1-EDA55CB1C20E}" type="datetimeFigureOut">
               <a:rPr lang="en-US" smtClean="0"/>
-              <a:t>2/3/23</a:t>
+              <a:t>2/7/23</a:t>
             </a:fld>
             <a:endParaRPr lang="en-US"/>
           </a:p>
@@ -2372,7 +2706,13 @@
       </p:sp>
       <p:sp>
         <p:nvSpPr>
-          <p:cNvPr id="6" name="Footer Placeholder 5"/>
+          <p:cNvPr id="6" name="Footer Placeholder 5">
+            <a:extLst>
+              <a:ext uri="{FF2B5EF4-FFF2-40B4-BE49-F238E27FC236}">
+                <a16:creationId xmlns:a16="http://schemas.microsoft.com/office/drawing/2014/main" id="{B4D1B397-F9B7-AC4B-AB95-68CAF818D187}"/>
+              </a:ext>
+            </a:extLst>
+          </p:cNvPr>
           <p:cNvSpPr>
             <a:spLocks noGrp="1"/>
           </p:cNvSpPr>
@@ -2391,7 +2731,13 @@
       </p:sp>
       <p:sp>
         <p:nvSpPr>
-          <p:cNvPr id="7" name="Slide Number Placeholder 6"/>
+          <p:cNvPr id="7" name="Slide Number Placeholder 6">
+            <a:extLst>
+              <a:ext uri="{FF2B5EF4-FFF2-40B4-BE49-F238E27FC236}">
+                <a16:creationId xmlns:a16="http://schemas.microsoft.com/office/drawing/2014/main" id="{C8E19839-E6C8-5648-8C16-EA467AE465FC}"/>
+              </a:ext>
+            </a:extLst>
+          </p:cNvPr>
           <p:cNvSpPr>
             <a:spLocks noGrp="1"/>
           </p:cNvSpPr>
@@ -2415,7 +2761,7 @@
     </p:spTree>
     <p:extLst>
       <p:ext uri="{BB962C8B-B14F-4D97-AF65-F5344CB8AC3E}">
-        <p14:creationId xmlns:p14="http://schemas.microsoft.com/office/powerpoint/2010/main" val="1431218430"/>
+        <p14:creationId xmlns:p14="http://schemas.microsoft.com/office/powerpoint/2010/main" val="82660867"/>
       </p:ext>
     </p:extLst>
   </p:cSld>
@@ -2449,7 +2795,13 @@
       </p:grpSpPr>
       <p:sp>
         <p:nvSpPr>
-          <p:cNvPr id="2" name="Title Placeholder 1"/>
+          <p:cNvPr id="2" name="Title Placeholder 1">
+            <a:extLst>
+              <a:ext uri="{FF2B5EF4-FFF2-40B4-BE49-F238E27FC236}">
+                <a16:creationId xmlns:a16="http://schemas.microsoft.com/office/drawing/2014/main" id="{846D394F-44D1-7546-ABE5-C44833F11762}"/>
+              </a:ext>
+            </a:extLst>
+          </p:cNvPr>
           <p:cNvSpPr>
             <a:spLocks noGrp="1"/>
           </p:cNvSpPr>
@@ -2476,13 +2828,18 @@
               <a:rPr lang="en-US"/>
               <a:t>Click to edit Master title style</a:t>
             </a:r>
-            <a:endParaRPr lang="en-US" dirty="0"/>
           </a:p>
         </p:txBody>
       </p:sp>
       <p:sp>
         <p:nvSpPr>
-          <p:cNvPr id="3" name="Text Placeholder 2"/>
+          <p:cNvPr id="3" name="Text Placeholder 2">
+            <a:extLst>
+              <a:ext uri="{FF2B5EF4-FFF2-40B4-BE49-F238E27FC236}">
+                <a16:creationId xmlns:a16="http://schemas.microsoft.com/office/drawing/2014/main" id="{C3390990-A561-7847-A76F-0999EC0F1C62}"/>
+              </a:ext>
+            </a:extLst>
+          </p:cNvPr>
           <p:cNvSpPr>
             <a:spLocks noGrp="1"/>
           </p:cNvSpPr>
@@ -2538,13 +2895,18 @@
               <a:rPr lang="en-US"/>
               <a:t>Fifth level</a:t>
             </a:r>
-            <a:endParaRPr lang="en-US" dirty="0"/>
           </a:p>
         </p:txBody>
       </p:sp>
       <p:sp>
         <p:nvSpPr>
-          <p:cNvPr id="4" name="Date Placeholder 3"/>
+          <p:cNvPr id="4" name="Date Placeholder 3">
+            <a:extLst>
+              <a:ext uri="{FF2B5EF4-FFF2-40B4-BE49-F238E27FC236}">
+                <a16:creationId xmlns:a16="http://schemas.microsoft.com/office/drawing/2014/main" id="{2CD5727E-5CA3-4446-A54E-2E7FF9314F6E}"/>
+              </a:ext>
+            </a:extLst>
+          </p:cNvPr>
           <p:cNvSpPr>
             <a:spLocks noGrp="1"/>
           </p:cNvSpPr>
@@ -2565,7 +2927,7 @@
           <a:bodyPr vert="horz" lIns="91440" tIns="45720" rIns="91440" bIns="45720" rtlCol="0" anchor="ctr"/>
           <a:lstStyle>
             <a:lvl1pPr algn="l">
-              <a:defRPr sz="1200">
+              <a:defRPr sz="900">
                 <a:solidFill>
                   <a:schemeClr val="tx1">
                     <a:tint val="75000"/>
@@ -2577,7 +2939,7 @@
           <a:p>
             <a:fld id="{6E19963A-E563-FF41-97A1-EDA55CB1C20E}" type="datetimeFigureOut">
               <a:rPr lang="en-US" smtClean="0"/>
-              <a:t>2/3/23</a:t>
+              <a:t>2/7/23</a:t>
             </a:fld>
             <a:endParaRPr lang="en-US"/>
           </a:p>
@@ -2585,7 +2947,13 @@
       </p:sp>
       <p:sp>
         <p:nvSpPr>
-          <p:cNvPr id="5" name="Footer Placeholder 4"/>
+          <p:cNvPr id="5" name="Footer Placeholder 4">
+            <a:extLst>
+              <a:ext uri="{FF2B5EF4-FFF2-40B4-BE49-F238E27FC236}">
+                <a16:creationId xmlns:a16="http://schemas.microsoft.com/office/drawing/2014/main" id="{40A7E209-656C-6F41-B09C-6753F02AA921}"/>
+              </a:ext>
+            </a:extLst>
+          </p:cNvPr>
           <p:cNvSpPr>
             <a:spLocks noGrp="1"/>
           </p:cNvSpPr>
@@ -2606,7 +2974,7 @@
           <a:bodyPr vert="horz" lIns="91440" tIns="45720" rIns="91440" bIns="45720" rtlCol="0" anchor="ctr"/>
           <a:lstStyle>
             <a:lvl1pPr algn="ctr">
-              <a:defRPr sz="1200">
+              <a:defRPr sz="900">
                 <a:solidFill>
                   <a:schemeClr val="tx1">
                     <a:tint val="75000"/>
@@ -2622,7 +2990,13 @@
       </p:sp>
       <p:sp>
         <p:nvSpPr>
-          <p:cNvPr id="6" name="Slide Number Placeholder 5"/>
+          <p:cNvPr id="6" name="Slide Number Placeholder 5">
+            <a:extLst>
+              <a:ext uri="{FF2B5EF4-FFF2-40B4-BE49-F238E27FC236}">
+                <a16:creationId xmlns:a16="http://schemas.microsoft.com/office/drawing/2014/main" id="{4E4F71E8-924B-BF4B-8FB8-14F26D999865}"/>
+              </a:ext>
+            </a:extLst>
+          </p:cNvPr>
           <p:cNvSpPr>
             <a:spLocks noGrp="1"/>
           </p:cNvSpPr>
@@ -2643,7 +3017,7 @@
           <a:bodyPr vert="horz" lIns="91440" tIns="45720" rIns="91440" bIns="45720" rtlCol="0" anchor="ctr"/>
           <a:lstStyle>
             <a:lvl1pPr algn="r">
-              <a:defRPr sz="1200">
+              <a:defRPr sz="900">
                 <a:solidFill>
                   <a:schemeClr val="tx1">
                     <a:tint val="75000"/>
@@ -2664,27 +3038,27 @@
     </p:spTree>
     <p:extLst>
       <p:ext uri="{BB962C8B-B14F-4D97-AF65-F5344CB8AC3E}">
-        <p14:creationId xmlns:p14="http://schemas.microsoft.com/office/powerpoint/2010/main" val="3946135347"/>
+        <p14:creationId xmlns:p14="http://schemas.microsoft.com/office/powerpoint/2010/main" val="2566928575"/>
       </p:ext>
     </p:extLst>
   </p:cSld>
   <p:clrMap bg1="lt1" tx1="dk1" bg2="lt2" tx2="dk2" accent1="accent1" accent2="accent2" accent3="accent3" accent4="accent4" accent5="accent5" accent6="accent6" hlink="hlink" folHlink="folHlink"/>
   <p:sldLayoutIdLst>
-    <p:sldLayoutId id="2147483661" r:id="rId1"/>
-    <p:sldLayoutId id="2147483662" r:id="rId2"/>
-    <p:sldLayoutId id="2147483663" r:id="rId3"/>
-    <p:sldLayoutId id="2147483664" r:id="rId4"/>
-    <p:sldLayoutId id="2147483665" r:id="rId5"/>
-    <p:sldLayoutId id="2147483666" r:id="rId6"/>
-    <p:sldLayoutId id="2147483667" r:id="rId7"/>
-    <p:sldLayoutId id="2147483668" r:id="rId8"/>
-    <p:sldLayoutId id="2147483669" r:id="rId9"/>
-    <p:sldLayoutId id="2147483670" r:id="rId10"/>
-    <p:sldLayoutId id="2147483671" r:id="rId11"/>
+    <p:sldLayoutId id="2147483709" r:id="rId1"/>
+    <p:sldLayoutId id="2147483710" r:id="rId2"/>
+    <p:sldLayoutId id="2147483711" r:id="rId3"/>
+    <p:sldLayoutId id="2147483712" r:id="rId4"/>
+    <p:sldLayoutId id="2147483713" r:id="rId5"/>
+    <p:sldLayoutId id="2147483714" r:id="rId6"/>
+    <p:sldLayoutId id="2147483715" r:id="rId7"/>
+    <p:sldLayoutId id="2147483716" r:id="rId8"/>
+    <p:sldLayoutId id="2147483717" r:id="rId9"/>
+    <p:sldLayoutId id="2147483718" r:id="rId10"/>
+    <p:sldLayoutId id="2147483719" r:id="rId11"/>
   </p:sldLayoutIdLst>
   <p:txStyles>
     <p:titleStyle>
-      <a:lvl1pPr algn="l" defTabSz="914400" rtl="0" eaLnBrk="1" latinLnBrk="0" hangingPunct="1">
+      <a:lvl1pPr algn="l" defTabSz="685800" rtl="0" eaLnBrk="1" latinLnBrk="0" hangingPunct="1">
         <a:lnSpc>
           <a:spcPct val="90000"/>
         </a:lnSpc>
@@ -2692,7 +3066,7 @@
           <a:spcPct val="0"/>
         </a:spcBef>
         <a:buNone/>
-        <a:defRPr sz="4400" kern="1200">
+        <a:defRPr sz="3300" kern="1200">
           <a:solidFill>
             <a:schemeClr val="tx1"/>
           </a:solidFill>
@@ -2703,16 +3077,16 @@
       </a:lvl1pPr>
     </p:titleStyle>
     <p:bodyStyle>
-      <a:lvl1pPr marL="228600" indent="-228600" algn="l" defTabSz="914400" rtl="0" eaLnBrk="1" latinLnBrk="0" hangingPunct="1">
+      <a:lvl1pPr marL="171450" indent="-171450" algn="l" defTabSz="685800" rtl="0" eaLnBrk="1" latinLnBrk="0" hangingPunct="1">
         <a:lnSpc>
           <a:spcPct val="90000"/>
         </a:lnSpc>
         <a:spcBef>
-          <a:spcPts val="1000"/>
+          <a:spcPts val="750"/>
         </a:spcBef>
         <a:buFont typeface="Arial" panose="020B0604020202020204" pitchFamily="34" charset="0"/>
         <a:buChar char="•"/>
-        <a:defRPr sz="2800" kern="1200">
+        <a:defRPr sz="2100" kern="1200">
           <a:solidFill>
             <a:schemeClr val="tx1"/>
           </a:solidFill>
@@ -2721,48 +3095,12 @@
           <a:cs typeface="+mn-cs"/>
         </a:defRPr>
       </a:lvl1pPr>
-      <a:lvl2pPr marL="685800" indent="-228600" algn="l" defTabSz="914400" rtl="0" eaLnBrk="1" latinLnBrk="0" hangingPunct="1">
+      <a:lvl2pPr marL="514350" indent="-171450" algn="l" defTabSz="685800" rtl="0" eaLnBrk="1" latinLnBrk="0" hangingPunct="1">
         <a:lnSpc>
           <a:spcPct val="90000"/>
         </a:lnSpc>
         <a:spcBef>
-          <a:spcPts val="500"/>
-        </a:spcBef>
-        <a:buFont typeface="Arial" panose="020B0604020202020204" pitchFamily="34" charset="0"/>
-        <a:buChar char="•"/>
-        <a:defRPr sz="2400" kern="1200">
-          <a:solidFill>
-            <a:schemeClr val="tx1"/>
-          </a:solidFill>
-          <a:latin typeface="+mn-lt"/>
-          <a:ea typeface="+mn-ea"/>
-          <a:cs typeface="+mn-cs"/>
-        </a:defRPr>
-      </a:lvl2pPr>
-      <a:lvl3pPr marL="1143000" indent="-228600" algn="l" defTabSz="914400" rtl="0" eaLnBrk="1" latinLnBrk="0" hangingPunct="1">
-        <a:lnSpc>
-          <a:spcPct val="90000"/>
-        </a:lnSpc>
-        <a:spcBef>
-          <a:spcPts val="500"/>
-        </a:spcBef>
-        <a:buFont typeface="Arial" panose="020B0604020202020204" pitchFamily="34" charset="0"/>
-        <a:buChar char="•"/>
-        <a:defRPr sz="2000" kern="1200">
-          <a:solidFill>
-            <a:schemeClr val="tx1"/>
-          </a:solidFill>
-          <a:latin typeface="+mn-lt"/>
-          <a:ea typeface="+mn-ea"/>
-          <a:cs typeface="+mn-cs"/>
-        </a:defRPr>
-      </a:lvl3pPr>
-      <a:lvl4pPr marL="1600200" indent="-228600" algn="l" defTabSz="914400" rtl="0" eaLnBrk="1" latinLnBrk="0" hangingPunct="1">
-        <a:lnSpc>
-          <a:spcPct val="90000"/>
-        </a:lnSpc>
-        <a:spcBef>
-          <a:spcPts val="500"/>
+          <a:spcPts val="375"/>
         </a:spcBef>
         <a:buFont typeface="Arial" panose="020B0604020202020204" pitchFamily="34" charset="0"/>
         <a:buChar char="•"/>
@@ -2774,17 +3112,53 @@
           <a:ea typeface="+mn-ea"/>
           <a:cs typeface="+mn-cs"/>
         </a:defRPr>
-      </a:lvl4pPr>
-      <a:lvl5pPr marL="2057400" indent="-228600" algn="l" defTabSz="914400" rtl="0" eaLnBrk="1" latinLnBrk="0" hangingPunct="1">
+      </a:lvl2pPr>
+      <a:lvl3pPr marL="857250" indent="-171450" algn="l" defTabSz="685800" rtl="0" eaLnBrk="1" latinLnBrk="0" hangingPunct="1">
         <a:lnSpc>
           <a:spcPct val="90000"/>
         </a:lnSpc>
         <a:spcBef>
-          <a:spcPts val="500"/>
+          <a:spcPts val="375"/>
         </a:spcBef>
         <a:buFont typeface="Arial" panose="020B0604020202020204" pitchFamily="34" charset="0"/>
         <a:buChar char="•"/>
-        <a:defRPr sz="1800" kern="1200">
+        <a:defRPr sz="1500" kern="1200">
+          <a:solidFill>
+            <a:schemeClr val="tx1"/>
+          </a:solidFill>
+          <a:latin typeface="+mn-lt"/>
+          <a:ea typeface="+mn-ea"/>
+          <a:cs typeface="+mn-cs"/>
+        </a:defRPr>
+      </a:lvl3pPr>
+      <a:lvl4pPr marL="1200150" indent="-171450" algn="l" defTabSz="685800" rtl="0" eaLnBrk="1" latinLnBrk="0" hangingPunct="1">
+        <a:lnSpc>
+          <a:spcPct val="90000"/>
+        </a:lnSpc>
+        <a:spcBef>
+          <a:spcPts val="375"/>
+        </a:spcBef>
+        <a:buFont typeface="Arial" panose="020B0604020202020204" pitchFamily="34" charset="0"/>
+        <a:buChar char="•"/>
+        <a:defRPr sz="1350" kern="1200">
+          <a:solidFill>
+            <a:schemeClr val="tx1"/>
+          </a:solidFill>
+          <a:latin typeface="+mn-lt"/>
+          <a:ea typeface="+mn-ea"/>
+          <a:cs typeface="+mn-cs"/>
+        </a:defRPr>
+      </a:lvl4pPr>
+      <a:lvl5pPr marL="1543050" indent="-171450" algn="l" defTabSz="685800" rtl="0" eaLnBrk="1" latinLnBrk="0" hangingPunct="1">
+        <a:lnSpc>
+          <a:spcPct val="90000"/>
+        </a:lnSpc>
+        <a:spcBef>
+          <a:spcPts val="375"/>
+        </a:spcBef>
+        <a:buFont typeface="Arial" panose="020B0604020202020204" pitchFamily="34" charset="0"/>
+        <a:buChar char="•"/>
+        <a:defRPr sz="1350" kern="1200">
           <a:solidFill>
             <a:schemeClr val="tx1"/>
           </a:solidFill>
@@ -2793,16 +3167,16 @@
           <a:cs typeface="+mn-cs"/>
         </a:defRPr>
       </a:lvl5pPr>
-      <a:lvl6pPr marL="2514600" indent="-228600" algn="l" defTabSz="914400" rtl="0" eaLnBrk="1" latinLnBrk="0" hangingPunct="1">
+      <a:lvl6pPr marL="1885950" indent="-171450" algn="l" defTabSz="685800" rtl="0" eaLnBrk="1" latinLnBrk="0" hangingPunct="1">
         <a:lnSpc>
           <a:spcPct val="90000"/>
         </a:lnSpc>
         <a:spcBef>
-          <a:spcPts val="500"/>
+          <a:spcPts val="375"/>
         </a:spcBef>
         <a:buFont typeface="Arial" panose="020B0604020202020204" pitchFamily="34" charset="0"/>
         <a:buChar char="•"/>
-        <a:defRPr sz="1800" kern="1200">
+        <a:defRPr sz="1350" kern="1200">
           <a:solidFill>
             <a:schemeClr val="tx1"/>
           </a:solidFill>
@@ -2811,16 +3185,16 @@
           <a:cs typeface="+mn-cs"/>
         </a:defRPr>
       </a:lvl6pPr>
-      <a:lvl7pPr marL="2971800" indent="-228600" algn="l" defTabSz="914400" rtl="0" eaLnBrk="1" latinLnBrk="0" hangingPunct="1">
+      <a:lvl7pPr marL="2228850" indent="-171450" algn="l" defTabSz="685800" rtl="0" eaLnBrk="1" latinLnBrk="0" hangingPunct="1">
         <a:lnSpc>
           <a:spcPct val="90000"/>
         </a:lnSpc>
         <a:spcBef>
-          <a:spcPts val="500"/>
+          <a:spcPts val="375"/>
         </a:spcBef>
         <a:buFont typeface="Arial" panose="020B0604020202020204" pitchFamily="34" charset="0"/>
         <a:buChar char="•"/>
-        <a:defRPr sz="1800" kern="1200">
+        <a:defRPr sz="1350" kern="1200">
           <a:solidFill>
             <a:schemeClr val="tx1"/>
           </a:solidFill>
@@ -2829,16 +3203,16 @@
           <a:cs typeface="+mn-cs"/>
         </a:defRPr>
       </a:lvl7pPr>
-      <a:lvl8pPr marL="3429000" indent="-228600" algn="l" defTabSz="914400" rtl="0" eaLnBrk="1" latinLnBrk="0" hangingPunct="1">
+      <a:lvl8pPr marL="2571750" indent="-171450" algn="l" defTabSz="685800" rtl="0" eaLnBrk="1" latinLnBrk="0" hangingPunct="1">
         <a:lnSpc>
           <a:spcPct val="90000"/>
         </a:lnSpc>
         <a:spcBef>
-          <a:spcPts val="500"/>
+          <a:spcPts val="375"/>
         </a:spcBef>
         <a:buFont typeface="Arial" panose="020B0604020202020204" pitchFamily="34" charset="0"/>
         <a:buChar char="•"/>
-        <a:defRPr sz="1800" kern="1200">
+        <a:defRPr sz="1350" kern="1200">
           <a:solidFill>
             <a:schemeClr val="tx1"/>
           </a:solidFill>
@@ -2847,16 +3221,16 @@
           <a:cs typeface="+mn-cs"/>
         </a:defRPr>
       </a:lvl8pPr>
-      <a:lvl9pPr marL="3886200" indent="-228600" algn="l" defTabSz="914400" rtl="0" eaLnBrk="1" latinLnBrk="0" hangingPunct="1">
+      <a:lvl9pPr marL="2914650" indent="-171450" algn="l" defTabSz="685800" rtl="0" eaLnBrk="1" latinLnBrk="0" hangingPunct="1">
         <a:lnSpc>
           <a:spcPct val="90000"/>
         </a:lnSpc>
         <a:spcBef>
-          <a:spcPts val="500"/>
+          <a:spcPts val="375"/>
         </a:spcBef>
         <a:buFont typeface="Arial" panose="020B0604020202020204" pitchFamily="34" charset="0"/>
         <a:buChar char="•"/>
-        <a:defRPr sz="1800" kern="1200">
+        <a:defRPr sz="1350" kern="1200">
           <a:solidFill>
             <a:schemeClr val="tx1"/>
           </a:solidFill>
@@ -2870,8 +3244,8 @@
       <a:defPPr>
         <a:defRPr lang="en-US"/>
       </a:defPPr>
-      <a:lvl1pPr marL="0" algn="l" defTabSz="914400" rtl="0" eaLnBrk="1" latinLnBrk="0" hangingPunct="1">
-        <a:defRPr sz="1800" kern="1200">
+      <a:lvl1pPr marL="0" algn="l" defTabSz="685800" rtl="0" eaLnBrk="1" latinLnBrk="0" hangingPunct="1">
+        <a:defRPr sz="1350" kern="1200">
           <a:solidFill>
             <a:schemeClr val="tx1"/>
           </a:solidFill>
@@ -2880,8 +3254,8 @@
           <a:cs typeface="+mn-cs"/>
         </a:defRPr>
       </a:lvl1pPr>
-      <a:lvl2pPr marL="457200" algn="l" defTabSz="914400" rtl="0" eaLnBrk="1" latinLnBrk="0" hangingPunct="1">
-        <a:defRPr sz="1800" kern="1200">
+      <a:lvl2pPr marL="342900" algn="l" defTabSz="685800" rtl="0" eaLnBrk="1" latinLnBrk="0" hangingPunct="1">
+        <a:defRPr sz="1350" kern="1200">
           <a:solidFill>
             <a:schemeClr val="tx1"/>
           </a:solidFill>
@@ -2890,8 +3264,8 @@
           <a:cs typeface="+mn-cs"/>
         </a:defRPr>
       </a:lvl2pPr>
-      <a:lvl3pPr marL="914400" algn="l" defTabSz="914400" rtl="0" eaLnBrk="1" latinLnBrk="0" hangingPunct="1">
-        <a:defRPr sz="1800" kern="1200">
+      <a:lvl3pPr marL="685800" algn="l" defTabSz="685800" rtl="0" eaLnBrk="1" latinLnBrk="0" hangingPunct="1">
+        <a:defRPr sz="1350" kern="1200">
           <a:solidFill>
             <a:schemeClr val="tx1"/>
           </a:solidFill>
@@ -2900,8 +3274,8 @@
           <a:cs typeface="+mn-cs"/>
         </a:defRPr>
       </a:lvl3pPr>
-      <a:lvl4pPr marL="1371600" algn="l" defTabSz="914400" rtl="0" eaLnBrk="1" latinLnBrk="0" hangingPunct="1">
-        <a:defRPr sz="1800" kern="1200">
+      <a:lvl4pPr marL="1028700" algn="l" defTabSz="685800" rtl="0" eaLnBrk="1" latinLnBrk="0" hangingPunct="1">
+        <a:defRPr sz="1350" kern="1200">
           <a:solidFill>
             <a:schemeClr val="tx1"/>
           </a:solidFill>
@@ -2910,8 +3284,8 @@
           <a:cs typeface="+mn-cs"/>
         </a:defRPr>
       </a:lvl4pPr>
-      <a:lvl5pPr marL="1828800" algn="l" defTabSz="914400" rtl="0" eaLnBrk="1" latinLnBrk="0" hangingPunct="1">
-        <a:defRPr sz="1800" kern="1200">
+      <a:lvl5pPr marL="1371600" algn="l" defTabSz="685800" rtl="0" eaLnBrk="1" latinLnBrk="0" hangingPunct="1">
+        <a:defRPr sz="1350" kern="1200">
           <a:solidFill>
             <a:schemeClr val="tx1"/>
           </a:solidFill>
@@ -2920,8 +3294,8 @@
           <a:cs typeface="+mn-cs"/>
         </a:defRPr>
       </a:lvl5pPr>
-      <a:lvl6pPr marL="2286000" algn="l" defTabSz="914400" rtl="0" eaLnBrk="1" latinLnBrk="0" hangingPunct="1">
-        <a:defRPr sz="1800" kern="1200">
+      <a:lvl6pPr marL="1714500" algn="l" defTabSz="685800" rtl="0" eaLnBrk="1" latinLnBrk="0" hangingPunct="1">
+        <a:defRPr sz="1350" kern="1200">
           <a:solidFill>
             <a:schemeClr val="tx1"/>
           </a:solidFill>
@@ -2930,8 +3304,8 @@
           <a:cs typeface="+mn-cs"/>
         </a:defRPr>
       </a:lvl6pPr>
-      <a:lvl7pPr marL="2743200" algn="l" defTabSz="914400" rtl="0" eaLnBrk="1" latinLnBrk="0" hangingPunct="1">
-        <a:defRPr sz="1800" kern="1200">
+      <a:lvl7pPr marL="2057400" algn="l" defTabSz="685800" rtl="0" eaLnBrk="1" latinLnBrk="0" hangingPunct="1">
+        <a:defRPr sz="1350" kern="1200">
           <a:solidFill>
             <a:schemeClr val="tx1"/>
           </a:solidFill>
@@ -2940,8 +3314,8 @@
           <a:cs typeface="+mn-cs"/>
         </a:defRPr>
       </a:lvl7pPr>
-      <a:lvl8pPr marL="3200400" algn="l" defTabSz="914400" rtl="0" eaLnBrk="1" latinLnBrk="0" hangingPunct="1">
-        <a:defRPr sz="1800" kern="1200">
+      <a:lvl8pPr marL="2400300" algn="l" defTabSz="685800" rtl="0" eaLnBrk="1" latinLnBrk="0" hangingPunct="1">
+        <a:defRPr sz="1350" kern="1200">
           <a:solidFill>
             <a:schemeClr val="tx1"/>
           </a:solidFill>
@@ -2950,8 +3324,8 @@
           <a:cs typeface="+mn-cs"/>
         </a:defRPr>
       </a:lvl8pPr>
-      <a:lvl9pPr marL="3657600" algn="l" defTabSz="914400" rtl="0" eaLnBrk="1" latinLnBrk="0" hangingPunct="1">
-        <a:defRPr sz="1800" kern="1200">
+      <a:lvl9pPr marL="2743200" algn="l" defTabSz="685800" rtl="0" eaLnBrk="1" latinLnBrk="0" hangingPunct="1">
+        <a:defRPr sz="1350" kern="1200">
           <a:solidFill>
             <a:schemeClr val="tx1"/>
           </a:solidFill>
@@ -3062,67 +3436,267 @@
           <a:chExt cx="0" cy="0"/>
         </a:xfrm>
       </p:grpSpPr>
-      <p:sp>
-        <p:nvSpPr>
-          <p:cNvPr id="2" name="object 2"/>
-          <p:cNvSpPr txBox="1">
-            <a:spLocks noGrp="1"/>
-          </p:cNvSpPr>
-          <p:nvPr>
-            <p:ph type="title"/>
-          </p:nvPr>
-        </p:nvSpPr>
-        <p:spPr>
+      <p:pic>
+        <p:nvPicPr>
+          <p:cNvPr id="4" name="Picture 2">
+            <a:extLst>
+              <a:ext uri="{FF2B5EF4-FFF2-40B4-BE49-F238E27FC236}">
+                <a16:creationId xmlns:a16="http://schemas.microsoft.com/office/drawing/2014/main" id="{BC9DB1DE-2820-904B-9738-DDBF7F4DDD62}"/>
+              </a:ext>
+            </a:extLst>
+          </p:cNvPr>
+          <p:cNvPicPr>
+            <a:picLocks noChangeAspect="1" noChangeArrowheads="1"/>
+          </p:cNvPicPr>
+          <p:nvPr/>
+        </p:nvPicPr>
+        <p:blipFill>
+          <a:blip r:embed="rId2">
+            <a:extLst>
+              <a:ext uri="{28A0092B-C50C-407E-A947-70E740481C1C}">
+                <a14:useLocalDpi xmlns:a14="http://schemas.microsoft.com/office/drawing/2010/main" val="0"/>
+              </a:ext>
+            </a:extLst>
+          </a:blip>
+          <a:srcRect/>
+          <a:stretch>
+            <a:fillRect/>
+          </a:stretch>
+        </p:blipFill>
+        <p:spPr bwMode="auto">
           <a:xfrm>
-            <a:off x="311085" y="2572003"/>
-            <a:ext cx="7191285" cy="939800"/>
+            <a:off x="1576388" y="0"/>
+            <a:ext cx="5989637" cy="6858000"/>
           </a:xfrm>
           <a:prstGeom prst="rect">
             <a:avLst/>
           </a:prstGeom>
+          <a:noFill/>
+          <a:extLst>
+            <a:ext uri="{909E8E84-426E-40DD-AFC4-6F175D3DCCD1}">
+              <a14:hiddenFill xmlns:a14="http://schemas.microsoft.com/office/drawing/2010/main">
+                <a:solidFill>
+                  <a:srgbClr val="FFFFFF"/>
+                </a:solidFill>
+              </a14:hiddenFill>
+            </a:ext>
+          </a:extLst>
+        </p:spPr>
+      </p:pic>
+      <p:sp>
+        <p:nvSpPr>
+          <p:cNvPr id="5" name="TextBox 4">
+            <a:extLst>
+              <a:ext uri="{FF2B5EF4-FFF2-40B4-BE49-F238E27FC236}">
+                <a16:creationId xmlns:a16="http://schemas.microsoft.com/office/drawing/2014/main" id="{551FB1B0-E1FD-9B49-ABD8-FB2CA24F9571}"/>
+              </a:ext>
+            </a:extLst>
+          </p:cNvPr>
+          <p:cNvSpPr txBox="1"/>
+          <p:nvPr/>
+        </p:nvSpPr>
+        <p:spPr>
+          <a:xfrm>
+            <a:off x="6949440" y="1940118"/>
+            <a:ext cx="791514" cy="523220"/>
+          </a:xfrm>
+          <a:prstGeom prst="rect">
+            <a:avLst/>
+          </a:prstGeom>
+          <a:noFill/>
         </p:spPr>
         <p:txBody>
-          <a:bodyPr vert="horz" wrap="square" lIns="0" tIns="12700" rIns="0" bIns="0" rtlCol="0">
+          <a:bodyPr wrap="square" rtlCol="0">
             <a:spAutoFit/>
           </a:bodyPr>
           <a:lstStyle/>
           <a:p>
-            <a:pPr marL="12700">
-              <a:lnSpc>
-                <a:spcPct val="100000"/>
-              </a:lnSpc>
-              <a:spcBef>
-                <a:spcPts val="100"/>
-              </a:spcBef>
-            </a:pPr>
-            <a:r>
-              <a:rPr sz="6000" spc="-45" dirty="0"/>
-              <a:t>Running</a:t>
-            </a:r>
-            <a:r>
-              <a:rPr sz="6000" spc="-30" dirty="0"/>
-              <a:t> </a:t>
-            </a:r>
-            <a:r>
-              <a:rPr sz="6000" spc="-60" dirty="0"/>
-              <a:t>batch</a:t>
-            </a:r>
-            <a:r>
-              <a:rPr sz="6000" spc="-35" dirty="0"/>
-              <a:t> </a:t>
-            </a:r>
-            <a:r>
-              <a:rPr sz="6000" spc="-50" dirty="0"/>
-              <a:t>jobs</a:t>
-            </a:r>
-            <a:endParaRPr sz="6000" dirty="0"/>
+            <a:r>
+              <a:rPr lang="en-US" sz="2800" b="1" dirty="0"/>
+              <a:t>1</a:t>
+            </a:r>
+          </a:p>
+        </p:txBody>
+      </p:sp>
+      <p:sp>
+        <p:nvSpPr>
+          <p:cNvPr id="6" name="TextBox 5">
+            <a:extLst>
+              <a:ext uri="{FF2B5EF4-FFF2-40B4-BE49-F238E27FC236}">
+                <a16:creationId xmlns:a16="http://schemas.microsoft.com/office/drawing/2014/main" id="{079E3E8E-6354-1C42-9BC9-F4549AEA1CA0}"/>
+              </a:ext>
+            </a:extLst>
+          </p:cNvPr>
+          <p:cNvSpPr txBox="1"/>
+          <p:nvPr/>
+        </p:nvSpPr>
+        <p:spPr>
+          <a:xfrm>
+            <a:off x="2307203" y="3348824"/>
+            <a:ext cx="791514" cy="523220"/>
+          </a:xfrm>
+          <a:prstGeom prst="rect">
+            <a:avLst/>
+          </a:prstGeom>
+          <a:noFill/>
+        </p:spPr>
+        <p:txBody>
+          <a:bodyPr wrap="square" rtlCol="0">
+            <a:spAutoFit/>
+          </a:bodyPr>
+          <a:lstStyle/>
+          <a:p>
+            <a:r>
+              <a:rPr lang="en-US" sz="2800" b="1" dirty="0"/>
+              <a:t>1</a:t>
+            </a:r>
+          </a:p>
+        </p:txBody>
+      </p:sp>
+      <p:sp>
+        <p:nvSpPr>
+          <p:cNvPr id="7" name="TextBox 6">
+            <a:extLst>
+              <a:ext uri="{FF2B5EF4-FFF2-40B4-BE49-F238E27FC236}">
+                <a16:creationId xmlns:a16="http://schemas.microsoft.com/office/drawing/2014/main" id="{DB740B85-4542-CC4D-81EC-377E615584D5}"/>
+              </a:ext>
+            </a:extLst>
+          </p:cNvPr>
+          <p:cNvSpPr txBox="1"/>
+          <p:nvPr/>
+        </p:nvSpPr>
+        <p:spPr>
+          <a:xfrm>
+            <a:off x="4167497" y="1681158"/>
+            <a:ext cx="1295048" cy="523220"/>
+          </a:xfrm>
+          <a:prstGeom prst="rect">
+            <a:avLst/>
+          </a:prstGeom>
+          <a:noFill/>
+        </p:spPr>
+        <p:txBody>
+          <a:bodyPr wrap="square" rtlCol="0">
+            <a:spAutoFit/>
+          </a:bodyPr>
+          <a:lstStyle/>
+          <a:p>
+            <a:r>
+              <a:rPr lang="en-US" sz="2800" b="1" dirty="0"/>
+              <a:t>many</a:t>
+            </a:r>
+          </a:p>
+        </p:txBody>
+      </p:sp>
+      <p:sp>
+        <p:nvSpPr>
+          <p:cNvPr id="8" name="TextBox 7">
+            <a:extLst>
+              <a:ext uri="{FF2B5EF4-FFF2-40B4-BE49-F238E27FC236}">
+                <a16:creationId xmlns:a16="http://schemas.microsoft.com/office/drawing/2014/main" id="{688A5B87-7DCB-8943-A583-DB3B69BF9455}"/>
+              </a:ext>
+            </a:extLst>
+          </p:cNvPr>
+          <p:cNvSpPr txBox="1"/>
+          <p:nvPr/>
+        </p:nvSpPr>
+        <p:spPr>
+          <a:xfrm>
+            <a:off x="7566025" y="2655495"/>
+            <a:ext cx="1186543" cy="369332"/>
+          </a:xfrm>
+          <a:prstGeom prst="rect">
+            <a:avLst/>
+          </a:prstGeom>
+          <a:noFill/>
+        </p:spPr>
+        <p:txBody>
+          <a:bodyPr wrap="none" rtlCol="0">
+            <a:spAutoFit/>
+          </a:bodyPr>
+          <a:lstStyle/>
+          <a:p>
+            <a:r>
+              <a:rPr lang="en-US" b="1" dirty="0"/>
+              <a:t>GSEXXXXX</a:t>
+            </a:r>
+          </a:p>
+        </p:txBody>
+      </p:sp>
+      <p:sp>
+        <p:nvSpPr>
+          <p:cNvPr id="9" name="TextBox 8">
+            <a:extLst>
+              <a:ext uri="{FF2B5EF4-FFF2-40B4-BE49-F238E27FC236}">
+                <a16:creationId xmlns:a16="http://schemas.microsoft.com/office/drawing/2014/main" id="{FEE685CB-3A0C-7844-A01A-5E6CB11A1406}"/>
+              </a:ext>
+            </a:extLst>
+          </p:cNvPr>
+          <p:cNvSpPr txBox="1"/>
+          <p:nvPr/>
+        </p:nvSpPr>
+        <p:spPr>
+          <a:xfrm>
+            <a:off x="1912174" y="5288702"/>
+            <a:ext cx="1186543" cy="369332"/>
+          </a:xfrm>
+          <a:prstGeom prst="rect">
+            <a:avLst/>
+          </a:prstGeom>
+          <a:noFill/>
+        </p:spPr>
+        <p:txBody>
+          <a:bodyPr wrap="none" rtlCol="0">
+            <a:spAutoFit/>
+          </a:bodyPr>
+          <a:lstStyle/>
+          <a:p>
+            <a:r>
+              <a:rPr lang="en-US" b="1" dirty="0"/>
+              <a:t>GPLXXXXX</a:t>
+            </a:r>
+          </a:p>
+        </p:txBody>
+      </p:sp>
+      <p:sp>
+        <p:nvSpPr>
+          <p:cNvPr id="10" name="TextBox 9">
+            <a:extLst>
+              <a:ext uri="{FF2B5EF4-FFF2-40B4-BE49-F238E27FC236}">
+                <a16:creationId xmlns:a16="http://schemas.microsoft.com/office/drawing/2014/main" id="{34851B21-452D-FD4A-BB1C-271C801AE845}"/>
+              </a:ext>
+            </a:extLst>
+          </p:cNvPr>
+          <p:cNvSpPr txBox="1"/>
+          <p:nvPr/>
+        </p:nvSpPr>
+        <p:spPr>
+          <a:xfrm>
+            <a:off x="4689099" y="4919370"/>
+            <a:ext cx="1276311" cy="369332"/>
+          </a:xfrm>
+          <a:prstGeom prst="rect">
+            <a:avLst/>
+          </a:prstGeom>
+          <a:noFill/>
+        </p:spPr>
+        <p:txBody>
+          <a:bodyPr wrap="none" rtlCol="0">
+            <a:spAutoFit/>
+          </a:bodyPr>
+          <a:lstStyle/>
+          <a:p>
+            <a:r>
+              <a:rPr lang="en-US" b="1" dirty="0"/>
+              <a:t>GSMXXXXX</a:t>
+            </a:r>
           </a:p>
         </p:txBody>
       </p:sp>
     </p:spTree>
     <p:extLst>
       <p:ext uri="{BB962C8B-B14F-4D97-AF65-F5344CB8AC3E}">
-        <p14:creationId xmlns:p14="http://schemas.microsoft.com/office/powerpoint/2010/main" val="1134120503"/>
+        <p14:creationId xmlns:p14="http://schemas.microsoft.com/office/powerpoint/2010/main" val="3157401027"/>
       </p:ext>
     </p:extLst>
   </p:cSld>
@@ -3151,10 +3725,10 @@
       </p:grpSpPr>
       <p:sp>
         <p:nvSpPr>
-          <p:cNvPr id="4" name="Title 3">
+          <p:cNvPr id="2" name="Title 1">
             <a:extLst>
               <a:ext uri="{FF2B5EF4-FFF2-40B4-BE49-F238E27FC236}">
-                <a16:creationId xmlns:a16="http://schemas.microsoft.com/office/drawing/2014/main" id="{92EB00D5-98D3-A545-9257-7F5477D17C0C}"/>
+                <a16:creationId xmlns:a16="http://schemas.microsoft.com/office/drawing/2014/main" id="{23F59DF5-8154-A24C-B694-CEE73C7DCE69}"/>
               </a:ext>
             </a:extLst>
           </p:cNvPr>
@@ -3170,218 +3744,43 @@
           <a:bodyPr/>
           <a:lstStyle/>
           <a:p>
-            <a:r>
-              <a:rPr lang="en-US" dirty="0"/>
-              <a:t>Important to know about VACC</a:t>
-            </a:r>
+            <a:endParaRPr lang="en-US"/>
           </a:p>
         </p:txBody>
       </p:sp>
-      <p:sp>
-        <p:nvSpPr>
-          <p:cNvPr id="5" name="Content Placeholder 4">
+      <p:pic>
+        <p:nvPicPr>
+          <p:cNvPr id="5" name="Content Placeholder 4" descr="Graphical user interface, text&#10;&#10;Description automatically generated">
             <a:extLst>
               <a:ext uri="{FF2B5EF4-FFF2-40B4-BE49-F238E27FC236}">
-                <a16:creationId xmlns:a16="http://schemas.microsoft.com/office/drawing/2014/main" id="{925C0FDE-A646-1341-9689-825A297AE66F}"/>
+                <a16:creationId xmlns:a16="http://schemas.microsoft.com/office/drawing/2014/main" id="{7756592D-3CAF-E14A-80FC-B5AB8D81A3D7}"/>
               </a:ext>
             </a:extLst>
           </p:cNvPr>
-          <p:cNvSpPr>
-            <a:spLocks noGrp="1"/>
-          </p:cNvSpPr>
+          <p:cNvPicPr>
+            <a:picLocks noGrp="1" noChangeAspect="1"/>
+          </p:cNvPicPr>
           <p:nvPr>
             <p:ph idx="1"/>
           </p:nvPr>
-        </p:nvSpPr>
+        </p:nvPicPr>
+        <p:blipFill>
+          <a:blip r:embed="rId2"/>
+          <a:stretch>
+            <a:fillRect/>
+          </a:stretch>
+        </p:blipFill>
         <p:spPr>
           <a:xfrm>
-            <a:off x="628650" y="1601187"/>
-            <a:ext cx="7886700" cy="4351338"/>
+            <a:off x="1816236" y="139148"/>
+            <a:ext cx="5906468" cy="6619586"/>
           </a:xfrm>
         </p:spPr>
-        <p:txBody>
-          <a:bodyPr>
-            <a:normAutofit/>
-          </a:bodyPr>
-          <a:lstStyle/>
-          <a:p>
-            <a:r>
-              <a:rPr lang="en-US" dirty="0"/>
-              <a:t>Once you feel confident about programs being installed and/or your scripts, you may want to ‘submit a job’ </a:t>
-            </a:r>
-          </a:p>
-          <a:p>
-            <a:r>
-              <a:rPr lang="en-US" dirty="0"/>
-              <a:t>For example, it may be annoying to do this one by one:  </a:t>
-            </a:r>
-          </a:p>
-          <a:p>
-            <a:pPr marL="0" indent="0">
-              <a:buNone/>
-            </a:pPr>
-            <a:r>
-              <a:rPr lang="en-US" sz="2200" dirty="0" err="1">
-                <a:solidFill>
-                  <a:schemeClr val="accent6">
-                    <a:lumMod val="75000"/>
-                  </a:schemeClr>
-                </a:solidFill>
-              </a:rPr>
-              <a:t>htseq</a:t>
-            </a:r>
-            <a:r>
-              <a:rPr lang="en-US" sz="2200" dirty="0">
-                <a:solidFill>
-                  <a:schemeClr val="accent6">
-                    <a:lumMod val="75000"/>
-                  </a:schemeClr>
-                </a:solidFill>
-              </a:rPr>
-              <a:t>-count -f bam -s yes -</a:t>
-            </a:r>
-            <a:r>
-              <a:rPr lang="en-US" sz="2200" dirty="0" err="1">
-                <a:solidFill>
-                  <a:schemeClr val="accent6">
-                    <a:lumMod val="75000"/>
-                  </a:schemeClr>
-                </a:solidFill>
-              </a:rPr>
-              <a:t>i</a:t>
-            </a:r>
-            <a:r>
-              <a:rPr lang="en-US" sz="2200" dirty="0">
-                <a:solidFill>
-                  <a:schemeClr val="accent6">
-                    <a:lumMod val="75000"/>
-                  </a:schemeClr>
-                </a:solidFill>
-              </a:rPr>
-              <a:t> </a:t>
-            </a:r>
-            <a:r>
-              <a:rPr lang="en-US" sz="2200" dirty="0" err="1">
-                <a:solidFill>
-                  <a:schemeClr val="accent6">
-                    <a:lumMod val="75000"/>
-                  </a:schemeClr>
-                </a:solidFill>
-              </a:rPr>
-              <a:t>gene_name</a:t>
-            </a:r>
-            <a:r>
-              <a:rPr lang="en-US" sz="2200" dirty="0">
-                <a:solidFill>
-                  <a:schemeClr val="accent6">
-                    <a:lumMod val="75000"/>
-                  </a:schemeClr>
-                </a:solidFill>
-              </a:rPr>
-              <a:t> -m union sample1.bam </a:t>
-            </a:r>
-            <a:r>
-              <a:rPr lang="en-US" sz="2200" dirty="0" err="1">
-                <a:solidFill>
-                  <a:schemeClr val="accent6">
-                    <a:lumMod val="75000"/>
-                  </a:schemeClr>
-                </a:solidFill>
-              </a:rPr>
-              <a:t>annotation.gtf</a:t>
-            </a:r>
-            <a:r>
-              <a:rPr lang="en-US" sz="2200" dirty="0">
-                <a:solidFill>
-                  <a:schemeClr val="accent6">
-                    <a:lumMod val="75000"/>
-                  </a:schemeClr>
-                </a:solidFill>
-              </a:rPr>
-              <a:t> &gt; sample1.count.txt </a:t>
-            </a:r>
-          </a:p>
-          <a:p>
-            <a:pPr marL="0" indent="0">
-              <a:buNone/>
-            </a:pPr>
-            <a:r>
-              <a:rPr lang="en-US" sz="2200" dirty="0" err="1">
-                <a:solidFill>
-                  <a:srgbClr val="C00000"/>
-                </a:solidFill>
-              </a:rPr>
-              <a:t>htseq</a:t>
-            </a:r>
-            <a:r>
-              <a:rPr lang="en-US" sz="2200" dirty="0">
-                <a:solidFill>
-                  <a:srgbClr val="C00000"/>
-                </a:solidFill>
-              </a:rPr>
-              <a:t>-count -f bam -s yes -</a:t>
-            </a:r>
-            <a:r>
-              <a:rPr lang="en-US" sz="2200" dirty="0" err="1">
-                <a:solidFill>
-                  <a:srgbClr val="C00000"/>
-                </a:solidFill>
-              </a:rPr>
-              <a:t>i</a:t>
-            </a:r>
-            <a:r>
-              <a:rPr lang="en-US" sz="2200" dirty="0">
-                <a:solidFill>
-                  <a:srgbClr val="C00000"/>
-                </a:solidFill>
-              </a:rPr>
-              <a:t> </a:t>
-            </a:r>
-            <a:r>
-              <a:rPr lang="en-US" sz="2200" dirty="0" err="1">
-                <a:solidFill>
-                  <a:srgbClr val="C00000"/>
-                </a:solidFill>
-              </a:rPr>
-              <a:t>gene_name</a:t>
-            </a:r>
-            <a:r>
-              <a:rPr lang="en-US" sz="2200" dirty="0">
-                <a:solidFill>
-                  <a:srgbClr val="C00000"/>
-                </a:solidFill>
-              </a:rPr>
-              <a:t> -m union sample2.bam </a:t>
-            </a:r>
-            <a:r>
-              <a:rPr lang="en-US" sz="2200" dirty="0" err="1">
-                <a:solidFill>
-                  <a:srgbClr val="C00000"/>
-                </a:solidFill>
-              </a:rPr>
-              <a:t>annotation.gtf</a:t>
-            </a:r>
-            <a:r>
-              <a:rPr lang="en-US" sz="2200" dirty="0">
-                <a:solidFill>
-                  <a:srgbClr val="C00000"/>
-                </a:solidFill>
-              </a:rPr>
-              <a:t> &gt; sample2.count.txt </a:t>
-            </a:r>
-          </a:p>
-          <a:p>
-            <a:r>
-              <a:rPr lang="en-US" dirty="0"/>
-              <a:t>Also, some programs take very long to run! </a:t>
-            </a:r>
-          </a:p>
-        </p:txBody>
-      </p:sp>
+      </p:pic>
     </p:spTree>
     <p:extLst>
       <p:ext uri="{BB962C8B-B14F-4D97-AF65-F5344CB8AC3E}">
-        <p14:creationId xmlns:p14="http://schemas.microsoft.com/office/powerpoint/2010/main" val="228649718"/>
+        <p14:creationId xmlns:p14="http://schemas.microsoft.com/office/powerpoint/2010/main" val="2337085215"/>
       </p:ext>
     </p:extLst>
   </p:cSld>
@@ -3410,124 +3809,10 @@
       </p:grpSpPr>
       <p:sp>
         <p:nvSpPr>
-          <p:cNvPr id="3" name="TextBox 2">
+          <p:cNvPr id="2" name="Title 1">
             <a:extLst>
               <a:ext uri="{FF2B5EF4-FFF2-40B4-BE49-F238E27FC236}">
-                <a16:creationId xmlns:a16="http://schemas.microsoft.com/office/drawing/2014/main" id="{4B17CB9E-5070-6D43-B6A9-BF74C06C6574}"/>
-              </a:ext>
-            </a:extLst>
-          </p:cNvPr>
-          <p:cNvSpPr txBox="1"/>
-          <p:nvPr/>
-        </p:nvSpPr>
-        <p:spPr>
-          <a:xfrm>
-            <a:off x="628650" y="2179305"/>
-            <a:ext cx="6858000" cy="3785652"/>
-          </a:xfrm>
-          <a:prstGeom prst="rect">
-            <a:avLst/>
-          </a:prstGeom>
-          <a:noFill/>
-        </p:spPr>
-        <p:txBody>
-          <a:bodyPr wrap="square">
-            <a:spAutoFit/>
-          </a:bodyPr>
-          <a:lstStyle/>
-          <a:p>
-            <a:r>
-              <a:rPr lang="en-US" sz="2400" dirty="0"/>
-              <a:t>#!/bin/bash</a:t>
-            </a:r>
-          </a:p>
-          <a:p>
-            <a:r>
-              <a:rPr lang="en-US" sz="2400" dirty="0"/>
-              <a:t>#SBATCH --partition=</a:t>
-            </a:r>
-            <a:r>
-              <a:rPr lang="en-US" sz="2400" dirty="0" err="1"/>
-              <a:t>bluemoon</a:t>
-            </a:r>
-            <a:endParaRPr lang="en-US" sz="2400" dirty="0"/>
-          </a:p>
-          <a:p>
-            <a:r>
-              <a:rPr lang="en-US" sz="2400" dirty="0"/>
-              <a:t>#SBATCH --nodes=1</a:t>
-            </a:r>
-          </a:p>
-          <a:p>
-            <a:r>
-              <a:rPr lang="en-US" sz="2400" dirty="0"/>
-              <a:t>#SBATCH --</a:t>
-            </a:r>
-            <a:r>
-              <a:rPr lang="en-US" sz="2400" dirty="0" err="1"/>
-              <a:t>ntasks</a:t>
-            </a:r>
-            <a:r>
-              <a:rPr lang="en-US" sz="2400" dirty="0"/>
-              <a:t>=4</a:t>
-            </a:r>
-          </a:p>
-          <a:p>
-            <a:r>
-              <a:rPr lang="en-US" sz="2400" dirty="0"/>
-              <a:t>#SBATCH --mem=50G</a:t>
-            </a:r>
-          </a:p>
-          <a:p>
-            <a:r>
-              <a:rPr lang="en-US" sz="2400" dirty="0"/>
-              <a:t>#SBATCH --time=30:00:00</a:t>
-            </a:r>
-          </a:p>
-          <a:p>
-            <a:r>
-              <a:rPr lang="en-US" sz="2400" dirty="0"/>
-              <a:t>#SBATCH --job-name=</a:t>
-            </a:r>
-            <a:r>
-              <a:rPr lang="en-US" sz="2400" dirty="0" err="1"/>
-              <a:t>RNAseq</a:t>
-            </a:r>
-            <a:endParaRPr lang="en-US" sz="2400" dirty="0"/>
-          </a:p>
-          <a:p>
-            <a:r>
-              <a:rPr lang="en-US" sz="2400" dirty="0"/>
-              <a:t># %x=job-name %j=</a:t>
-            </a:r>
-            <a:r>
-              <a:rPr lang="en-US" sz="2400" dirty="0" err="1"/>
-              <a:t>jobid</a:t>
-            </a:r>
-            <a:endParaRPr lang="en-US" sz="2400" dirty="0"/>
-          </a:p>
-          <a:p>
-            <a:r>
-              <a:rPr lang="en-US" sz="2400" dirty="0"/>
-              <a:t>#SBATCH --output=%x_%</a:t>
-            </a:r>
-            <a:r>
-              <a:rPr lang="en-US" sz="2400" dirty="0" err="1"/>
-              <a:t>j.out</a:t>
-            </a:r>
-            <a:endParaRPr lang="en-US" sz="2400" dirty="0"/>
-          </a:p>
-          <a:p>
-            <a:endParaRPr lang="en-US" sz="2400" dirty="0"/>
-          </a:p>
-        </p:txBody>
-      </p:sp>
-      <p:sp>
-        <p:nvSpPr>
-          <p:cNvPr id="4" name="Title 3">
-            <a:extLst>
-              <a:ext uri="{FF2B5EF4-FFF2-40B4-BE49-F238E27FC236}">
-                <a16:creationId xmlns:a16="http://schemas.microsoft.com/office/drawing/2014/main" id="{92EB00D5-98D3-A545-9257-7F5477D17C0C}"/>
+                <a16:creationId xmlns:a16="http://schemas.microsoft.com/office/drawing/2014/main" id="{0D985F47-C6D2-1147-AFC1-FB622C68EEE9}"/>
               </a:ext>
             </a:extLst>
           </p:cNvPr>
@@ -3543,73 +3828,86 @@
           <a:bodyPr/>
           <a:lstStyle/>
           <a:p>
-            <a:r>
-              <a:rPr lang="en-US" dirty="0"/>
-              <a:t>In order to </a:t>
-            </a:r>
-            <a:r>
-              <a:rPr lang="en-US" u="sng" dirty="0"/>
-              <a:t>submit a job</a:t>
-            </a:r>
-            <a:r>
-              <a:rPr lang="en-US" dirty="0"/>
-              <a:t>, need to use the job scheduler </a:t>
-            </a:r>
-            <a:r>
-              <a:rPr lang="en-US" dirty="0" err="1"/>
-              <a:t>Slurm</a:t>
-            </a:r>
-            <a:endParaRPr lang="en-US" dirty="0"/>
+            <a:endParaRPr lang="en-US"/>
           </a:p>
         </p:txBody>
       </p:sp>
       <p:sp>
         <p:nvSpPr>
-          <p:cNvPr id="2" name="TextBox 1">
+          <p:cNvPr id="3" name="Content Placeholder 2">
             <a:extLst>
               <a:ext uri="{FF2B5EF4-FFF2-40B4-BE49-F238E27FC236}">
-                <a16:creationId xmlns:a16="http://schemas.microsoft.com/office/drawing/2014/main" id="{71A08821-8308-1F45-89E7-2699E7F67CD2}"/>
+                <a16:creationId xmlns:a16="http://schemas.microsoft.com/office/drawing/2014/main" id="{DB7008B4-727B-9E47-918D-0C5B752AFAD6}"/>
               </a:ext>
             </a:extLst>
           </p:cNvPr>
-          <p:cNvSpPr txBox="1"/>
+          <p:cNvSpPr>
+            <a:spLocks noGrp="1"/>
+          </p:cNvSpPr>
+          <p:nvPr>
+            <p:ph idx="1"/>
+          </p:nvPr>
+        </p:nvSpPr>
+        <p:spPr/>
+        <p:txBody>
+          <a:bodyPr/>
+          <a:lstStyle/>
+          <a:p>
+            <a:endParaRPr lang="en-US"/>
+          </a:p>
+        </p:txBody>
+      </p:sp>
+      <p:pic>
+        <p:nvPicPr>
+          <p:cNvPr id="3074" name="Picture 2" descr="ARPIR: automatic RNA-Seq pipelines with interactive report | BMC  Bioinformatics | Full Text">
+            <a:extLst>
+              <a:ext uri="{FF2B5EF4-FFF2-40B4-BE49-F238E27FC236}">
+                <a16:creationId xmlns:a16="http://schemas.microsoft.com/office/drawing/2014/main" id="{E57A4690-1635-A44A-804A-724063839C5E}"/>
+              </a:ext>
+            </a:extLst>
+          </p:cNvPr>
+          <p:cNvPicPr>
+            <a:picLocks noChangeAspect="1" noChangeArrowheads="1"/>
+          </p:cNvPicPr>
           <p:nvPr/>
-        </p:nvSpPr>
-        <p:spPr>
+        </p:nvPicPr>
+        <p:blipFill>
+          <a:blip r:embed="rId2">
+            <a:extLst>
+              <a:ext uri="{28A0092B-C50C-407E-A947-70E740481C1C}">
+                <a14:useLocalDpi xmlns:a14="http://schemas.microsoft.com/office/drawing/2010/main" val="0"/>
+              </a:ext>
+            </a:extLst>
+          </a:blip>
+          <a:srcRect/>
+          <a:stretch>
+            <a:fillRect/>
+          </a:stretch>
+        </p:blipFill>
+        <p:spPr bwMode="auto">
           <a:xfrm>
-            <a:off x="628650" y="1750331"/>
-            <a:ext cx="3544560" cy="369332"/>
+            <a:off x="222250" y="2222500"/>
+            <a:ext cx="8699500" cy="2413000"/>
           </a:xfrm>
           <a:prstGeom prst="rect">
             <a:avLst/>
           </a:prstGeom>
           <a:noFill/>
+          <a:extLst>
+            <a:ext uri="{909E8E84-426E-40DD-AFC4-6F175D3DCCD1}">
+              <a14:hiddenFill xmlns:a14="http://schemas.microsoft.com/office/drawing/2010/main">
+                <a:solidFill>
+                  <a:srgbClr val="FFFFFF"/>
+                </a:solidFill>
+              </a14:hiddenFill>
+            </a:ext>
+          </a:extLst>
         </p:spPr>
-        <p:txBody>
-          <a:bodyPr wrap="none" rtlCol="0">
-            <a:spAutoFit/>
-          </a:bodyPr>
-          <a:lstStyle/>
-          <a:p>
-            <a:r>
-              <a:rPr lang="en-US" b="1" i="1" dirty="0"/>
-              <a:t>Some common </a:t>
-            </a:r>
-            <a:r>
-              <a:rPr lang="en-US" b="1" i="1" dirty="0" err="1"/>
-              <a:t>slurm</a:t>
-            </a:r>
-            <a:r>
-              <a:rPr lang="en-US" b="1" i="1" dirty="0"/>
-              <a:t> directive</a:t>
-            </a:r>
-          </a:p>
-        </p:txBody>
-      </p:sp>
+      </p:pic>
     </p:spTree>
     <p:extLst>
       <p:ext uri="{BB962C8B-B14F-4D97-AF65-F5344CB8AC3E}">
-        <p14:creationId xmlns:p14="http://schemas.microsoft.com/office/powerpoint/2010/main" val="2711550414"/>
+        <p14:creationId xmlns:p14="http://schemas.microsoft.com/office/powerpoint/2010/main" val="956822718"/>
       </p:ext>
     </p:extLst>
   </p:cSld>
@@ -3638,124 +3936,10 @@
       </p:grpSpPr>
       <p:sp>
         <p:nvSpPr>
-          <p:cNvPr id="3" name="TextBox 2">
+          <p:cNvPr id="2" name="Title 1">
             <a:extLst>
               <a:ext uri="{FF2B5EF4-FFF2-40B4-BE49-F238E27FC236}">
-                <a16:creationId xmlns:a16="http://schemas.microsoft.com/office/drawing/2014/main" id="{4B17CB9E-5070-6D43-B6A9-BF74C06C6574}"/>
-              </a:ext>
-            </a:extLst>
-          </p:cNvPr>
-          <p:cNvSpPr txBox="1"/>
-          <p:nvPr/>
-        </p:nvSpPr>
-        <p:spPr>
-          <a:xfrm>
-            <a:off x="628650" y="2179305"/>
-            <a:ext cx="6858000" cy="3785652"/>
-          </a:xfrm>
-          <a:prstGeom prst="rect">
-            <a:avLst/>
-          </a:prstGeom>
-          <a:noFill/>
-        </p:spPr>
-        <p:txBody>
-          <a:bodyPr wrap="square">
-            <a:spAutoFit/>
-          </a:bodyPr>
-          <a:lstStyle/>
-          <a:p>
-            <a:r>
-              <a:rPr lang="en-US" sz="2400" dirty="0"/>
-              <a:t>#!/bin/bash</a:t>
-            </a:r>
-          </a:p>
-          <a:p>
-            <a:r>
-              <a:rPr lang="en-US" sz="2400" dirty="0"/>
-              <a:t>#SBATCH --partition=</a:t>
-            </a:r>
-            <a:r>
-              <a:rPr lang="en-US" sz="2400" dirty="0" err="1"/>
-              <a:t>bluemoon</a:t>
-            </a:r>
-            <a:endParaRPr lang="en-US" sz="2400" dirty="0"/>
-          </a:p>
-          <a:p>
-            <a:r>
-              <a:rPr lang="en-US" sz="2400" dirty="0"/>
-              <a:t>#SBATCH --nodes=1</a:t>
-            </a:r>
-          </a:p>
-          <a:p>
-            <a:r>
-              <a:rPr lang="en-US" sz="2400" dirty="0"/>
-              <a:t>#SBATCH --</a:t>
-            </a:r>
-            <a:r>
-              <a:rPr lang="en-US" sz="2400" dirty="0" err="1"/>
-              <a:t>ntasks</a:t>
-            </a:r>
-            <a:r>
-              <a:rPr lang="en-US" sz="2400" dirty="0"/>
-              <a:t>=4</a:t>
-            </a:r>
-          </a:p>
-          <a:p>
-            <a:r>
-              <a:rPr lang="en-US" sz="2400" dirty="0"/>
-              <a:t>#SBATCH --mem=50G</a:t>
-            </a:r>
-          </a:p>
-          <a:p>
-            <a:r>
-              <a:rPr lang="en-US" sz="2400" dirty="0"/>
-              <a:t>#SBATCH --time=30:00:00</a:t>
-            </a:r>
-          </a:p>
-          <a:p>
-            <a:r>
-              <a:rPr lang="en-US" sz="2400" dirty="0"/>
-              <a:t>#SBATCH --job-name=</a:t>
-            </a:r>
-            <a:r>
-              <a:rPr lang="en-US" sz="2400" dirty="0" err="1"/>
-              <a:t>RNAseq</a:t>
-            </a:r>
-            <a:endParaRPr lang="en-US" sz="2400" dirty="0"/>
-          </a:p>
-          <a:p>
-            <a:r>
-              <a:rPr lang="en-US" sz="2400" dirty="0"/>
-              <a:t># %x=job-name %j=</a:t>
-            </a:r>
-            <a:r>
-              <a:rPr lang="en-US" sz="2400" dirty="0" err="1"/>
-              <a:t>jobid</a:t>
-            </a:r>
-            <a:endParaRPr lang="en-US" sz="2400" dirty="0"/>
-          </a:p>
-          <a:p>
-            <a:r>
-              <a:rPr lang="en-US" sz="2400" dirty="0"/>
-              <a:t>#SBATCH --output=%x_%</a:t>
-            </a:r>
-            <a:r>
-              <a:rPr lang="en-US" sz="2400" dirty="0" err="1"/>
-              <a:t>j.out</a:t>
-            </a:r>
-            <a:endParaRPr lang="en-US" sz="2400" dirty="0"/>
-          </a:p>
-          <a:p>
-            <a:endParaRPr lang="en-US" sz="2400" dirty="0"/>
-          </a:p>
-        </p:txBody>
-      </p:sp>
-      <p:sp>
-        <p:nvSpPr>
-          <p:cNvPr id="4" name="Title 3">
-            <a:extLst>
-              <a:ext uri="{FF2B5EF4-FFF2-40B4-BE49-F238E27FC236}">
-                <a16:creationId xmlns:a16="http://schemas.microsoft.com/office/drawing/2014/main" id="{92EB00D5-98D3-A545-9257-7F5477D17C0C}"/>
+                <a16:creationId xmlns:a16="http://schemas.microsoft.com/office/drawing/2014/main" id="{4EB77C38-4088-A74F-8E87-FE0D91CC0A21}"/>
               </a:ext>
             </a:extLst>
           </p:cNvPr>
@@ -3771,32 +3955,45 @@
           <a:bodyPr/>
           <a:lstStyle/>
           <a:p>
-            <a:r>
-              <a:rPr lang="en-US" dirty="0"/>
-              <a:t>In order to </a:t>
-            </a:r>
-            <a:r>
-              <a:rPr lang="en-US" u="sng" dirty="0"/>
-              <a:t>submit a job</a:t>
-            </a:r>
-            <a:r>
-              <a:rPr lang="en-US" dirty="0"/>
-              <a:t>, need to use the job scheduler </a:t>
-            </a:r>
-            <a:r>
-              <a:rPr lang="en-US" dirty="0" err="1"/>
-              <a:t>Slurm</a:t>
-            </a:r>
-            <a:endParaRPr lang="en-US" dirty="0"/>
+            <a:endParaRPr lang="en-US"/>
           </a:p>
         </p:txBody>
       </p:sp>
+      <p:pic>
+        <p:nvPicPr>
+          <p:cNvPr id="5" name="Content Placeholder 4" descr="Table&#10;&#10;Description automatically generated">
+            <a:extLst>
+              <a:ext uri="{FF2B5EF4-FFF2-40B4-BE49-F238E27FC236}">
+                <a16:creationId xmlns:a16="http://schemas.microsoft.com/office/drawing/2014/main" id="{6B16B25E-665F-AA46-B94F-89E103220784}"/>
+              </a:ext>
+            </a:extLst>
+          </p:cNvPr>
+          <p:cNvPicPr>
+            <a:picLocks noGrp="1" noChangeAspect="1"/>
+          </p:cNvPicPr>
+          <p:nvPr>
+            <p:ph idx="1"/>
+          </p:nvPr>
+        </p:nvPicPr>
+        <p:blipFill>
+          <a:blip r:embed="rId2"/>
+          <a:stretch>
+            <a:fillRect/>
+          </a:stretch>
+        </p:blipFill>
+        <p:spPr>
+          <a:xfrm>
+            <a:off x="115275" y="362298"/>
+            <a:ext cx="8913449" cy="1869386"/>
+          </a:xfrm>
+        </p:spPr>
+      </p:pic>
       <p:sp>
         <p:nvSpPr>
-          <p:cNvPr id="2" name="TextBox 1">
+          <p:cNvPr id="7" name="TextBox 6">
             <a:extLst>
               <a:ext uri="{FF2B5EF4-FFF2-40B4-BE49-F238E27FC236}">
-                <a16:creationId xmlns:a16="http://schemas.microsoft.com/office/drawing/2014/main" id="{71A08821-8308-1F45-89E7-2699E7F67CD2}"/>
+                <a16:creationId xmlns:a16="http://schemas.microsoft.com/office/drawing/2014/main" id="{A91D4089-1409-5B40-B81D-55E50CAEE837}"/>
               </a:ext>
             </a:extLst>
           </p:cNvPr>
@@ -3805,8 +4002,8 @@
         </p:nvSpPr>
         <p:spPr>
           <a:xfrm>
-            <a:off x="628650" y="1750331"/>
-            <a:ext cx="3544560" cy="369332"/>
+            <a:off x="339919" y="2151659"/>
+            <a:ext cx="8605298" cy="2677656"/>
           </a:xfrm>
           <a:prstGeom prst="rect">
             <a:avLst/>
@@ -3814,126 +4011,55 @@
           <a:noFill/>
         </p:spPr>
         <p:txBody>
-          <a:bodyPr wrap="none" rtlCol="0">
-            <a:spAutoFit/>
-          </a:bodyPr>
-          <a:lstStyle/>
-          <a:p>
-            <a:r>
-              <a:rPr lang="en-US" b="1" i="1" dirty="0"/>
-              <a:t>Some common </a:t>
-            </a:r>
-            <a:r>
-              <a:rPr lang="en-US" b="1" i="1" dirty="0" err="1"/>
-              <a:t>slurm</a:t>
-            </a:r>
-            <a:r>
-              <a:rPr lang="en-US" b="1" i="1" dirty="0"/>
-              <a:t> directive</a:t>
-            </a:r>
-          </a:p>
-        </p:txBody>
-      </p:sp>
-      <p:sp>
-        <p:nvSpPr>
-          <p:cNvPr id="5" name="TextBox 4">
-            <a:extLst>
-              <a:ext uri="{FF2B5EF4-FFF2-40B4-BE49-F238E27FC236}">
-                <a16:creationId xmlns:a16="http://schemas.microsoft.com/office/drawing/2014/main" id="{B84414E8-965C-2145-9BED-78301787FE98}"/>
-              </a:ext>
-            </a:extLst>
-          </p:cNvPr>
-          <p:cNvSpPr txBox="1"/>
-          <p:nvPr/>
-        </p:nvSpPr>
-        <p:spPr>
-          <a:xfrm>
-            <a:off x="5948315" y="1934997"/>
-            <a:ext cx="2714920" cy="923330"/>
-          </a:xfrm>
-          <a:prstGeom prst="rect">
-            <a:avLst/>
-          </a:prstGeom>
-          <a:solidFill>
-            <a:schemeClr val="accent4">
-              <a:lumMod val="20000"/>
-              <a:lumOff val="80000"/>
-            </a:schemeClr>
-          </a:solidFill>
-          <a:ln>
-            <a:solidFill>
-              <a:schemeClr val="tx1"/>
-            </a:solidFill>
-          </a:ln>
-        </p:spPr>
-        <p:txBody>
           <a:bodyPr wrap="square" rtlCol="0">
             <a:spAutoFit/>
           </a:bodyPr>
           <a:lstStyle/>
           <a:p>
-            <a:pPr algn="ctr"/>
-            <a:r>
-              <a:rPr lang="en-US" dirty="0"/>
-              <a:t>shebang = used to tell the </a:t>
-            </a:r>
-            <a:r>
-              <a:rPr lang="en-US" dirty="0" err="1"/>
-              <a:t>linux</a:t>
-            </a:r>
-            <a:r>
-              <a:rPr lang="en-US" dirty="0"/>
-              <a:t> OS which interpreter to use</a:t>
-            </a:r>
+            <a:pPr>
+              <a:buFont typeface="Arial" panose="020B0604020202020204" pitchFamily="34" charset="0"/>
+              <a:buChar char="•"/>
+            </a:pPr>
+            <a:r>
+              <a:rPr lang="en-US" sz="2400" dirty="0"/>
+              <a:t>This assumes you completely understand the bioinformatic pipeline used and that it is still acceptable to current standards</a:t>
+            </a:r>
+          </a:p>
+          <a:p>
+            <a:endParaRPr lang="en-US" sz="2400" dirty="0"/>
+          </a:p>
+          <a:p>
+            <a:r>
+              <a:rPr lang="en-US" sz="2400" dirty="0"/>
+              <a:t>	Was the latest reference genome used? </a:t>
+            </a:r>
+          </a:p>
+          <a:p>
+            <a:r>
+              <a:rPr lang="en-US" sz="2400" dirty="0"/>
+              <a:t>	Some aligners are outdated (ex. </a:t>
+            </a:r>
+            <a:r>
+              <a:rPr lang="en-US" sz="2400" dirty="0" err="1"/>
+              <a:t>TopHat</a:t>
+            </a:r>
+            <a:r>
+              <a:rPr lang="en-US" sz="2400" dirty="0"/>
+              <a:t>)</a:t>
+            </a:r>
+          </a:p>
+          <a:p>
+            <a:endParaRPr lang="en-US" sz="2400" dirty="0"/>
+          </a:p>
+          <a:p>
+            <a:endParaRPr lang="en-US" sz="2400" dirty="0"/>
           </a:p>
         </p:txBody>
       </p:sp>
-      <p:cxnSp>
-        <p:nvCxnSpPr>
-          <p:cNvPr id="7" name="Straight Arrow Connector 6">
-            <a:extLst>
-              <a:ext uri="{FF2B5EF4-FFF2-40B4-BE49-F238E27FC236}">
-                <a16:creationId xmlns:a16="http://schemas.microsoft.com/office/drawing/2014/main" id="{9BF05B00-CC4E-F548-B4B9-64B5C04798C7}"/>
-              </a:ext>
-            </a:extLst>
-          </p:cNvPr>
-          <p:cNvCxnSpPr/>
-          <p:nvPr/>
-        </p:nvCxnSpPr>
-        <p:spPr>
-          <a:xfrm flipH="1">
-            <a:off x="2309567" y="2403835"/>
-            <a:ext cx="3629320" cy="65988"/>
-          </a:xfrm>
-          <a:prstGeom prst="straightConnector1">
-            <a:avLst/>
-          </a:prstGeom>
-          <a:ln>
-            <a:solidFill>
-              <a:schemeClr val="tx1"/>
-            </a:solidFill>
-            <a:tailEnd type="triangle"/>
-          </a:ln>
-        </p:spPr>
-        <p:style>
-          <a:lnRef idx="1">
-            <a:schemeClr val="accent1"/>
-          </a:lnRef>
-          <a:fillRef idx="0">
-            <a:schemeClr val="accent1"/>
-          </a:fillRef>
-          <a:effectRef idx="0">
-            <a:schemeClr val="accent1"/>
-          </a:effectRef>
-          <a:fontRef idx="minor">
-            <a:schemeClr val="tx1"/>
-          </a:fontRef>
-        </p:style>
-      </p:cxnSp>
     </p:spTree>
     <p:extLst>
       <p:ext uri="{BB962C8B-B14F-4D97-AF65-F5344CB8AC3E}">
-        <p14:creationId xmlns:p14="http://schemas.microsoft.com/office/powerpoint/2010/main" val="4068829919"/>
+        <p14:creationId xmlns:p14="http://schemas.microsoft.com/office/powerpoint/2010/main" val="1671814040"/>
       </p:ext>
     </p:extLst>
   </p:cSld>
@@ -3962,124 +4088,10 @@
       </p:grpSpPr>
       <p:sp>
         <p:nvSpPr>
-          <p:cNvPr id="3" name="TextBox 2">
+          <p:cNvPr id="2" name="Title 1">
             <a:extLst>
               <a:ext uri="{FF2B5EF4-FFF2-40B4-BE49-F238E27FC236}">
-                <a16:creationId xmlns:a16="http://schemas.microsoft.com/office/drawing/2014/main" id="{4B17CB9E-5070-6D43-B6A9-BF74C06C6574}"/>
-              </a:ext>
-            </a:extLst>
-          </p:cNvPr>
-          <p:cNvSpPr txBox="1"/>
-          <p:nvPr/>
-        </p:nvSpPr>
-        <p:spPr>
-          <a:xfrm>
-            <a:off x="628650" y="2179305"/>
-            <a:ext cx="6858000" cy="3785652"/>
-          </a:xfrm>
-          <a:prstGeom prst="rect">
-            <a:avLst/>
-          </a:prstGeom>
-          <a:noFill/>
-        </p:spPr>
-        <p:txBody>
-          <a:bodyPr wrap="square">
-            <a:spAutoFit/>
-          </a:bodyPr>
-          <a:lstStyle/>
-          <a:p>
-            <a:r>
-              <a:rPr lang="en-US" sz="2400" dirty="0"/>
-              <a:t>#!/bin/bash</a:t>
-            </a:r>
-          </a:p>
-          <a:p>
-            <a:r>
-              <a:rPr lang="en-US" sz="2400" dirty="0"/>
-              <a:t>#SBATCH --partition=</a:t>
-            </a:r>
-            <a:r>
-              <a:rPr lang="en-US" sz="2400" dirty="0" err="1"/>
-              <a:t>bluemoon</a:t>
-            </a:r>
-            <a:endParaRPr lang="en-US" sz="2400" dirty="0"/>
-          </a:p>
-          <a:p>
-            <a:r>
-              <a:rPr lang="en-US" sz="2400" dirty="0"/>
-              <a:t>#SBATCH --nodes=1</a:t>
-            </a:r>
-          </a:p>
-          <a:p>
-            <a:r>
-              <a:rPr lang="en-US" sz="2400" dirty="0"/>
-              <a:t>#SBATCH --</a:t>
-            </a:r>
-            <a:r>
-              <a:rPr lang="en-US" sz="2400" dirty="0" err="1"/>
-              <a:t>ntasks</a:t>
-            </a:r>
-            <a:r>
-              <a:rPr lang="en-US" sz="2400" dirty="0"/>
-              <a:t>=4</a:t>
-            </a:r>
-          </a:p>
-          <a:p>
-            <a:r>
-              <a:rPr lang="en-US" sz="2400" dirty="0"/>
-              <a:t>#SBATCH --mem=50G</a:t>
-            </a:r>
-          </a:p>
-          <a:p>
-            <a:r>
-              <a:rPr lang="en-US" sz="2400" dirty="0"/>
-              <a:t>#SBATCH --time=30:00:00</a:t>
-            </a:r>
-          </a:p>
-          <a:p>
-            <a:r>
-              <a:rPr lang="en-US" sz="2400" dirty="0"/>
-              <a:t>#SBATCH --job-name=</a:t>
-            </a:r>
-            <a:r>
-              <a:rPr lang="en-US" sz="2400" dirty="0" err="1"/>
-              <a:t>RNAseq</a:t>
-            </a:r>
-            <a:endParaRPr lang="en-US" sz="2400" dirty="0"/>
-          </a:p>
-          <a:p>
-            <a:r>
-              <a:rPr lang="en-US" sz="2400" dirty="0"/>
-              <a:t># %x=job-name %j=</a:t>
-            </a:r>
-            <a:r>
-              <a:rPr lang="en-US" sz="2400" dirty="0" err="1"/>
-              <a:t>jobid</a:t>
-            </a:r>
-            <a:endParaRPr lang="en-US" sz="2400" dirty="0"/>
-          </a:p>
-          <a:p>
-            <a:r>
-              <a:rPr lang="en-US" sz="2400" dirty="0"/>
-              <a:t>#SBATCH --output=%x_%</a:t>
-            </a:r>
-            <a:r>
-              <a:rPr lang="en-US" sz="2400" dirty="0" err="1"/>
-              <a:t>j.out</a:t>
-            </a:r>
-            <a:endParaRPr lang="en-US" sz="2400" dirty="0"/>
-          </a:p>
-          <a:p>
-            <a:endParaRPr lang="en-US" sz="2400" dirty="0"/>
-          </a:p>
-        </p:txBody>
-      </p:sp>
-      <p:sp>
-        <p:nvSpPr>
-          <p:cNvPr id="4" name="Title 3">
-            <a:extLst>
-              <a:ext uri="{FF2B5EF4-FFF2-40B4-BE49-F238E27FC236}">
-                <a16:creationId xmlns:a16="http://schemas.microsoft.com/office/drawing/2014/main" id="{92EB00D5-98D3-A545-9257-7F5477D17C0C}"/>
+                <a16:creationId xmlns:a16="http://schemas.microsoft.com/office/drawing/2014/main" id="{4EB77C38-4088-A74F-8E87-FE0D91CC0A21}"/>
               </a:ext>
             </a:extLst>
           </p:cNvPr>
@@ -4095,32 +4107,45 @@
           <a:bodyPr/>
           <a:lstStyle/>
           <a:p>
-            <a:r>
-              <a:rPr lang="en-US" dirty="0"/>
-              <a:t>In order to </a:t>
-            </a:r>
-            <a:r>
-              <a:rPr lang="en-US" u="sng" dirty="0"/>
-              <a:t>submit a job</a:t>
-            </a:r>
-            <a:r>
-              <a:rPr lang="en-US" dirty="0"/>
-              <a:t>, need to use the job scheduler </a:t>
-            </a:r>
-            <a:r>
-              <a:rPr lang="en-US" dirty="0" err="1"/>
-              <a:t>Slurm</a:t>
-            </a:r>
-            <a:endParaRPr lang="en-US" dirty="0"/>
+            <a:endParaRPr lang="en-US"/>
           </a:p>
         </p:txBody>
       </p:sp>
+      <p:pic>
+        <p:nvPicPr>
+          <p:cNvPr id="5" name="Content Placeholder 4" descr="Table&#10;&#10;Description automatically generated">
+            <a:extLst>
+              <a:ext uri="{FF2B5EF4-FFF2-40B4-BE49-F238E27FC236}">
+                <a16:creationId xmlns:a16="http://schemas.microsoft.com/office/drawing/2014/main" id="{6B16B25E-665F-AA46-B94F-89E103220784}"/>
+              </a:ext>
+            </a:extLst>
+          </p:cNvPr>
+          <p:cNvPicPr>
+            <a:picLocks noGrp="1" noChangeAspect="1"/>
+          </p:cNvPicPr>
+          <p:nvPr>
+            <p:ph idx="1"/>
+          </p:nvPr>
+        </p:nvPicPr>
+        <p:blipFill>
+          <a:blip r:embed="rId2"/>
+          <a:stretch>
+            <a:fillRect/>
+          </a:stretch>
+        </p:blipFill>
+        <p:spPr>
+          <a:xfrm>
+            <a:off x="115275" y="362298"/>
+            <a:ext cx="8913449" cy="1869386"/>
+          </a:xfrm>
+        </p:spPr>
+      </p:pic>
       <p:sp>
         <p:nvSpPr>
-          <p:cNvPr id="2" name="TextBox 1">
+          <p:cNvPr id="7" name="TextBox 6">
             <a:extLst>
               <a:ext uri="{FF2B5EF4-FFF2-40B4-BE49-F238E27FC236}">
-                <a16:creationId xmlns:a16="http://schemas.microsoft.com/office/drawing/2014/main" id="{71A08821-8308-1F45-89E7-2699E7F67CD2}"/>
+                <a16:creationId xmlns:a16="http://schemas.microsoft.com/office/drawing/2014/main" id="{A91D4089-1409-5B40-B81D-55E50CAEE837}"/>
               </a:ext>
             </a:extLst>
           </p:cNvPr>
@@ -4129,8 +4154,8 @@
         </p:nvSpPr>
         <p:spPr>
           <a:xfrm>
-            <a:off x="628650" y="1750331"/>
-            <a:ext cx="3544560" cy="369332"/>
+            <a:off x="339919" y="2151659"/>
+            <a:ext cx="8605298" cy="2308324"/>
           </a:xfrm>
           <a:prstGeom prst="rect">
             <a:avLst/>
@@ -4138,135 +4163,53 @@
           <a:noFill/>
         </p:spPr>
         <p:txBody>
-          <a:bodyPr wrap="none" rtlCol="0">
-            <a:spAutoFit/>
-          </a:bodyPr>
-          <a:lstStyle/>
-          <a:p>
-            <a:r>
-              <a:rPr lang="en-US" b="1" i="1" dirty="0"/>
-              <a:t>Some common </a:t>
-            </a:r>
-            <a:r>
-              <a:rPr lang="en-US" b="1" i="1" dirty="0" err="1"/>
-              <a:t>slurm</a:t>
-            </a:r>
-            <a:r>
-              <a:rPr lang="en-US" b="1" i="1" dirty="0"/>
-              <a:t> directive</a:t>
-            </a:r>
-          </a:p>
-        </p:txBody>
-      </p:sp>
-      <p:sp>
-        <p:nvSpPr>
-          <p:cNvPr id="5" name="TextBox 4">
-            <a:extLst>
-              <a:ext uri="{FF2B5EF4-FFF2-40B4-BE49-F238E27FC236}">
-                <a16:creationId xmlns:a16="http://schemas.microsoft.com/office/drawing/2014/main" id="{B84414E8-965C-2145-9BED-78301787FE98}"/>
-              </a:ext>
-            </a:extLst>
-          </p:cNvPr>
-          <p:cNvSpPr txBox="1"/>
-          <p:nvPr/>
-        </p:nvSpPr>
-        <p:spPr>
-          <a:xfrm>
-            <a:off x="5948315" y="1934997"/>
-            <a:ext cx="2714920" cy="2031325"/>
-          </a:xfrm>
-          <a:prstGeom prst="rect">
-            <a:avLst/>
-          </a:prstGeom>
-          <a:solidFill>
-            <a:schemeClr val="accent4">
-              <a:lumMod val="20000"/>
-              <a:lumOff val="80000"/>
-            </a:schemeClr>
-          </a:solidFill>
-          <a:ln>
-            <a:solidFill>
-              <a:schemeClr val="tx1"/>
-            </a:solidFill>
-          </a:ln>
-        </p:spPr>
-        <p:txBody>
           <a:bodyPr wrap="square" rtlCol="0">
             <a:spAutoFit/>
           </a:bodyPr>
           <a:lstStyle/>
           <a:p>
-            <a:pPr algn="ctr"/>
+            <a:endParaRPr lang="en-US" dirty="0"/>
+          </a:p>
+          <a:p>
+            <a:pPr>
+              <a:buFont typeface="Arial" panose="020B0604020202020204" pitchFamily="34" charset="0"/>
+              <a:buChar char="•"/>
+            </a:pPr>
             <a:r>
               <a:rPr lang="en-US" dirty="0"/>
-              <a:t>partition = default is </a:t>
-            </a:r>
-            <a:r>
-              <a:rPr lang="en-US" dirty="0" err="1"/>
-              <a:t>bluemoon</a:t>
+              <a:t>You will be missing out on the experience to process the dataset yourself and troubleshoot as you go. This experience is very valuable for </a:t>
+            </a:r>
+            <a:r>
+              <a:rPr lang="en-US" i="1" dirty="0"/>
+              <a:t>bioinformaticians-in-training</a:t>
             </a:r>
             <a:r>
               <a:rPr lang="en-US" dirty="0"/>
-              <a:t> if not specified</a:t>
-            </a:r>
-          </a:p>
-          <a:p>
-            <a:pPr algn="ctr"/>
+              <a:t> and gives you a space to troubleshoot with someone. </a:t>
+            </a:r>
+          </a:p>
+          <a:p>
+            <a:endParaRPr lang="en-US" dirty="0"/>
+          </a:p>
+          <a:p>
+            <a:pPr>
+              <a:buFont typeface="Arial" panose="020B0604020202020204" pitchFamily="34" charset="0"/>
+              <a:buChar char="•"/>
+            </a:pPr>
             <a:r>
               <a:rPr lang="en-US" dirty="0"/>
-              <a:t>Other partitions are available and this is important if you are running a “job” that will take longer than 3 days</a:t>
-            </a:r>
+              <a:t>Don’t waste it because this may be the only time you will have to work with someone through data processing.</a:t>
+            </a:r>
+          </a:p>
+          <a:p>
+            <a:endParaRPr lang="en-US" dirty="0"/>
           </a:p>
         </p:txBody>
       </p:sp>
-      <p:cxnSp>
-        <p:nvCxnSpPr>
-          <p:cNvPr id="7" name="Straight Arrow Connector 6">
-            <a:extLst>
-              <a:ext uri="{FF2B5EF4-FFF2-40B4-BE49-F238E27FC236}">
-                <a16:creationId xmlns:a16="http://schemas.microsoft.com/office/drawing/2014/main" id="{9BF05B00-CC4E-F548-B4B9-64B5C04798C7}"/>
-              </a:ext>
-            </a:extLst>
-          </p:cNvPr>
-          <p:cNvCxnSpPr>
-            <a:cxnSpLocks/>
-          </p:cNvCxnSpPr>
-          <p:nvPr/>
-        </p:nvCxnSpPr>
-        <p:spPr>
-          <a:xfrm flipH="1">
-            <a:off x="5071621" y="2403835"/>
-            <a:ext cx="867266" cy="358219"/>
-          </a:xfrm>
-          <a:prstGeom prst="straightConnector1">
-            <a:avLst/>
-          </a:prstGeom>
-          <a:ln>
-            <a:solidFill>
-              <a:schemeClr val="tx1"/>
-            </a:solidFill>
-            <a:tailEnd type="triangle"/>
-          </a:ln>
-        </p:spPr>
-        <p:style>
-          <a:lnRef idx="1">
-            <a:schemeClr val="accent1"/>
-          </a:lnRef>
-          <a:fillRef idx="0">
-            <a:schemeClr val="accent1"/>
-          </a:fillRef>
-          <a:effectRef idx="0">
-            <a:schemeClr val="accent1"/>
-          </a:effectRef>
-          <a:fontRef idx="minor">
-            <a:schemeClr val="tx1"/>
-          </a:fontRef>
-        </p:style>
-      </p:cxnSp>
     </p:spTree>
     <p:extLst>
       <p:ext uri="{BB962C8B-B14F-4D97-AF65-F5344CB8AC3E}">
-        <p14:creationId xmlns:p14="http://schemas.microsoft.com/office/powerpoint/2010/main" val="3974154458"/>
+        <p14:creationId xmlns:p14="http://schemas.microsoft.com/office/powerpoint/2010/main" val="2427590780"/>
       </p:ext>
     </p:extLst>
   </p:cSld>
@@ -4295,124 +4238,10 @@
       </p:grpSpPr>
       <p:sp>
         <p:nvSpPr>
-          <p:cNvPr id="3" name="TextBox 2">
+          <p:cNvPr id="2" name="Title 1">
             <a:extLst>
               <a:ext uri="{FF2B5EF4-FFF2-40B4-BE49-F238E27FC236}">
-                <a16:creationId xmlns:a16="http://schemas.microsoft.com/office/drawing/2014/main" id="{4B17CB9E-5070-6D43-B6A9-BF74C06C6574}"/>
-              </a:ext>
-            </a:extLst>
-          </p:cNvPr>
-          <p:cNvSpPr txBox="1"/>
-          <p:nvPr/>
-        </p:nvSpPr>
-        <p:spPr>
-          <a:xfrm>
-            <a:off x="628650" y="2179305"/>
-            <a:ext cx="6858000" cy="3785652"/>
-          </a:xfrm>
-          <a:prstGeom prst="rect">
-            <a:avLst/>
-          </a:prstGeom>
-          <a:noFill/>
-        </p:spPr>
-        <p:txBody>
-          <a:bodyPr wrap="square">
-            <a:spAutoFit/>
-          </a:bodyPr>
-          <a:lstStyle/>
-          <a:p>
-            <a:r>
-              <a:rPr lang="en-US" sz="2400" dirty="0"/>
-              <a:t>#!/bin/bash</a:t>
-            </a:r>
-          </a:p>
-          <a:p>
-            <a:r>
-              <a:rPr lang="en-US" sz="2400" dirty="0"/>
-              <a:t>#SBATCH --partition=</a:t>
-            </a:r>
-            <a:r>
-              <a:rPr lang="en-US" sz="2400" dirty="0" err="1"/>
-              <a:t>bluemoon</a:t>
-            </a:r>
-            <a:endParaRPr lang="en-US" sz="2400" dirty="0"/>
-          </a:p>
-          <a:p>
-            <a:r>
-              <a:rPr lang="en-US" sz="2400" dirty="0"/>
-              <a:t>#SBATCH --nodes=1</a:t>
-            </a:r>
-          </a:p>
-          <a:p>
-            <a:r>
-              <a:rPr lang="en-US" sz="2400" dirty="0"/>
-              <a:t>#SBATCH --</a:t>
-            </a:r>
-            <a:r>
-              <a:rPr lang="en-US" sz="2400" dirty="0" err="1"/>
-              <a:t>ntasks</a:t>
-            </a:r>
-            <a:r>
-              <a:rPr lang="en-US" sz="2400" dirty="0"/>
-              <a:t>=4</a:t>
-            </a:r>
-          </a:p>
-          <a:p>
-            <a:r>
-              <a:rPr lang="en-US" sz="2400" dirty="0"/>
-              <a:t>#SBATCH --mem=50G</a:t>
-            </a:r>
-          </a:p>
-          <a:p>
-            <a:r>
-              <a:rPr lang="en-US" sz="2400" dirty="0"/>
-              <a:t>#SBATCH --time=30:00:00</a:t>
-            </a:r>
-          </a:p>
-          <a:p>
-            <a:r>
-              <a:rPr lang="en-US" sz="2400" dirty="0"/>
-              <a:t>#SBATCH --job-name=</a:t>
-            </a:r>
-            <a:r>
-              <a:rPr lang="en-US" sz="2400" dirty="0" err="1"/>
-              <a:t>RNAseq</a:t>
-            </a:r>
-            <a:endParaRPr lang="en-US" sz="2400" dirty="0"/>
-          </a:p>
-          <a:p>
-            <a:r>
-              <a:rPr lang="en-US" sz="2400" dirty="0"/>
-              <a:t># %x=job-name %j=</a:t>
-            </a:r>
-            <a:r>
-              <a:rPr lang="en-US" sz="2400" dirty="0" err="1"/>
-              <a:t>jobid</a:t>
-            </a:r>
-            <a:endParaRPr lang="en-US" sz="2400" dirty="0"/>
-          </a:p>
-          <a:p>
-            <a:r>
-              <a:rPr lang="en-US" sz="2400" dirty="0"/>
-              <a:t>#SBATCH --output=%x_%</a:t>
-            </a:r>
-            <a:r>
-              <a:rPr lang="en-US" sz="2400" dirty="0" err="1"/>
-              <a:t>j.out</a:t>
-            </a:r>
-            <a:endParaRPr lang="en-US" sz="2400" dirty="0"/>
-          </a:p>
-          <a:p>
-            <a:endParaRPr lang="en-US" sz="2400" dirty="0"/>
-          </a:p>
-        </p:txBody>
-      </p:sp>
-      <p:sp>
-        <p:nvSpPr>
-          <p:cNvPr id="4" name="Title 3">
-            <a:extLst>
-              <a:ext uri="{FF2B5EF4-FFF2-40B4-BE49-F238E27FC236}">
-                <a16:creationId xmlns:a16="http://schemas.microsoft.com/office/drawing/2014/main" id="{92EB00D5-98D3-A545-9257-7F5477D17C0C}"/>
+                <a16:creationId xmlns:a16="http://schemas.microsoft.com/office/drawing/2014/main" id="{9AF7D1AE-3413-FC40-AE79-E55924276F20}"/>
               </a:ext>
             </a:extLst>
           </p:cNvPr>
@@ -4428,237 +4257,39 @@
           <a:bodyPr/>
           <a:lstStyle/>
           <a:p>
-            <a:r>
-              <a:rPr lang="en-US" dirty="0"/>
-              <a:t>In order to </a:t>
-            </a:r>
-            <a:r>
-              <a:rPr lang="en-US" u="sng" dirty="0"/>
-              <a:t>submit a job</a:t>
-            </a:r>
-            <a:r>
-              <a:rPr lang="en-US" dirty="0"/>
-              <a:t>, need to use the job scheduler </a:t>
-            </a:r>
-            <a:r>
-              <a:rPr lang="en-US" dirty="0" err="1"/>
-              <a:t>Slurm</a:t>
-            </a:r>
-            <a:endParaRPr lang="en-US" dirty="0"/>
+            <a:endParaRPr lang="en-US"/>
           </a:p>
         </p:txBody>
       </p:sp>
       <p:sp>
         <p:nvSpPr>
-          <p:cNvPr id="2" name="TextBox 1">
+          <p:cNvPr id="3" name="Content Placeholder 2">
             <a:extLst>
               <a:ext uri="{FF2B5EF4-FFF2-40B4-BE49-F238E27FC236}">
-                <a16:creationId xmlns:a16="http://schemas.microsoft.com/office/drawing/2014/main" id="{71A08821-8308-1F45-89E7-2699E7F67CD2}"/>
+                <a16:creationId xmlns:a16="http://schemas.microsoft.com/office/drawing/2014/main" id="{B4AEE1DD-411B-1D45-A269-BD343BCD64AE}"/>
               </a:ext>
             </a:extLst>
           </p:cNvPr>
-          <p:cNvSpPr txBox="1"/>
-          <p:nvPr/>
+          <p:cNvSpPr>
+            <a:spLocks noGrp="1"/>
+          </p:cNvSpPr>
+          <p:nvPr>
+            <p:ph idx="1"/>
+          </p:nvPr>
         </p:nvSpPr>
-        <p:spPr>
-          <a:xfrm>
-            <a:off x="628650" y="1750331"/>
-            <a:ext cx="3544560" cy="369332"/>
-          </a:xfrm>
-          <a:prstGeom prst="rect">
-            <a:avLst/>
-          </a:prstGeom>
-          <a:noFill/>
-        </p:spPr>
+        <p:spPr/>
         <p:txBody>
-          <a:bodyPr wrap="none" rtlCol="0">
-            <a:spAutoFit/>
-          </a:bodyPr>
+          <a:bodyPr/>
           <a:lstStyle/>
           <a:p>
-            <a:r>
-              <a:rPr lang="en-US" b="1" i="1" dirty="0"/>
-              <a:t>Some common </a:t>
-            </a:r>
-            <a:r>
-              <a:rPr lang="en-US" b="1" i="1" dirty="0" err="1"/>
-              <a:t>slurm</a:t>
-            </a:r>
-            <a:r>
-              <a:rPr lang="en-US" b="1" i="1" dirty="0"/>
-              <a:t> directive</a:t>
-            </a:r>
+            <a:endParaRPr lang="en-US"/>
           </a:p>
         </p:txBody>
       </p:sp>
-      <p:sp>
-        <p:nvSpPr>
-          <p:cNvPr id="5" name="TextBox 4">
-            <a:extLst>
-              <a:ext uri="{FF2B5EF4-FFF2-40B4-BE49-F238E27FC236}">
-                <a16:creationId xmlns:a16="http://schemas.microsoft.com/office/drawing/2014/main" id="{B84414E8-965C-2145-9BED-78301787FE98}"/>
-              </a:ext>
-            </a:extLst>
-          </p:cNvPr>
-          <p:cNvSpPr txBox="1"/>
-          <p:nvPr/>
-        </p:nvSpPr>
-        <p:spPr>
-          <a:xfrm>
-            <a:off x="5948315" y="1934997"/>
-            <a:ext cx="2714920" cy="3970318"/>
-          </a:xfrm>
-          <a:prstGeom prst="rect">
-            <a:avLst/>
-          </a:prstGeom>
-          <a:solidFill>
-            <a:schemeClr val="accent4">
-              <a:lumMod val="20000"/>
-              <a:lumOff val="80000"/>
-            </a:schemeClr>
-          </a:solidFill>
-          <a:ln>
-            <a:solidFill>
-              <a:schemeClr val="tx1"/>
-            </a:solidFill>
-          </a:ln>
-        </p:spPr>
-        <p:txBody>
-          <a:bodyPr wrap="square" rtlCol="0">
-            <a:spAutoFit/>
-          </a:bodyPr>
-          <a:lstStyle/>
-          <a:p>
-            <a:pPr algn="ctr"/>
-            <a:r>
-              <a:rPr lang="en-US" b="1" dirty="0"/>
-              <a:t>Node:</a:t>
-            </a:r>
-            <a:r>
-              <a:rPr lang="en-US" dirty="0"/>
-              <a:t> A “node” is a server in the cluster. Each node has is configured with a certain number of cores (CPUs).</a:t>
-            </a:r>
-          </a:p>
-          <a:p>
-            <a:pPr algn="ctr"/>
-            <a:endParaRPr lang="en-US" dirty="0"/>
-          </a:p>
-          <a:p>
-            <a:pPr algn="ctr"/>
-            <a:r>
-              <a:rPr lang="en-US" b="1" dirty="0"/>
-              <a:t>Task:</a:t>
-            </a:r>
-            <a:r>
-              <a:rPr lang="en-US" dirty="0"/>
-              <a:t> A “task” is a process sent to a core. By default, 1 core is assigned per 1 task</a:t>
-            </a:r>
-          </a:p>
-          <a:p>
-            <a:pPr algn="ctr"/>
-            <a:endParaRPr lang="en-US" dirty="0"/>
-          </a:p>
-          <a:p>
-            <a:pPr algn="ctr"/>
-            <a:r>
-              <a:rPr lang="en-US" dirty="0"/>
-              <a:t>Recommend that you begin with 1 node and 2 processes</a:t>
-            </a:r>
-          </a:p>
-        </p:txBody>
-      </p:sp>
-      <p:cxnSp>
-        <p:nvCxnSpPr>
-          <p:cNvPr id="7" name="Straight Arrow Connector 6">
-            <a:extLst>
-              <a:ext uri="{FF2B5EF4-FFF2-40B4-BE49-F238E27FC236}">
-                <a16:creationId xmlns:a16="http://schemas.microsoft.com/office/drawing/2014/main" id="{9BF05B00-CC4E-F548-B4B9-64B5C04798C7}"/>
-              </a:ext>
-            </a:extLst>
-          </p:cNvPr>
-          <p:cNvCxnSpPr>
-            <a:cxnSpLocks/>
-          </p:cNvCxnSpPr>
-          <p:nvPr/>
-        </p:nvCxnSpPr>
-        <p:spPr>
-          <a:xfrm flipH="1">
-            <a:off x="3624017" y="3129768"/>
-            <a:ext cx="2324298" cy="0"/>
-          </a:xfrm>
-          <a:prstGeom prst="straightConnector1">
-            <a:avLst/>
-          </a:prstGeom>
-          <a:ln>
-            <a:solidFill>
-              <a:schemeClr val="tx1"/>
-            </a:solidFill>
-            <a:tailEnd type="triangle"/>
-          </a:ln>
-        </p:spPr>
-        <p:style>
-          <a:lnRef idx="1">
-            <a:schemeClr val="accent1"/>
-          </a:lnRef>
-          <a:fillRef idx="0">
-            <a:schemeClr val="accent1"/>
-          </a:fillRef>
-          <a:effectRef idx="0">
-            <a:schemeClr val="accent1"/>
-          </a:effectRef>
-          <a:fontRef idx="minor">
-            <a:schemeClr val="tx1"/>
-          </a:fontRef>
-        </p:style>
-      </p:cxnSp>
-      <p:cxnSp>
-        <p:nvCxnSpPr>
-          <p:cNvPr id="8" name="Straight Arrow Connector 7">
-            <a:extLst>
-              <a:ext uri="{FF2B5EF4-FFF2-40B4-BE49-F238E27FC236}">
-                <a16:creationId xmlns:a16="http://schemas.microsoft.com/office/drawing/2014/main" id="{D0DBC379-3610-4544-80B5-487135F07777}"/>
-              </a:ext>
-            </a:extLst>
-          </p:cNvPr>
-          <p:cNvCxnSpPr>
-            <a:cxnSpLocks/>
-          </p:cNvCxnSpPr>
-          <p:nvPr/>
-        </p:nvCxnSpPr>
-        <p:spPr>
-          <a:xfrm flipH="1">
-            <a:off x="3624017" y="3289955"/>
-            <a:ext cx="2324298" cy="254523"/>
-          </a:xfrm>
-          <a:prstGeom prst="straightConnector1">
-            <a:avLst/>
-          </a:prstGeom>
-          <a:ln>
-            <a:solidFill>
-              <a:schemeClr val="tx1"/>
-            </a:solidFill>
-            <a:tailEnd type="triangle"/>
-          </a:ln>
-        </p:spPr>
-        <p:style>
-          <a:lnRef idx="1">
-            <a:schemeClr val="accent1"/>
-          </a:lnRef>
-          <a:fillRef idx="0">
-            <a:schemeClr val="accent1"/>
-          </a:fillRef>
-          <a:effectRef idx="0">
-            <a:schemeClr val="accent1"/>
-          </a:effectRef>
-          <a:fontRef idx="minor">
-            <a:schemeClr val="tx1"/>
-          </a:fontRef>
-        </p:style>
-      </p:cxnSp>
     </p:spTree>
     <p:extLst>
       <p:ext uri="{BB962C8B-B14F-4D97-AF65-F5344CB8AC3E}">
-        <p14:creationId xmlns:p14="http://schemas.microsoft.com/office/powerpoint/2010/main" val="3347668987"/>
+        <p14:creationId xmlns:p14="http://schemas.microsoft.com/office/powerpoint/2010/main" val="1596482873"/>
       </p:ext>
     </p:extLst>
   </p:cSld>
@@ -4669,646 +4300,6 @@
 </file>
 
 <file path=ppt/slides/slide16.xml><?xml version="1.0" encoding="utf-8"?>
-<p:sld xmlns:a="http://schemas.openxmlformats.org/drawingml/2006/main" xmlns:r="http://schemas.openxmlformats.org/officeDocument/2006/relationships" xmlns:p="http://schemas.openxmlformats.org/presentationml/2006/main">
-  <p:cSld>
-    <p:spTree>
-      <p:nvGrpSpPr>
-        <p:cNvPr id="1" name=""/>
-        <p:cNvGrpSpPr/>
-        <p:nvPr/>
-      </p:nvGrpSpPr>
-      <p:grpSpPr>
-        <a:xfrm>
-          <a:off x="0" y="0"/>
-          <a:ext cx="0" cy="0"/>
-          <a:chOff x="0" y="0"/>
-          <a:chExt cx="0" cy="0"/>
-        </a:xfrm>
-      </p:grpSpPr>
-      <p:sp>
-        <p:nvSpPr>
-          <p:cNvPr id="3" name="TextBox 2">
-            <a:extLst>
-              <a:ext uri="{FF2B5EF4-FFF2-40B4-BE49-F238E27FC236}">
-                <a16:creationId xmlns:a16="http://schemas.microsoft.com/office/drawing/2014/main" id="{4B17CB9E-5070-6D43-B6A9-BF74C06C6574}"/>
-              </a:ext>
-            </a:extLst>
-          </p:cNvPr>
-          <p:cNvSpPr txBox="1"/>
-          <p:nvPr/>
-        </p:nvSpPr>
-        <p:spPr>
-          <a:xfrm>
-            <a:off x="628650" y="2179305"/>
-            <a:ext cx="6858000" cy="3785652"/>
-          </a:xfrm>
-          <a:prstGeom prst="rect">
-            <a:avLst/>
-          </a:prstGeom>
-          <a:noFill/>
-        </p:spPr>
-        <p:txBody>
-          <a:bodyPr wrap="square">
-            <a:spAutoFit/>
-          </a:bodyPr>
-          <a:lstStyle/>
-          <a:p>
-            <a:r>
-              <a:rPr lang="en-US" sz="2400" dirty="0"/>
-              <a:t>#!/bin/bash</a:t>
-            </a:r>
-          </a:p>
-          <a:p>
-            <a:r>
-              <a:rPr lang="en-US" sz="2400" dirty="0"/>
-              <a:t>#SBATCH --partition=</a:t>
-            </a:r>
-            <a:r>
-              <a:rPr lang="en-US" sz="2400" dirty="0" err="1"/>
-              <a:t>bluemoon</a:t>
-            </a:r>
-            <a:endParaRPr lang="en-US" sz="2400" dirty="0"/>
-          </a:p>
-          <a:p>
-            <a:r>
-              <a:rPr lang="en-US" sz="2400" dirty="0"/>
-              <a:t>#SBATCH --nodes=1</a:t>
-            </a:r>
-          </a:p>
-          <a:p>
-            <a:r>
-              <a:rPr lang="en-US" sz="2400" dirty="0"/>
-              <a:t>#SBATCH --</a:t>
-            </a:r>
-            <a:r>
-              <a:rPr lang="en-US" sz="2400" dirty="0" err="1"/>
-              <a:t>ntasks</a:t>
-            </a:r>
-            <a:r>
-              <a:rPr lang="en-US" sz="2400" dirty="0"/>
-              <a:t>=4</a:t>
-            </a:r>
-          </a:p>
-          <a:p>
-            <a:r>
-              <a:rPr lang="en-US" sz="2400" dirty="0"/>
-              <a:t>#SBATCH --mem=50G</a:t>
-            </a:r>
-          </a:p>
-          <a:p>
-            <a:r>
-              <a:rPr lang="en-US" sz="2400" dirty="0"/>
-              <a:t>#SBATCH --time=30:00:00</a:t>
-            </a:r>
-          </a:p>
-          <a:p>
-            <a:r>
-              <a:rPr lang="en-US" sz="2400" dirty="0"/>
-              <a:t>#SBATCH --job-name=</a:t>
-            </a:r>
-            <a:r>
-              <a:rPr lang="en-US" sz="2400" dirty="0" err="1"/>
-              <a:t>RNAseq</a:t>
-            </a:r>
-            <a:endParaRPr lang="en-US" sz="2400" dirty="0"/>
-          </a:p>
-          <a:p>
-            <a:r>
-              <a:rPr lang="en-US" sz="2400" dirty="0"/>
-              <a:t># %x=job-name %j=</a:t>
-            </a:r>
-            <a:r>
-              <a:rPr lang="en-US" sz="2400" dirty="0" err="1"/>
-              <a:t>jobid</a:t>
-            </a:r>
-            <a:endParaRPr lang="en-US" sz="2400" dirty="0"/>
-          </a:p>
-          <a:p>
-            <a:r>
-              <a:rPr lang="en-US" sz="2400" dirty="0"/>
-              <a:t>#SBATCH --output=%x_%</a:t>
-            </a:r>
-            <a:r>
-              <a:rPr lang="en-US" sz="2400" dirty="0" err="1"/>
-              <a:t>j.out</a:t>
-            </a:r>
-            <a:endParaRPr lang="en-US" sz="2400" dirty="0"/>
-          </a:p>
-          <a:p>
-            <a:endParaRPr lang="en-US" sz="2400" dirty="0"/>
-          </a:p>
-        </p:txBody>
-      </p:sp>
-      <p:sp>
-        <p:nvSpPr>
-          <p:cNvPr id="4" name="Title 3">
-            <a:extLst>
-              <a:ext uri="{FF2B5EF4-FFF2-40B4-BE49-F238E27FC236}">
-                <a16:creationId xmlns:a16="http://schemas.microsoft.com/office/drawing/2014/main" id="{92EB00D5-98D3-A545-9257-7F5477D17C0C}"/>
-              </a:ext>
-            </a:extLst>
-          </p:cNvPr>
-          <p:cNvSpPr>
-            <a:spLocks noGrp="1"/>
-          </p:cNvSpPr>
-          <p:nvPr>
-            <p:ph type="title"/>
-          </p:nvPr>
-        </p:nvSpPr>
-        <p:spPr/>
-        <p:txBody>
-          <a:bodyPr/>
-          <a:lstStyle/>
-          <a:p>
-            <a:r>
-              <a:rPr lang="en-US" dirty="0"/>
-              <a:t>In order to </a:t>
-            </a:r>
-            <a:r>
-              <a:rPr lang="en-US" u="sng" dirty="0"/>
-              <a:t>submit a job</a:t>
-            </a:r>
-            <a:r>
-              <a:rPr lang="en-US" dirty="0"/>
-              <a:t>, need to use the job scheduler </a:t>
-            </a:r>
-            <a:r>
-              <a:rPr lang="en-US" dirty="0" err="1"/>
-              <a:t>Slurm</a:t>
-            </a:r>
-            <a:endParaRPr lang="en-US" dirty="0"/>
-          </a:p>
-        </p:txBody>
-      </p:sp>
-      <p:sp>
-        <p:nvSpPr>
-          <p:cNvPr id="2" name="TextBox 1">
-            <a:extLst>
-              <a:ext uri="{FF2B5EF4-FFF2-40B4-BE49-F238E27FC236}">
-                <a16:creationId xmlns:a16="http://schemas.microsoft.com/office/drawing/2014/main" id="{71A08821-8308-1F45-89E7-2699E7F67CD2}"/>
-              </a:ext>
-            </a:extLst>
-          </p:cNvPr>
-          <p:cNvSpPr txBox="1"/>
-          <p:nvPr/>
-        </p:nvSpPr>
-        <p:spPr>
-          <a:xfrm>
-            <a:off x="628650" y="1750331"/>
-            <a:ext cx="3544560" cy="369332"/>
-          </a:xfrm>
-          <a:prstGeom prst="rect">
-            <a:avLst/>
-          </a:prstGeom>
-          <a:noFill/>
-        </p:spPr>
-        <p:txBody>
-          <a:bodyPr wrap="none" rtlCol="0">
-            <a:spAutoFit/>
-          </a:bodyPr>
-          <a:lstStyle/>
-          <a:p>
-            <a:r>
-              <a:rPr lang="en-US" b="1" i="1" dirty="0"/>
-              <a:t>Some common </a:t>
-            </a:r>
-            <a:r>
-              <a:rPr lang="en-US" b="1" i="1" dirty="0" err="1"/>
-              <a:t>slurm</a:t>
-            </a:r>
-            <a:r>
-              <a:rPr lang="en-US" b="1" i="1" dirty="0"/>
-              <a:t> directive</a:t>
-            </a:r>
-          </a:p>
-        </p:txBody>
-      </p:sp>
-      <p:sp>
-        <p:nvSpPr>
-          <p:cNvPr id="5" name="TextBox 4">
-            <a:extLst>
-              <a:ext uri="{FF2B5EF4-FFF2-40B4-BE49-F238E27FC236}">
-                <a16:creationId xmlns:a16="http://schemas.microsoft.com/office/drawing/2014/main" id="{B84414E8-965C-2145-9BED-78301787FE98}"/>
-              </a:ext>
-            </a:extLst>
-          </p:cNvPr>
-          <p:cNvSpPr txBox="1"/>
-          <p:nvPr/>
-        </p:nvSpPr>
-        <p:spPr>
-          <a:xfrm>
-            <a:off x="5948315" y="3104569"/>
-            <a:ext cx="2714920" cy="923330"/>
-          </a:xfrm>
-          <a:prstGeom prst="rect">
-            <a:avLst/>
-          </a:prstGeom>
-          <a:solidFill>
-            <a:schemeClr val="accent4">
-              <a:lumMod val="20000"/>
-              <a:lumOff val="80000"/>
-            </a:schemeClr>
-          </a:solidFill>
-          <a:ln>
-            <a:solidFill>
-              <a:schemeClr val="tx1"/>
-            </a:solidFill>
-          </a:ln>
-        </p:spPr>
-        <p:txBody>
-          <a:bodyPr wrap="square" rtlCol="0">
-            <a:spAutoFit/>
-          </a:bodyPr>
-          <a:lstStyle/>
-          <a:p>
-            <a:pPr algn="ctr"/>
-            <a:r>
-              <a:rPr lang="en-US" dirty="0"/>
-              <a:t>If your job requires more than 1G of memory – need to specify this</a:t>
-            </a:r>
-          </a:p>
-        </p:txBody>
-      </p:sp>
-      <p:cxnSp>
-        <p:nvCxnSpPr>
-          <p:cNvPr id="8" name="Straight Arrow Connector 7">
-            <a:extLst>
-              <a:ext uri="{FF2B5EF4-FFF2-40B4-BE49-F238E27FC236}">
-                <a16:creationId xmlns:a16="http://schemas.microsoft.com/office/drawing/2014/main" id="{D0DBC379-3610-4544-80B5-487135F07777}"/>
-              </a:ext>
-            </a:extLst>
-          </p:cNvPr>
-          <p:cNvCxnSpPr>
-            <a:cxnSpLocks/>
-          </p:cNvCxnSpPr>
-          <p:nvPr/>
-        </p:nvCxnSpPr>
-        <p:spPr>
-          <a:xfrm flipH="1">
-            <a:off x="3855563" y="3704734"/>
-            <a:ext cx="2092752" cy="169682"/>
-          </a:xfrm>
-          <a:prstGeom prst="straightConnector1">
-            <a:avLst/>
-          </a:prstGeom>
-          <a:ln>
-            <a:solidFill>
-              <a:schemeClr val="tx1"/>
-            </a:solidFill>
-            <a:tailEnd type="triangle"/>
-          </a:ln>
-        </p:spPr>
-        <p:style>
-          <a:lnRef idx="1">
-            <a:schemeClr val="accent1"/>
-          </a:lnRef>
-          <a:fillRef idx="0">
-            <a:schemeClr val="accent1"/>
-          </a:fillRef>
-          <a:effectRef idx="0">
-            <a:schemeClr val="accent1"/>
-          </a:effectRef>
-          <a:fontRef idx="minor">
-            <a:schemeClr val="tx1"/>
-          </a:fontRef>
-        </p:style>
-      </p:cxnSp>
-    </p:spTree>
-    <p:extLst>
-      <p:ext uri="{BB962C8B-B14F-4D97-AF65-F5344CB8AC3E}">
-        <p14:creationId xmlns:p14="http://schemas.microsoft.com/office/powerpoint/2010/main" val="3836341815"/>
-      </p:ext>
-    </p:extLst>
-  </p:cSld>
-  <p:clrMapOvr>
-    <a:masterClrMapping/>
-  </p:clrMapOvr>
-</p:sld>
-</file>
-
-<file path=ppt/slides/slide17.xml><?xml version="1.0" encoding="utf-8"?>
-<p:sld xmlns:a="http://schemas.openxmlformats.org/drawingml/2006/main" xmlns:r="http://schemas.openxmlformats.org/officeDocument/2006/relationships" xmlns:p="http://schemas.openxmlformats.org/presentationml/2006/main">
-  <p:cSld>
-    <p:spTree>
-      <p:nvGrpSpPr>
-        <p:cNvPr id="1" name=""/>
-        <p:cNvGrpSpPr/>
-        <p:nvPr/>
-      </p:nvGrpSpPr>
-      <p:grpSpPr>
-        <a:xfrm>
-          <a:off x="0" y="0"/>
-          <a:ext cx="0" cy="0"/>
-          <a:chOff x="0" y="0"/>
-          <a:chExt cx="0" cy="0"/>
-        </a:xfrm>
-      </p:grpSpPr>
-      <p:sp>
-        <p:nvSpPr>
-          <p:cNvPr id="3" name="TextBox 2">
-            <a:extLst>
-              <a:ext uri="{FF2B5EF4-FFF2-40B4-BE49-F238E27FC236}">
-                <a16:creationId xmlns:a16="http://schemas.microsoft.com/office/drawing/2014/main" id="{4B17CB9E-5070-6D43-B6A9-BF74C06C6574}"/>
-              </a:ext>
-            </a:extLst>
-          </p:cNvPr>
-          <p:cNvSpPr txBox="1"/>
-          <p:nvPr/>
-        </p:nvSpPr>
-        <p:spPr>
-          <a:xfrm>
-            <a:off x="628650" y="2179305"/>
-            <a:ext cx="6858000" cy="3785652"/>
-          </a:xfrm>
-          <a:prstGeom prst="rect">
-            <a:avLst/>
-          </a:prstGeom>
-          <a:noFill/>
-        </p:spPr>
-        <p:txBody>
-          <a:bodyPr wrap="square">
-            <a:spAutoFit/>
-          </a:bodyPr>
-          <a:lstStyle/>
-          <a:p>
-            <a:r>
-              <a:rPr lang="en-US" sz="2400" dirty="0"/>
-              <a:t>#!/bin/bash</a:t>
-            </a:r>
-          </a:p>
-          <a:p>
-            <a:r>
-              <a:rPr lang="en-US" sz="2400" dirty="0"/>
-              <a:t>#SBATCH --partition=</a:t>
-            </a:r>
-            <a:r>
-              <a:rPr lang="en-US" sz="2400" dirty="0" err="1"/>
-              <a:t>bluemoon</a:t>
-            </a:r>
-            <a:endParaRPr lang="en-US" sz="2400" dirty="0"/>
-          </a:p>
-          <a:p>
-            <a:r>
-              <a:rPr lang="en-US" sz="2400" dirty="0"/>
-              <a:t>#SBATCH --nodes=1</a:t>
-            </a:r>
-          </a:p>
-          <a:p>
-            <a:r>
-              <a:rPr lang="en-US" sz="2400" dirty="0"/>
-              <a:t>#SBATCH --</a:t>
-            </a:r>
-            <a:r>
-              <a:rPr lang="en-US" sz="2400" dirty="0" err="1"/>
-              <a:t>ntasks</a:t>
-            </a:r>
-            <a:r>
-              <a:rPr lang="en-US" sz="2400" dirty="0"/>
-              <a:t>=4</a:t>
-            </a:r>
-          </a:p>
-          <a:p>
-            <a:r>
-              <a:rPr lang="en-US" sz="2400" dirty="0"/>
-              <a:t>#SBATCH --mem=50G</a:t>
-            </a:r>
-          </a:p>
-          <a:p>
-            <a:r>
-              <a:rPr lang="en-US" sz="2400" dirty="0"/>
-              <a:t>#SBATCH --time=30:00:00</a:t>
-            </a:r>
-          </a:p>
-          <a:p>
-            <a:r>
-              <a:rPr lang="en-US" sz="2400" dirty="0"/>
-              <a:t>#SBATCH --job-name=</a:t>
-            </a:r>
-            <a:r>
-              <a:rPr lang="en-US" sz="2400" dirty="0" err="1"/>
-              <a:t>RNAseq</a:t>
-            </a:r>
-            <a:endParaRPr lang="en-US" sz="2400" dirty="0"/>
-          </a:p>
-          <a:p>
-            <a:r>
-              <a:rPr lang="en-US" sz="2400" dirty="0"/>
-              <a:t># %x=job-name %j=</a:t>
-            </a:r>
-            <a:r>
-              <a:rPr lang="en-US" sz="2400" dirty="0" err="1"/>
-              <a:t>jobid</a:t>
-            </a:r>
-            <a:endParaRPr lang="en-US" sz="2400" dirty="0"/>
-          </a:p>
-          <a:p>
-            <a:r>
-              <a:rPr lang="en-US" sz="2400" dirty="0"/>
-              <a:t>#SBATCH --output=%x_%</a:t>
-            </a:r>
-            <a:r>
-              <a:rPr lang="en-US" sz="2400" dirty="0" err="1"/>
-              <a:t>j.out</a:t>
-            </a:r>
-            <a:endParaRPr lang="en-US" sz="2400" dirty="0"/>
-          </a:p>
-          <a:p>
-            <a:endParaRPr lang="en-US" sz="2400" dirty="0"/>
-          </a:p>
-        </p:txBody>
-      </p:sp>
-      <p:sp>
-        <p:nvSpPr>
-          <p:cNvPr id="4" name="Title 3">
-            <a:extLst>
-              <a:ext uri="{FF2B5EF4-FFF2-40B4-BE49-F238E27FC236}">
-                <a16:creationId xmlns:a16="http://schemas.microsoft.com/office/drawing/2014/main" id="{92EB00D5-98D3-A545-9257-7F5477D17C0C}"/>
-              </a:ext>
-            </a:extLst>
-          </p:cNvPr>
-          <p:cNvSpPr>
-            <a:spLocks noGrp="1"/>
-          </p:cNvSpPr>
-          <p:nvPr>
-            <p:ph type="title"/>
-          </p:nvPr>
-        </p:nvSpPr>
-        <p:spPr/>
-        <p:txBody>
-          <a:bodyPr/>
-          <a:lstStyle/>
-          <a:p>
-            <a:r>
-              <a:rPr lang="en-US" dirty="0"/>
-              <a:t>In order to </a:t>
-            </a:r>
-            <a:r>
-              <a:rPr lang="en-US" u="sng" dirty="0"/>
-              <a:t>submit a job</a:t>
-            </a:r>
-            <a:r>
-              <a:rPr lang="en-US" dirty="0"/>
-              <a:t>, need to use the job scheduler </a:t>
-            </a:r>
-            <a:r>
-              <a:rPr lang="en-US" dirty="0" err="1"/>
-              <a:t>Slurm</a:t>
-            </a:r>
-            <a:endParaRPr lang="en-US" dirty="0"/>
-          </a:p>
-        </p:txBody>
-      </p:sp>
-      <p:sp>
-        <p:nvSpPr>
-          <p:cNvPr id="2" name="TextBox 1">
-            <a:extLst>
-              <a:ext uri="{FF2B5EF4-FFF2-40B4-BE49-F238E27FC236}">
-                <a16:creationId xmlns:a16="http://schemas.microsoft.com/office/drawing/2014/main" id="{71A08821-8308-1F45-89E7-2699E7F67CD2}"/>
-              </a:ext>
-            </a:extLst>
-          </p:cNvPr>
-          <p:cNvSpPr txBox="1"/>
-          <p:nvPr/>
-        </p:nvSpPr>
-        <p:spPr>
-          <a:xfrm>
-            <a:off x="628650" y="1750331"/>
-            <a:ext cx="3544560" cy="369332"/>
-          </a:xfrm>
-          <a:prstGeom prst="rect">
-            <a:avLst/>
-          </a:prstGeom>
-          <a:noFill/>
-        </p:spPr>
-        <p:txBody>
-          <a:bodyPr wrap="none" rtlCol="0">
-            <a:spAutoFit/>
-          </a:bodyPr>
-          <a:lstStyle/>
-          <a:p>
-            <a:r>
-              <a:rPr lang="en-US" b="1" i="1" dirty="0"/>
-              <a:t>Some common </a:t>
-            </a:r>
-            <a:r>
-              <a:rPr lang="en-US" b="1" i="1" dirty="0" err="1"/>
-              <a:t>slurm</a:t>
-            </a:r>
-            <a:r>
-              <a:rPr lang="en-US" b="1" i="1" dirty="0"/>
-              <a:t> directive</a:t>
-            </a:r>
-          </a:p>
-        </p:txBody>
-      </p:sp>
-      <p:sp>
-        <p:nvSpPr>
-          <p:cNvPr id="5" name="TextBox 4">
-            <a:extLst>
-              <a:ext uri="{FF2B5EF4-FFF2-40B4-BE49-F238E27FC236}">
-                <a16:creationId xmlns:a16="http://schemas.microsoft.com/office/drawing/2014/main" id="{B84414E8-965C-2145-9BED-78301787FE98}"/>
-              </a:ext>
-            </a:extLst>
-          </p:cNvPr>
-          <p:cNvSpPr txBox="1"/>
-          <p:nvPr/>
-        </p:nvSpPr>
-        <p:spPr>
-          <a:xfrm>
-            <a:off x="5872899" y="3737976"/>
-            <a:ext cx="2714920" cy="923330"/>
-          </a:xfrm>
-          <a:prstGeom prst="rect">
-            <a:avLst/>
-          </a:prstGeom>
-          <a:solidFill>
-            <a:schemeClr val="accent4">
-              <a:lumMod val="20000"/>
-              <a:lumOff val="80000"/>
-            </a:schemeClr>
-          </a:solidFill>
-          <a:ln>
-            <a:solidFill>
-              <a:schemeClr val="tx1"/>
-            </a:solidFill>
-          </a:ln>
-        </p:spPr>
-        <p:txBody>
-          <a:bodyPr wrap="square" rtlCol="0">
-            <a:spAutoFit/>
-          </a:bodyPr>
-          <a:lstStyle/>
-          <a:p>
-            <a:pPr algn="ctr"/>
-            <a:r>
-              <a:rPr lang="en-US" dirty="0" err="1"/>
-              <a:t>Walltime</a:t>
-            </a:r>
-            <a:r>
-              <a:rPr lang="en-US" dirty="0"/>
-              <a:t> is the maximum amount of time your job will run. </a:t>
-            </a:r>
-          </a:p>
-        </p:txBody>
-      </p:sp>
-      <p:cxnSp>
-        <p:nvCxnSpPr>
-          <p:cNvPr id="8" name="Straight Arrow Connector 7">
-            <a:extLst>
-              <a:ext uri="{FF2B5EF4-FFF2-40B4-BE49-F238E27FC236}">
-                <a16:creationId xmlns:a16="http://schemas.microsoft.com/office/drawing/2014/main" id="{D0DBC379-3610-4544-80B5-487135F07777}"/>
-              </a:ext>
-            </a:extLst>
-          </p:cNvPr>
-          <p:cNvCxnSpPr>
-            <a:cxnSpLocks/>
-          </p:cNvCxnSpPr>
-          <p:nvPr/>
-        </p:nvCxnSpPr>
-        <p:spPr>
-          <a:xfrm flipH="1">
-            <a:off x="4317477" y="4166647"/>
-            <a:ext cx="1555422" cy="65988"/>
-          </a:xfrm>
-          <a:prstGeom prst="straightConnector1">
-            <a:avLst/>
-          </a:prstGeom>
-          <a:ln>
-            <a:solidFill>
-              <a:schemeClr val="tx1"/>
-            </a:solidFill>
-            <a:tailEnd type="triangle"/>
-          </a:ln>
-        </p:spPr>
-        <p:style>
-          <a:lnRef idx="1">
-            <a:schemeClr val="accent1"/>
-          </a:lnRef>
-          <a:fillRef idx="0">
-            <a:schemeClr val="accent1"/>
-          </a:fillRef>
-          <a:effectRef idx="0">
-            <a:schemeClr val="accent1"/>
-          </a:effectRef>
-          <a:fontRef idx="minor">
-            <a:schemeClr val="tx1"/>
-          </a:fontRef>
-        </p:style>
-      </p:cxnSp>
-    </p:spTree>
-    <p:extLst>
-      <p:ext uri="{BB962C8B-B14F-4D97-AF65-F5344CB8AC3E}">
-        <p14:creationId xmlns:p14="http://schemas.microsoft.com/office/powerpoint/2010/main" val="3137538660"/>
-      </p:ext>
-    </p:extLst>
-  </p:cSld>
-  <p:clrMapOvr>
-    <a:masterClrMapping/>
-  </p:clrMapOvr>
-</p:sld>
-</file>
-
-<file path=ppt/slides/slide2.xml><?xml version="1.0" encoding="utf-8"?>
 <p:sld xmlns:a="http://schemas.openxmlformats.org/drawingml/2006/main" xmlns:r="http://schemas.openxmlformats.org/officeDocument/2006/relationships" xmlns:p="http://schemas.openxmlformats.org/presentationml/2006/main">
   <p:cSld>
     <p:spTree>
@@ -5439,7 +4430,7 @@
 </p:sld>
 </file>
 
-<file path=ppt/slides/slide3.xml><?xml version="1.0" encoding="utf-8"?>
+<file path=ppt/slides/slide17.xml><?xml version="1.0" encoding="utf-8"?>
 <p:sld xmlns:a="http://schemas.openxmlformats.org/drawingml/2006/main" xmlns:r="http://schemas.openxmlformats.org/officeDocument/2006/relationships" xmlns:p="http://schemas.openxmlformats.org/presentationml/2006/main">
   <p:cSld>
     <p:spTree>
@@ -17559,7 +16550,7 @@
 </p:sld>
 </file>
 
-<file path=ppt/slides/slide4.xml><?xml version="1.0" encoding="utf-8"?>
+<file path=ppt/slides/slide18.xml><?xml version="1.0" encoding="utf-8"?>
 <p:sld xmlns:a="http://schemas.openxmlformats.org/drawingml/2006/main" xmlns:r="http://schemas.openxmlformats.org/officeDocument/2006/relationships" xmlns:p="http://schemas.openxmlformats.org/presentationml/2006/main">
   <p:cSld>
     <p:spTree>
@@ -21350,7 +20341,7 @@
 </p:sld>
 </file>
 
-<file path=ppt/slides/slide5.xml><?xml version="1.0" encoding="utf-8"?>
+<file path=ppt/slides/slide19.xml><?xml version="1.0" encoding="utf-8"?>
 <p:sld xmlns:a="http://schemas.openxmlformats.org/drawingml/2006/main" xmlns:r="http://schemas.openxmlformats.org/officeDocument/2006/relationships" xmlns:p="http://schemas.openxmlformats.org/presentationml/2006/main">
   <p:cSld>
     <p:spTree>
@@ -24397,7 +23388,105 @@
 </p:sld>
 </file>
 
-<file path=ppt/slides/slide6.xml><?xml version="1.0" encoding="utf-8"?>
+<file path=ppt/slides/slide2.xml><?xml version="1.0" encoding="utf-8"?>
+<p:sld xmlns:a="http://schemas.openxmlformats.org/drawingml/2006/main" xmlns:r="http://schemas.openxmlformats.org/officeDocument/2006/relationships" xmlns:p="http://schemas.openxmlformats.org/presentationml/2006/main">
+  <p:cSld>
+    <p:spTree>
+      <p:nvGrpSpPr>
+        <p:cNvPr id="1" name=""/>
+        <p:cNvGrpSpPr/>
+        <p:nvPr/>
+      </p:nvGrpSpPr>
+      <p:grpSpPr>
+        <a:xfrm>
+          <a:off x="0" y="0"/>
+          <a:ext cx="0" cy="0"/>
+          <a:chOff x="0" y="0"/>
+          <a:chExt cx="0" cy="0"/>
+        </a:xfrm>
+      </p:grpSpPr>
+      <p:sp>
+        <p:nvSpPr>
+          <p:cNvPr id="2" name="Title 1">
+            <a:extLst>
+              <a:ext uri="{FF2B5EF4-FFF2-40B4-BE49-F238E27FC236}">
+                <a16:creationId xmlns:a16="http://schemas.microsoft.com/office/drawing/2014/main" id="{ADFD7C9E-C889-5B49-A29A-6DE0E23F2C47}"/>
+              </a:ext>
+            </a:extLst>
+          </p:cNvPr>
+          <p:cNvSpPr>
+            <a:spLocks noGrp="1"/>
+          </p:cNvSpPr>
+          <p:nvPr>
+            <p:ph type="title"/>
+          </p:nvPr>
+        </p:nvSpPr>
+        <p:spPr/>
+        <p:txBody>
+          <a:bodyPr/>
+          <a:lstStyle/>
+          <a:p>
+            <a:r>
+              <a:rPr lang="en-US" dirty="0"/>
+              <a:t>What is GEO? </a:t>
+            </a:r>
+          </a:p>
+        </p:txBody>
+      </p:sp>
+      <p:sp>
+        <p:nvSpPr>
+          <p:cNvPr id="3" name="Content Placeholder 2">
+            <a:extLst>
+              <a:ext uri="{FF2B5EF4-FFF2-40B4-BE49-F238E27FC236}">
+                <a16:creationId xmlns:a16="http://schemas.microsoft.com/office/drawing/2014/main" id="{8C91DB86-BE99-6A45-B759-09828A7CBB44}"/>
+              </a:ext>
+            </a:extLst>
+          </p:cNvPr>
+          <p:cNvSpPr>
+            <a:spLocks noGrp="1"/>
+          </p:cNvSpPr>
+          <p:nvPr>
+            <p:ph idx="1"/>
+          </p:nvPr>
+        </p:nvSpPr>
+        <p:spPr/>
+        <p:txBody>
+          <a:bodyPr/>
+          <a:lstStyle/>
+          <a:p>
+            <a:r>
+              <a:rPr lang="en-US" dirty="0"/>
+              <a:t>GEO (Gene Expression Omnibus) is an international public repository that archives and freely distributes microarray, next-generation sequencing, and other forms of high-throughput functional genomics data submitted by the research community</a:t>
+            </a:r>
+          </a:p>
+          <a:p>
+            <a:r>
+              <a:rPr lang="en-US" dirty="0"/>
+              <a:t>User-friendly </a:t>
+            </a:r>
+          </a:p>
+          <a:p>
+            <a:r>
+              <a:rPr lang="en-US" dirty="0"/>
+              <a:t>100’s of organisms and thousands of different expression analysis platforms </a:t>
+            </a:r>
+          </a:p>
+        </p:txBody>
+      </p:sp>
+    </p:spTree>
+    <p:extLst>
+      <p:ext uri="{BB962C8B-B14F-4D97-AF65-F5344CB8AC3E}">
+        <p14:creationId xmlns:p14="http://schemas.microsoft.com/office/powerpoint/2010/main" val="780367962"/>
+      </p:ext>
+    </p:extLst>
+  </p:cSld>
+  <p:clrMapOvr>
+    <a:masterClrMapping/>
+  </p:clrMapOvr>
+</p:sld>
+</file>
+
+<file path=ppt/slides/slide20.xml><?xml version="1.0" encoding="utf-8"?>
 <p:sld xmlns:a="http://schemas.openxmlformats.org/drawingml/2006/main" xmlns:r="http://schemas.openxmlformats.org/officeDocument/2006/relationships" xmlns:p="http://schemas.openxmlformats.org/presentationml/2006/main">
   <p:cSld>
     <p:spTree>
@@ -24820,7 +23909,7 @@
 </p:sld>
 </file>
 
-<file path=ppt/slides/slide7.xml><?xml version="1.0" encoding="utf-8"?>
+<file path=ppt/slides/slide21.xml><?xml version="1.0" encoding="utf-8"?>
 <p:sld xmlns:a="http://schemas.openxmlformats.org/drawingml/2006/main" xmlns:r="http://schemas.openxmlformats.org/officeDocument/2006/relationships" xmlns:p="http://schemas.openxmlformats.org/presentationml/2006/main">
   <p:cSld>
     <p:spTree>
@@ -24884,7 +23973,7 @@
         <p:spPr/>
         <p:txBody>
           <a:bodyPr>
-            <a:normAutofit fontScale="92500" lnSpcReduction="10000"/>
+            <a:normAutofit/>
           </a:bodyPr>
           <a:lstStyle/>
           <a:p>
@@ -24988,7 +24077,7 @@
 </p:sld>
 </file>
 
-<file path=ppt/slides/slide8.xml><?xml version="1.0" encoding="utf-8"?>
+<file path=ppt/slides/slide22.xml><?xml version="1.0" encoding="utf-8"?>
 <p:sld xmlns:a="http://schemas.openxmlformats.org/drawingml/2006/main" xmlns:r="http://schemas.openxmlformats.org/officeDocument/2006/relationships" xmlns:p="http://schemas.openxmlformats.org/presentationml/2006/main">
   <p:cSld>
     <p:spTree>
@@ -25076,7 +24165,7 @@
 </p:sld>
 </file>
 
-<file path=ppt/slides/slide9.xml><?xml version="1.0" encoding="utf-8"?>
+<file path=ppt/slides/slide23.xml><?xml version="1.0" encoding="utf-8"?>
 <p:sld xmlns:a="http://schemas.openxmlformats.org/drawingml/2006/main" xmlns:r="http://schemas.openxmlformats.org/officeDocument/2006/relationships" xmlns:p="http://schemas.openxmlformats.org/presentationml/2006/main">
   <p:cSld>
     <p:spTree>
@@ -25202,10 +24291,3103 @@
 </p:sld>
 </file>
 
+<file path=ppt/slides/slide24.xml><?xml version="1.0" encoding="utf-8"?>
+<p:sld xmlns:a="http://schemas.openxmlformats.org/drawingml/2006/main" xmlns:r="http://schemas.openxmlformats.org/officeDocument/2006/relationships" xmlns:p="http://schemas.openxmlformats.org/presentationml/2006/main">
+  <p:cSld>
+    <p:spTree>
+      <p:nvGrpSpPr>
+        <p:cNvPr id="1" name=""/>
+        <p:cNvGrpSpPr/>
+        <p:nvPr/>
+      </p:nvGrpSpPr>
+      <p:grpSpPr>
+        <a:xfrm>
+          <a:off x="0" y="0"/>
+          <a:ext cx="0" cy="0"/>
+          <a:chOff x="0" y="0"/>
+          <a:chExt cx="0" cy="0"/>
+        </a:xfrm>
+      </p:grpSpPr>
+      <p:sp>
+        <p:nvSpPr>
+          <p:cNvPr id="2" name="object 2"/>
+          <p:cNvSpPr txBox="1">
+            <a:spLocks noGrp="1"/>
+          </p:cNvSpPr>
+          <p:nvPr>
+            <p:ph type="title"/>
+          </p:nvPr>
+        </p:nvSpPr>
+        <p:spPr>
+          <a:xfrm>
+            <a:off x="311085" y="2572003"/>
+            <a:ext cx="7191285" cy="939800"/>
+          </a:xfrm>
+          <a:prstGeom prst="rect">
+            <a:avLst/>
+          </a:prstGeom>
+        </p:spPr>
+        <p:txBody>
+          <a:bodyPr vert="horz" wrap="square" lIns="0" tIns="12700" rIns="0" bIns="0" rtlCol="0">
+            <a:spAutoFit/>
+          </a:bodyPr>
+          <a:lstStyle/>
+          <a:p>
+            <a:pPr marL="12700">
+              <a:lnSpc>
+                <a:spcPct val="100000"/>
+              </a:lnSpc>
+              <a:spcBef>
+                <a:spcPts val="100"/>
+              </a:spcBef>
+            </a:pPr>
+            <a:r>
+              <a:rPr sz="6000" spc="-45" dirty="0"/>
+              <a:t>Running</a:t>
+            </a:r>
+            <a:r>
+              <a:rPr sz="6000" spc="-30" dirty="0"/>
+              <a:t> </a:t>
+            </a:r>
+            <a:r>
+              <a:rPr sz="6000" spc="-60" dirty="0"/>
+              <a:t>batch</a:t>
+            </a:r>
+            <a:r>
+              <a:rPr sz="6000" spc="-35" dirty="0"/>
+              <a:t> </a:t>
+            </a:r>
+            <a:r>
+              <a:rPr sz="6000" spc="-50" dirty="0"/>
+              <a:t>jobs</a:t>
+            </a:r>
+            <a:endParaRPr sz="6000" dirty="0"/>
+          </a:p>
+        </p:txBody>
+      </p:sp>
+    </p:spTree>
+    <p:extLst>
+      <p:ext uri="{BB962C8B-B14F-4D97-AF65-F5344CB8AC3E}">
+        <p14:creationId xmlns:p14="http://schemas.microsoft.com/office/powerpoint/2010/main" val="1134120503"/>
+      </p:ext>
+    </p:extLst>
+  </p:cSld>
+  <p:clrMapOvr>
+    <a:masterClrMapping/>
+  </p:clrMapOvr>
+</p:sld>
+</file>
+
+<file path=ppt/slides/slide25.xml><?xml version="1.0" encoding="utf-8"?>
+<p:sld xmlns:a="http://schemas.openxmlformats.org/drawingml/2006/main" xmlns:r="http://schemas.openxmlformats.org/officeDocument/2006/relationships" xmlns:p="http://schemas.openxmlformats.org/presentationml/2006/main">
+  <p:cSld>
+    <p:spTree>
+      <p:nvGrpSpPr>
+        <p:cNvPr id="1" name=""/>
+        <p:cNvGrpSpPr/>
+        <p:nvPr/>
+      </p:nvGrpSpPr>
+      <p:grpSpPr>
+        <a:xfrm>
+          <a:off x="0" y="0"/>
+          <a:ext cx="0" cy="0"/>
+          <a:chOff x="0" y="0"/>
+          <a:chExt cx="0" cy="0"/>
+        </a:xfrm>
+      </p:grpSpPr>
+      <p:sp>
+        <p:nvSpPr>
+          <p:cNvPr id="4" name="Title 3">
+            <a:extLst>
+              <a:ext uri="{FF2B5EF4-FFF2-40B4-BE49-F238E27FC236}">
+                <a16:creationId xmlns:a16="http://schemas.microsoft.com/office/drawing/2014/main" id="{92EB00D5-98D3-A545-9257-7F5477D17C0C}"/>
+              </a:ext>
+            </a:extLst>
+          </p:cNvPr>
+          <p:cNvSpPr>
+            <a:spLocks noGrp="1"/>
+          </p:cNvSpPr>
+          <p:nvPr>
+            <p:ph type="title"/>
+          </p:nvPr>
+        </p:nvSpPr>
+        <p:spPr/>
+        <p:txBody>
+          <a:bodyPr/>
+          <a:lstStyle/>
+          <a:p>
+            <a:r>
+              <a:rPr lang="en-US" dirty="0"/>
+              <a:t>Important to know about VACC</a:t>
+            </a:r>
+          </a:p>
+        </p:txBody>
+      </p:sp>
+      <p:sp>
+        <p:nvSpPr>
+          <p:cNvPr id="5" name="Content Placeholder 4">
+            <a:extLst>
+              <a:ext uri="{FF2B5EF4-FFF2-40B4-BE49-F238E27FC236}">
+                <a16:creationId xmlns:a16="http://schemas.microsoft.com/office/drawing/2014/main" id="{925C0FDE-A646-1341-9689-825A297AE66F}"/>
+              </a:ext>
+            </a:extLst>
+          </p:cNvPr>
+          <p:cNvSpPr>
+            <a:spLocks noGrp="1"/>
+          </p:cNvSpPr>
+          <p:nvPr>
+            <p:ph idx="1"/>
+          </p:nvPr>
+        </p:nvSpPr>
+        <p:spPr>
+          <a:xfrm>
+            <a:off x="628650" y="1601187"/>
+            <a:ext cx="7886700" cy="4351338"/>
+          </a:xfrm>
+        </p:spPr>
+        <p:txBody>
+          <a:bodyPr>
+            <a:normAutofit/>
+          </a:bodyPr>
+          <a:lstStyle/>
+          <a:p>
+            <a:r>
+              <a:rPr lang="en-US" dirty="0"/>
+              <a:t>Once you feel confident about programs being installed and/or your scripts, you may want to ‘submit a job’ </a:t>
+            </a:r>
+          </a:p>
+          <a:p>
+            <a:r>
+              <a:rPr lang="en-US" dirty="0"/>
+              <a:t>For example, it may be annoying to do this one by one:  </a:t>
+            </a:r>
+          </a:p>
+          <a:p>
+            <a:pPr marL="0" indent="0">
+              <a:buNone/>
+            </a:pPr>
+            <a:r>
+              <a:rPr lang="en-US" sz="2200" dirty="0" err="1">
+                <a:solidFill>
+                  <a:schemeClr val="accent6">
+                    <a:lumMod val="75000"/>
+                  </a:schemeClr>
+                </a:solidFill>
+              </a:rPr>
+              <a:t>htseq</a:t>
+            </a:r>
+            <a:r>
+              <a:rPr lang="en-US" sz="2200" dirty="0">
+                <a:solidFill>
+                  <a:schemeClr val="accent6">
+                    <a:lumMod val="75000"/>
+                  </a:schemeClr>
+                </a:solidFill>
+              </a:rPr>
+              <a:t>-count -f bam -s yes -</a:t>
+            </a:r>
+            <a:r>
+              <a:rPr lang="en-US" sz="2200" dirty="0" err="1">
+                <a:solidFill>
+                  <a:schemeClr val="accent6">
+                    <a:lumMod val="75000"/>
+                  </a:schemeClr>
+                </a:solidFill>
+              </a:rPr>
+              <a:t>i</a:t>
+            </a:r>
+            <a:r>
+              <a:rPr lang="en-US" sz="2200" dirty="0">
+                <a:solidFill>
+                  <a:schemeClr val="accent6">
+                    <a:lumMod val="75000"/>
+                  </a:schemeClr>
+                </a:solidFill>
+              </a:rPr>
+              <a:t> </a:t>
+            </a:r>
+            <a:r>
+              <a:rPr lang="en-US" sz="2200" dirty="0" err="1">
+                <a:solidFill>
+                  <a:schemeClr val="accent6">
+                    <a:lumMod val="75000"/>
+                  </a:schemeClr>
+                </a:solidFill>
+              </a:rPr>
+              <a:t>gene_name</a:t>
+            </a:r>
+            <a:r>
+              <a:rPr lang="en-US" sz="2200" dirty="0">
+                <a:solidFill>
+                  <a:schemeClr val="accent6">
+                    <a:lumMod val="75000"/>
+                  </a:schemeClr>
+                </a:solidFill>
+              </a:rPr>
+              <a:t> -m union sample1.bam </a:t>
+            </a:r>
+            <a:r>
+              <a:rPr lang="en-US" sz="2200" dirty="0" err="1">
+                <a:solidFill>
+                  <a:schemeClr val="accent6">
+                    <a:lumMod val="75000"/>
+                  </a:schemeClr>
+                </a:solidFill>
+              </a:rPr>
+              <a:t>annotation.gtf</a:t>
+            </a:r>
+            <a:r>
+              <a:rPr lang="en-US" sz="2200" dirty="0">
+                <a:solidFill>
+                  <a:schemeClr val="accent6">
+                    <a:lumMod val="75000"/>
+                  </a:schemeClr>
+                </a:solidFill>
+              </a:rPr>
+              <a:t> &gt; sample1.count.txt </a:t>
+            </a:r>
+          </a:p>
+          <a:p>
+            <a:pPr marL="0" indent="0">
+              <a:buNone/>
+            </a:pPr>
+            <a:r>
+              <a:rPr lang="en-US" sz="2200" dirty="0" err="1">
+                <a:solidFill>
+                  <a:srgbClr val="C00000"/>
+                </a:solidFill>
+              </a:rPr>
+              <a:t>htseq</a:t>
+            </a:r>
+            <a:r>
+              <a:rPr lang="en-US" sz="2200" dirty="0">
+                <a:solidFill>
+                  <a:srgbClr val="C00000"/>
+                </a:solidFill>
+              </a:rPr>
+              <a:t>-count -f bam -s yes -</a:t>
+            </a:r>
+            <a:r>
+              <a:rPr lang="en-US" sz="2200" dirty="0" err="1">
+                <a:solidFill>
+                  <a:srgbClr val="C00000"/>
+                </a:solidFill>
+              </a:rPr>
+              <a:t>i</a:t>
+            </a:r>
+            <a:r>
+              <a:rPr lang="en-US" sz="2200" dirty="0">
+                <a:solidFill>
+                  <a:srgbClr val="C00000"/>
+                </a:solidFill>
+              </a:rPr>
+              <a:t> </a:t>
+            </a:r>
+            <a:r>
+              <a:rPr lang="en-US" sz="2200" dirty="0" err="1">
+                <a:solidFill>
+                  <a:srgbClr val="C00000"/>
+                </a:solidFill>
+              </a:rPr>
+              <a:t>gene_name</a:t>
+            </a:r>
+            <a:r>
+              <a:rPr lang="en-US" sz="2200" dirty="0">
+                <a:solidFill>
+                  <a:srgbClr val="C00000"/>
+                </a:solidFill>
+              </a:rPr>
+              <a:t> -m union sample2.bam </a:t>
+            </a:r>
+            <a:r>
+              <a:rPr lang="en-US" sz="2200" dirty="0" err="1">
+                <a:solidFill>
+                  <a:srgbClr val="C00000"/>
+                </a:solidFill>
+              </a:rPr>
+              <a:t>annotation.gtf</a:t>
+            </a:r>
+            <a:r>
+              <a:rPr lang="en-US" sz="2200" dirty="0">
+                <a:solidFill>
+                  <a:srgbClr val="C00000"/>
+                </a:solidFill>
+              </a:rPr>
+              <a:t> &gt; sample2.count.txt </a:t>
+            </a:r>
+          </a:p>
+          <a:p>
+            <a:r>
+              <a:rPr lang="en-US" dirty="0"/>
+              <a:t>Also, some programs take very long to run! </a:t>
+            </a:r>
+          </a:p>
+        </p:txBody>
+      </p:sp>
+    </p:spTree>
+    <p:extLst>
+      <p:ext uri="{BB962C8B-B14F-4D97-AF65-F5344CB8AC3E}">
+        <p14:creationId xmlns:p14="http://schemas.microsoft.com/office/powerpoint/2010/main" val="228649718"/>
+      </p:ext>
+    </p:extLst>
+  </p:cSld>
+  <p:clrMapOvr>
+    <a:masterClrMapping/>
+  </p:clrMapOvr>
+</p:sld>
+</file>
+
+<file path=ppt/slides/slide26.xml><?xml version="1.0" encoding="utf-8"?>
+<p:sld xmlns:a="http://schemas.openxmlformats.org/drawingml/2006/main" xmlns:r="http://schemas.openxmlformats.org/officeDocument/2006/relationships" xmlns:p="http://schemas.openxmlformats.org/presentationml/2006/main">
+  <p:cSld>
+    <p:spTree>
+      <p:nvGrpSpPr>
+        <p:cNvPr id="1" name=""/>
+        <p:cNvGrpSpPr/>
+        <p:nvPr/>
+      </p:nvGrpSpPr>
+      <p:grpSpPr>
+        <a:xfrm>
+          <a:off x="0" y="0"/>
+          <a:ext cx="0" cy="0"/>
+          <a:chOff x="0" y="0"/>
+          <a:chExt cx="0" cy="0"/>
+        </a:xfrm>
+      </p:grpSpPr>
+      <p:sp>
+        <p:nvSpPr>
+          <p:cNvPr id="3" name="TextBox 2">
+            <a:extLst>
+              <a:ext uri="{FF2B5EF4-FFF2-40B4-BE49-F238E27FC236}">
+                <a16:creationId xmlns:a16="http://schemas.microsoft.com/office/drawing/2014/main" id="{4B17CB9E-5070-6D43-B6A9-BF74C06C6574}"/>
+              </a:ext>
+            </a:extLst>
+          </p:cNvPr>
+          <p:cNvSpPr txBox="1"/>
+          <p:nvPr/>
+        </p:nvSpPr>
+        <p:spPr>
+          <a:xfrm>
+            <a:off x="628650" y="2179305"/>
+            <a:ext cx="6858000" cy="3785652"/>
+          </a:xfrm>
+          <a:prstGeom prst="rect">
+            <a:avLst/>
+          </a:prstGeom>
+          <a:noFill/>
+        </p:spPr>
+        <p:txBody>
+          <a:bodyPr wrap="square">
+            <a:spAutoFit/>
+          </a:bodyPr>
+          <a:lstStyle/>
+          <a:p>
+            <a:r>
+              <a:rPr lang="en-US" sz="2400" dirty="0"/>
+              <a:t>#!/bin/bash</a:t>
+            </a:r>
+          </a:p>
+          <a:p>
+            <a:r>
+              <a:rPr lang="en-US" sz="2400" dirty="0"/>
+              <a:t>#SBATCH --partition=</a:t>
+            </a:r>
+            <a:r>
+              <a:rPr lang="en-US" sz="2400" dirty="0" err="1"/>
+              <a:t>bluemoon</a:t>
+            </a:r>
+            <a:endParaRPr lang="en-US" sz="2400" dirty="0"/>
+          </a:p>
+          <a:p>
+            <a:r>
+              <a:rPr lang="en-US" sz="2400" dirty="0"/>
+              <a:t>#SBATCH --nodes=1</a:t>
+            </a:r>
+          </a:p>
+          <a:p>
+            <a:r>
+              <a:rPr lang="en-US" sz="2400" dirty="0"/>
+              <a:t>#SBATCH --</a:t>
+            </a:r>
+            <a:r>
+              <a:rPr lang="en-US" sz="2400" dirty="0" err="1"/>
+              <a:t>ntasks</a:t>
+            </a:r>
+            <a:r>
+              <a:rPr lang="en-US" sz="2400" dirty="0"/>
+              <a:t>=4</a:t>
+            </a:r>
+          </a:p>
+          <a:p>
+            <a:r>
+              <a:rPr lang="en-US" sz="2400" dirty="0"/>
+              <a:t>#SBATCH --mem=50G</a:t>
+            </a:r>
+          </a:p>
+          <a:p>
+            <a:r>
+              <a:rPr lang="en-US" sz="2400" dirty="0"/>
+              <a:t>#SBATCH --time=30:00:00</a:t>
+            </a:r>
+          </a:p>
+          <a:p>
+            <a:r>
+              <a:rPr lang="en-US" sz="2400" dirty="0"/>
+              <a:t>#SBATCH --job-name=</a:t>
+            </a:r>
+            <a:r>
+              <a:rPr lang="en-US" sz="2400" dirty="0" err="1"/>
+              <a:t>RNAseq</a:t>
+            </a:r>
+            <a:endParaRPr lang="en-US" sz="2400" dirty="0"/>
+          </a:p>
+          <a:p>
+            <a:r>
+              <a:rPr lang="en-US" sz="2400" dirty="0"/>
+              <a:t># %x=job-name %j=</a:t>
+            </a:r>
+            <a:r>
+              <a:rPr lang="en-US" sz="2400" dirty="0" err="1"/>
+              <a:t>jobid</a:t>
+            </a:r>
+            <a:endParaRPr lang="en-US" sz="2400" dirty="0"/>
+          </a:p>
+          <a:p>
+            <a:r>
+              <a:rPr lang="en-US" sz="2400" dirty="0"/>
+              <a:t>#SBATCH --output=%x_%</a:t>
+            </a:r>
+            <a:r>
+              <a:rPr lang="en-US" sz="2400" dirty="0" err="1"/>
+              <a:t>j.out</a:t>
+            </a:r>
+            <a:endParaRPr lang="en-US" sz="2400" dirty="0"/>
+          </a:p>
+          <a:p>
+            <a:endParaRPr lang="en-US" sz="2400" dirty="0"/>
+          </a:p>
+        </p:txBody>
+      </p:sp>
+      <p:sp>
+        <p:nvSpPr>
+          <p:cNvPr id="4" name="Title 3">
+            <a:extLst>
+              <a:ext uri="{FF2B5EF4-FFF2-40B4-BE49-F238E27FC236}">
+                <a16:creationId xmlns:a16="http://schemas.microsoft.com/office/drawing/2014/main" id="{92EB00D5-98D3-A545-9257-7F5477D17C0C}"/>
+              </a:ext>
+            </a:extLst>
+          </p:cNvPr>
+          <p:cNvSpPr>
+            <a:spLocks noGrp="1"/>
+          </p:cNvSpPr>
+          <p:nvPr>
+            <p:ph type="title"/>
+          </p:nvPr>
+        </p:nvSpPr>
+        <p:spPr/>
+        <p:txBody>
+          <a:bodyPr>
+            <a:normAutofit/>
+          </a:bodyPr>
+          <a:lstStyle/>
+          <a:p>
+            <a:r>
+              <a:rPr lang="en-US" dirty="0"/>
+              <a:t>In order to </a:t>
+            </a:r>
+            <a:r>
+              <a:rPr lang="en-US" u="sng" dirty="0"/>
+              <a:t>submit a job</a:t>
+            </a:r>
+            <a:r>
+              <a:rPr lang="en-US" dirty="0"/>
+              <a:t>, need to use the job scheduler </a:t>
+            </a:r>
+            <a:r>
+              <a:rPr lang="en-US" dirty="0" err="1"/>
+              <a:t>Slurm</a:t>
+            </a:r>
+            <a:endParaRPr lang="en-US" dirty="0"/>
+          </a:p>
+        </p:txBody>
+      </p:sp>
+      <p:sp>
+        <p:nvSpPr>
+          <p:cNvPr id="2" name="TextBox 1">
+            <a:extLst>
+              <a:ext uri="{FF2B5EF4-FFF2-40B4-BE49-F238E27FC236}">
+                <a16:creationId xmlns:a16="http://schemas.microsoft.com/office/drawing/2014/main" id="{71A08821-8308-1F45-89E7-2699E7F67CD2}"/>
+              </a:ext>
+            </a:extLst>
+          </p:cNvPr>
+          <p:cNvSpPr txBox="1"/>
+          <p:nvPr/>
+        </p:nvSpPr>
+        <p:spPr>
+          <a:xfrm>
+            <a:off x="628650" y="1750331"/>
+            <a:ext cx="3544560" cy="369332"/>
+          </a:xfrm>
+          <a:prstGeom prst="rect">
+            <a:avLst/>
+          </a:prstGeom>
+          <a:noFill/>
+        </p:spPr>
+        <p:txBody>
+          <a:bodyPr wrap="none" rtlCol="0">
+            <a:spAutoFit/>
+          </a:bodyPr>
+          <a:lstStyle/>
+          <a:p>
+            <a:r>
+              <a:rPr lang="en-US" b="1" i="1" dirty="0"/>
+              <a:t>Some common </a:t>
+            </a:r>
+            <a:r>
+              <a:rPr lang="en-US" b="1" i="1" dirty="0" err="1"/>
+              <a:t>slurm</a:t>
+            </a:r>
+            <a:r>
+              <a:rPr lang="en-US" b="1" i="1" dirty="0"/>
+              <a:t> directive</a:t>
+            </a:r>
+          </a:p>
+        </p:txBody>
+      </p:sp>
+    </p:spTree>
+    <p:extLst>
+      <p:ext uri="{BB962C8B-B14F-4D97-AF65-F5344CB8AC3E}">
+        <p14:creationId xmlns:p14="http://schemas.microsoft.com/office/powerpoint/2010/main" val="2711550414"/>
+      </p:ext>
+    </p:extLst>
+  </p:cSld>
+  <p:clrMapOvr>
+    <a:masterClrMapping/>
+  </p:clrMapOvr>
+</p:sld>
+</file>
+
+<file path=ppt/slides/slide27.xml><?xml version="1.0" encoding="utf-8"?>
+<p:sld xmlns:a="http://schemas.openxmlformats.org/drawingml/2006/main" xmlns:r="http://schemas.openxmlformats.org/officeDocument/2006/relationships" xmlns:p="http://schemas.openxmlformats.org/presentationml/2006/main">
+  <p:cSld>
+    <p:spTree>
+      <p:nvGrpSpPr>
+        <p:cNvPr id="1" name=""/>
+        <p:cNvGrpSpPr/>
+        <p:nvPr/>
+      </p:nvGrpSpPr>
+      <p:grpSpPr>
+        <a:xfrm>
+          <a:off x="0" y="0"/>
+          <a:ext cx="0" cy="0"/>
+          <a:chOff x="0" y="0"/>
+          <a:chExt cx="0" cy="0"/>
+        </a:xfrm>
+      </p:grpSpPr>
+      <p:sp>
+        <p:nvSpPr>
+          <p:cNvPr id="3" name="TextBox 2">
+            <a:extLst>
+              <a:ext uri="{FF2B5EF4-FFF2-40B4-BE49-F238E27FC236}">
+                <a16:creationId xmlns:a16="http://schemas.microsoft.com/office/drawing/2014/main" id="{4B17CB9E-5070-6D43-B6A9-BF74C06C6574}"/>
+              </a:ext>
+            </a:extLst>
+          </p:cNvPr>
+          <p:cNvSpPr txBox="1"/>
+          <p:nvPr/>
+        </p:nvSpPr>
+        <p:spPr>
+          <a:xfrm>
+            <a:off x="628650" y="2179305"/>
+            <a:ext cx="6858000" cy="3785652"/>
+          </a:xfrm>
+          <a:prstGeom prst="rect">
+            <a:avLst/>
+          </a:prstGeom>
+          <a:noFill/>
+        </p:spPr>
+        <p:txBody>
+          <a:bodyPr wrap="square">
+            <a:spAutoFit/>
+          </a:bodyPr>
+          <a:lstStyle/>
+          <a:p>
+            <a:r>
+              <a:rPr lang="en-US" sz="2400" dirty="0"/>
+              <a:t>#!/bin/bash</a:t>
+            </a:r>
+          </a:p>
+          <a:p>
+            <a:r>
+              <a:rPr lang="en-US" sz="2400" dirty="0"/>
+              <a:t>#SBATCH --partition=</a:t>
+            </a:r>
+            <a:r>
+              <a:rPr lang="en-US" sz="2400" dirty="0" err="1"/>
+              <a:t>bluemoon</a:t>
+            </a:r>
+            <a:endParaRPr lang="en-US" sz="2400" dirty="0"/>
+          </a:p>
+          <a:p>
+            <a:r>
+              <a:rPr lang="en-US" sz="2400" dirty="0"/>
+              <a:t>#SBATCH --nodes=1</a:t>
+            </a:r>
+          </a:p>
+          <a:p>
+            <a:r>
+              <a:rPr lang="en-US" sz="2400" dirty="0"/>
+              <a:t>#SBATCH --</a:t>
+            </a:r>
+            <a:r>
+              <a:rPr lang="en-US" sz="2400" dirty="0" err="1"/>
+              <a:t>ntasks</a:t>
+            </a:r>
+            <a:r>
+              <a:rPr lang="en-US" sz="2400" dirty="0"/>
+              <a:t>=4</a:t>
+            </a:r>
+          </a:p>
+          <a:p>
+            <a:r>
+              <a:rPr lang="en-US" sz="2400" dirty="0"/>
+              <a:t>#SBATCH --mem=50G</a:t>
+            </a:r>
+          </a:p>
+          <a:p>
+            <a:r>
+              <a:rPr lang="en-US" sz="2400" dirty="0"/>
+              <a:t>#SBATCH --time=30:00:00</a:t>
+            </a:r>
+          </a:p>
+          <a:p>
+            <a:r>
+              <a:rPr lang="en-US" sz="2400" dirty="0"/>
+              <a:t>#SBATCH --job-name=</a:t>
+            </a:r>
+            <a:r>
+              <a:rPr lang="en-US" sz="2400" dirty="0" err="1"/>
+              <a:t>RNAseq</a:t>
+            </a:r>
+            <a:endParaRPr lang="en-US" sz="2400" dirty="0"/>
+          </a:p>
+          <a:p>
+            <a:r>
+              <a:rPr lang="en-US" sz="2400" dirty="0"/>
+              <a:t># %x=job-name %j=</a:t>
+            </a:r>
+            <a:r>
+              <a:rPr lang="en-US" sz="2400" dirty="0" err="1"/>
+              <a:t>jobid</a:t>
+            </a:r>
+            <a:endParaRPr lang="en-US" sz="2400" dirty="0"/>
+          </a:p>
+          <a:p>
+            <a:r>
+              <a:rPr lang="en-US" sz="2400" dirty="0"/>
+              <a:t>#SBATCH --output=%x_%</a:t>
+            </a:r>
+            <a:r>
+              <a:rPr lang="en-US" sz="2400" dirty="0" err="1"/>
+              <a:t>j.out</a:t>
+            </a:r>
+            <a:endParaRPr lang="en-US" sz="2400" dirty="0"/>
+          </a:p>
+          <a:p>
+            <a:endParaRPr lang="en-US" sz="2400" dirty="0"/>
+          </a:p>
+        </p:txBody>
+      </p:sp>
+      <p:sp>
+        <p:nvSpPr>
+          <p:cNvPr id="4" name="Title 3">
+            <a:extLst>
+              <a:ext uri="{FF2B5EF4-FFF2-40B4-BE49-F238E27FC236}">
+                <a16:creationId xmlns:a16="http://schemas.microsoft.com/office/drawing/2014/main" id="{92EB00D5-98D3-A545-9257-7F5477D17C0C}"/>
+              </a:ext>
+            </a:extLst>
+          </p:cNvPr>
+          <p:cNvSpPr>
+            <a:spLocks noGrp="1"/>
+          </p:cNvSpPr>
+          <p:nvPr>
+            <p:ph type="title"/>
+          </p:nvPr>
+        </p:nvSpPr>
+        <p:spPr/>
+        <p:txBody>
+          <a:bodyPr>
+            <a:normAutofit/>
+          </a:bodyPr>
+          <a:lstStyle/>
+          <a:p>
+            <a:r>
+              <a:rPr lang="en-US" dirty="0"/>
+              <a:t>In order to </a:t>
+            </a:r>
+            <a:r>
+              <a:rPr lang="en-US" u="sng" dirty="0"/>
+              <a:t>submit a job</a:t>
+            </a:r>
+            <a:r>
+              <a:rPr lang="en-US" dirty="0"/>
+              <a:t>, need to use the job scheduler </a:t>
+            </a:r>
+            <a:r>
+              <a:rPr lang="en-US" dirty="0" err="1"/>
+              <a:t>Slurm</a:t>
+            </a:r>
+            <a:endParaRPr lang="en-US" dirty="0"/>
+          </a:p>
+        </p:txBody>
+      </p:sp>
+      <p:sp>
+        <p:nvSpPr>
+          <p:cNvPr id="2" name="TextBox 1">
+            <a:extLst>
+              <a:ext uri="{FF2B5EF4-FFF2-40B4-BE49-F238E27FC236}">
+                <a16:creationId xmlns:a16="http://schemas.microsoft.com/office/drawing/2014/main" id="{71A08821-8308-1F45-89E7-2699E7F67CD2}"/>
+              </a:ext>
+            </a:extLst>
+          </p:cNvPr>
+          <p:cNvSpPr txBox="1"/>
+          <p:nvPr/>
+        </p:nvSpPr>
+        <p:spPr>
+          <a:xfrm>
+            <a:off x="628650" y="1750331"/>
+            <a:ext cx="3544560" cy="369332"/>
+          </a:xfrm>
+          <a:prstGeom prst="rect">
+            <a:avLst/>
+          </a:prstGeom>
+          <a:noFill/>
+        </p:spPr>
+        <p:txBody>
+          <a:bodyPr wrap="none" rtlCol="0">
+            <a:spAutoFit/>
+          </a:bodyPr>
+          <a:lstStyle/>
+          <a:p>
+            <a:r>
+              <a:rPr lang="en-US" b="1" i="1" dirty="0"/>
+              <a:t>Some common </a:t>
+            </a:r>
+            <a:r>
+              <a:rPr lang="en-US" b="1" i="1" dirty="0" err="1"/>
+              <a:t>slurm</a:t>
+            </a:r>
+            <a:r>
+              <a:rPr lang="en-US" b="1" i="1" dirty="0"/>
+              <a:t> directive</a:t>
+            </a:r>
+          </a:p>
+        </p:txBody>
+      </p:sp>
+      <p:sp>
+        <p:nvSpPr>
+          <p:cNvPr id="5" name="TextBox 4">
+            <a:extLst>
+              <a:ext uri="{FF2B5EF4-FFF2-40B4-BE49-F238E27FC236}">
+                <a16:creationId xmlns:a16="http://schemas.microsoft.com/office/drawing/2014/main" id="{B84414E8-965C-2145-9BED-78301787FE98}"/>
+              </a:ext>
+            </a:extLst>
+          </p:cNvPr>
+          <p:cNvSpPr txBox="1"/>
+          <p:nvPr/>
+        </p:nvSpPr>
+        <p:spPr>
+          <a:xfrm>
+            <a:off x="5948315" y="1934997"/>
+            <a:ext cx="2714920" cy="923330"/>
+          </a:xfrm>
+          <a:prstGeom prst="rect">
+            <a:avLst/>
+          </a:prstGeom>
+          <a:solidFill>
+            <a:schemeClr val="accent4">
+              <a:lumMod val="20000"/>
+              <a:lumOff val="80000"/>
+            </a:schemeClr>
+          </a:solidFill>
+          <a:ln>
+            <a:solidFill>
+              <a:schemeClr val="tx1"/>
+            </a:solidFill>
+          </a:ln>
+        </p:spPr>
+        <p:txBody>
+          <a:bodyPr wrap="square" rtlCol="0">
+            <a:spAutoFit/>
+          </a:bodyPr>
+          <a:lstStyle/>
+          <a:p>
+            <a:pPr algn="ctr"/>
+            <a:r>
+              <a:rPr lang="en-US" dirty="0"/>
+              <a:t>shebang = used to tell the </a:t>
+            </a:r>
+            <a:r>
+              <a:rPr lang="en-US" dirty="0" err="1"/>
+              <a:t>linux</a:t>
+            </a:r>
+            <a:r>
+              <a:rPr lang="en-US" dirty="0"/>
+              <a:t> OS which interpreter to use</a:t>
+            </a:r>
+          </a:p>
+        </p:txBody>
+      </p:sp>
+      <p:cxnSp>
+        <p:nvCxnSpPr>
+          <p:cNvPr id="7" name="Straight Arrow Connector 6">
+            <a:extLst>
+              <a:ext uri="{FF2B5EF4-FFF2-40B4-BE49-F238E27FC236}">
+                <a16:creationId xmlns:a16="http://schemas.microsoft.com/office/drawing/2014/main" id="{9BF05B00-CC4E-F548-B4B9-64B5C04798C7}"/>
+              </a:ext>
+            </a:extLst>
+          </p:cNvPr>
+          <p:cNvCxnSpPr/>
+          <p:nvPr/>
+        </p:nvCxnSpPr>
+        <p:spPr>
+          <a:xfrm flipH="1">
+            <a:off x="2309567" y="2403835"/>
+            <a:ext cx="3629320" cy="65988"/>
+          </a:xfrm>
+          <a:prstGeom prst="straightConnector1">
+            <a:avLst/>
+          </a:prstGeom>
+          <a:ln>
+            <a:solidFill>
+              <a:schemeClr val="tx1"/>
+            </a:solidFill>
+            <a:tailEnd type="triangle"/>
+          </a:ln>
+        </p:spPr>
+        <p:style>
+          <a:lnRef idx="1">
+            <a:schemeClr val="accent1"/>
+          </a:lnRef>
+          <a:fillRef idx="0">
+            <a:schemeClr val="accent1"/>
+          </a:fillRef>
+          <a:effectRef idx="0">
+            <a:schemeClr val="accent1"/>
+          </a:effectRef>
+          <a:fontRef idx="minor">
+            <a:schemeClr val="tx1"/>
+          </a:fontRef>
+        </p:style>
+      </p:cxnSp>
+    </p:spTree>
+    <p:extLst>
+      <p:ext uri="{BB962C8B-B14F-4D97-AF65-F5344CB8AC3E}">
+        <p14:creationId xmlns:p14="http://schemas.microsoft.com/office/powerpoint/2010/main" val="4068829919"/>
+      </p:ext>
+    </p:extLst>
+  </p:cSld>
+  <p:clrMapOvr>
+    <a:masterClrMapping/>
+  </p:clrMapOvr>
+</p:sld>
+</file>
+
+<file path=ppt/slides/slide28.xml><?xml version="1.0" encoding="utf-8"?>
+<p:sld xmlns:a="http://schemas.openxmlformats.org/drawingml/2006/main" xmlns:r="http://schemas.openxmlformats.org/officeDocument/2006/relationships" xmlns:p="http://schemas.openxmlformats.org/presentationml/2006/main">
+  <p:cSld>
+    <p:spTree>
+      <p:nvGrpSpPr>
+        <p:cNvPr id="1" name=""/>
+        <p:cNvGrpSpPr/>
+        <p:nvPr/>
+      </p:nvGrpSpPr>
+      <p:grpSpPr>
+        <a:xfrm>
+          <a:off x="0" y="0"/>
+          <a:ext cx="0" cy="0"/>
+          <a:chOff x="0" y="0"/>
+          <a:chExt cx="0" cy="0"/>
+        </a:xfrm>
+      </p:grpSpPr>
+      <p:sp>
+        <p:nvSpPr>
+          <p:cNvPr id="3" name="TextBox 2">
+            <a:extLst>
+              <a:ext uri="{FF2B5EF4-FFF2-40B4-BE49-F238E27FC236}">
+                <a16:creationId xmlns:a16="http://schemas.microsoft.com/office/drawing/2014/main" id="{4B17CB9E-5070-6D43-B6A9-BF74C06C6574}"/>
+              </a:ext>
+            </a:extLst>
+          </p:cNvPr>
+          <p:cNvSpPr txBox="1"/>
+          <p:nvPr/>
+        </p:nvSpPr>
+        <p:spPr>
+          <a:xfrm>
+            <a:off x="628650" y="2179305"/>
+            <a:ext cx="6858000" cy="3785652"/>
+          </a:xfrm>
+          <a:prstGeom prst="rect">
+            <a:avLst/>
+          </a:prstGeom>
+          <a:noFill/>
+        </p:spPr>
+        <p:txBody>
+          <a:bodyPr wrap="square">
+            <a:spAutoFit/>
+          </a:bodyPr>
+          <a:lstStyle/>
+          <a:p>
+            <a:r>
+              <a:rPr lang="en-US" sz="2400" dirty="0"/>
+              <a:t>#!/bin/bash</a:t>
+            </a:r>
+          </a:p>
+          <a:p>
+            <a:r>
+              <a:rPr lang="en-US" sz="2400" dirty="0"/>
+              <a:t>#SBATCH --partition=</a:t>
+            </a:r>
+            <a:r>
+              <a:rPr lang="en-US" sz="2400" dirty="0" err="1"/>
+              <a:t>bluemoon</a:t>
+            </a:r>
+            <a:endParaRPr lang="en-US" sz="2400" dirty="0"/>
+          </a:p>
+          <a:p>
+            <a:r>
+              <a:rPr lang="en-US" sz="2400" dirty="0"/>
+              <a:t>#SBATCH --nodes=1</a:t>
+            </a:r>
+          </a:p>
+          <a:p>
+            <a:r>
+              <a:rPr lang="en-US" sz="2400" dirty="0"/>
+              <a:t>#SBATCH --</a:t>
+            </a:r>
+            <a:r>
+              <a:rPr lang="en-US" sz="2400" dirty="0" err="1"/>
+              <a:t>ntasks</a:t>
+            </a:r>
+            <a:r>
+              <a:rPr lang="en-US" sz="2400" dirty="0"/>
+              <a:t>=4</a:t>
+            </a:r>
+          </a:p>
+          <a:p>
+            <a:r>
+              <a:rPr lang="en-US" sz="2400" dirty="0"/>
+              <a:t>#SBATCH --mem=50G</a:t>
+            </a:r>
+          </a:p>
+          <a:p>
+            <a:r>
+              <a:rPr lang="en-US" sz="2400" dirty="0"/>
+              <a:t>#SBATCH --time=30:00:00</a:t>
+            </a:r>
+          </a:p>
+          <a:p>
+            <a:r>
+              <a:rPr lang="en-US" sz="2400" dirty="0"/>
+              <a:t>#SBATCH --job-name=</a:t>
+            </a:r>
+            <a:r>
+              <a:rPr lang="en-US" sz="2400" dirty="0" err="1"/>
+              <a:t>RNAseq</a:t>
+            </a:r>
+            <a:endParaRPr lang="en-US" sz="2400" dirty="0"/>
+          </a:p>
+          <a:p>
+            <a:r>
+              <a:rPr lang="en-US" sz="2400" dirty="0"/>
+              <a:t># %x=job-name %j=</a:t>
+            </a:r>
+            <a:r>
+              <a:rPr lang="en-US" sz="2400" dirty="0" err="1"/>
+              <a:t>jobid</a:t>
+            </a:r>
+            <a:endParaRPr lang="en-US" sz="2400" dirty="0"/>
+          </a:p>
+          <a:p>
+            <a:r>
+              <a:rPr lang="en-US" sz="2400" dirty="0"/>
+              <a:t>#SBATCH --output=%x_%</a:t>
+            </a:r>
+            <a:r>
+              <a:rPr lang="en-US" sz="2400" dirty="0" err="1"/>
+              <a:t>j.out</a:t>
+            </a:r>
+            <a:endParaRPr lang="en-US" sz="2400" dirty="0"/>
+          </a:p>
+          <a:p>
+            <a:endParaRPr lang="en-US" sz="2400" dirty="0"/>
+          </a:p>
+        </p:txBody>
+      </p:sp>
+      <p:sp>
+        <p:nvSpPr>
+          <p:cNvPr id="4" name="Title 3">
+            <a:extLst>
+              <a:ext uri="{FF2B5EF4-FFF2-40B4-BE49-F238E27FC236}">
+                <a16:creationId xmlns:a16="http://schemas.microsoft.com/office/drawing/2014/main" id="{92EB00D5-98D3-A545-9257-7F5477D17C0C}"/>
+              </a:ext>
+            </a:extLst>
+          </p:cNvPr>
+          <p:cNvSpPr>
+            <a:spLocks noGrp="1"/>
+          </p:cNvSpPr>
+          <p:nvPr>
+            <p:ph type="title"/>
+          </p:nvPr>
+        </p:nvSpPr>
+        <p:spPr/>
+        <p:txBody>
+          <a:bodyPr>
+            <a:normAutofit/>
+          </a:bodyPr>
+          <a:lstStyle/>
+          <a:p>
+            <a:r>
+              <a:rPr lang="en-US" dirty="0"/>
+              <a:t>In order to </a:t>
+            </a:r>
+            <a:r>
+              <a:rPr lang="en-US" u="sng" dirty="0"/>
+              <a:t>submit a job</a:t>
+            </a:r>
+            <a:r>
+              <a:rPr lang="en-US" dirty="0"/>
+              <a:t>, need to use the job scheduler </a:t>
+            </a:r>
+            <a:r>
+              <a:rPr lang="en-US" dirty="0" err="1"/>
+              <a:t>Slurm</a:t>
+            </a:r>
+            <a:endParaRPr lang="en-US" dirty="0"/>
+          </a:p>
+        </p:txBody>
+      </p:sp>
+      <p:sp>
+        <p:nvSpPr>
+          <p:cNvPr id="2" name="TextBox 1">
+            <a:extLst>
+              <a:ext uri="{FF2B5EF4-FFF2-40B4-BE49-F238E27FC236}">
+                <a16:creationId xmlns:a16="http://schemas.microsoft.com/office/drawing/2014/main" id="{71A08821-8308-1F45-89E7-2699E7F67CD2}"/>
+              </a:ext>
+            </a:extLst>
+          </p:cNvPr>
+          <p:cNvSpPr txBox="1"/>
+          <p:nvPr/>
+        </p:nvSpPr>
+        <p:spPr>
+          <a:xfrm>
+            <a:off x="628650" y="1750331"/>
+            <a:ext cx="3544560" cy="369332"/>
+          </a:xfrm>
+          <a:prstGeom prst="rect">
+            <a:avLst/>
+          </a:prstGeom>
+          <a:noFill/>
+        </p:spPr>
+        <p:txBody>
+          <a:bodyPr wrap="none" rtlCol="0">
+            <a:spAutoFit/>
+          </a:bodyPr>
+          <a:lstStyle/>
+          <a:p>
+            <a:r>
+              <a:rPr lang="en-US" b="1" i="1" dirty="0"/>
+              <a:t>Some common </a:t>
+            </a:r>
+            <a:r>
+              <a:rPr lang="en-US" b="1" i="1" dirty="0" err="1"/>
+              <a:t>slurm</a:t>
+            </a:r>
+            <a:r>
+              <a:rPr lang="en-US" b="1" i="1" dirty="0"/>
+              <a:t> directive</a:t>
+            </a:r>
+          </a:p>
+        </p:txBody>
+      </p:sp>
+      <p:sp>
+        <p:nvSpPr>
+          <p:cNvPr id="5" name="TextBox 4">
+            <a:extLst>
+              <a:ext uri="{FF2B5EF4-FFF2-40B4-BE49-F238E27FC236}">
+                <a16:creationId xmlns:a16="http://schemas.microsoft.com/office/drawing/2014/main" id="{B84414E8-965C-2145-9BED-78301787FE98}"/>
+              </a:ext>
+            </a:extLst>
+          </p:cNvPr>
+          <p:cNvSpPr txBox="1"/>
+          <p:nvPr/>
+        </p:nvSpPr>
+        <p:spPr>
+          <a:xfrm>
+            <a:off x="5948315" y="1934997"/>
+            <a:ext cx="2714920" cy="2031325"/>
+          </a:xfrm>
+          <a:prstGeom prst="rect">
+            <a:avLst/>
+          </a:prstGeom>
+          <a:solidFill>
+            <a:schemeClr val="accent4">
+              <a:lumMod val="20000"/>
+              <a:lumOff val="80000"/>
+            </a:schemeClr>
+          </a:solidFill>
+          <a:ln>
+            <a:solidFill>
+              <a:schemeClr val="tx1"/>
+            </a:solidFill>
+          </a:ln>
+        </p:spPr>
+        <p:txBody>
+          <a:bodyPr wrap="square" rtlCol="0">
+            <a:spAutoFit/>
+          </a:bodyPr>
+          <a:lstStyle/>
+          <a:p>
+            <a:pPr algn="ctr"/>
+            <a:r>
+              <a:rPr lang="en-US" dirty="0"/>
+              <a:t>partition = default is </a:t>
+            </a:r>
+            <a:r>
+              <a:rPr lang="en-US" dirty="0" err="1"/>
+              <a:t>bluemoon</a:t>
+            </a:r>
+            <a:r>
+              <a:rPr lang="en-US" dirty="0"/>
+              <a:t> if not specified</a:t>
+            </a:r>
+          </a:p>
+          <a:p>
+            <a:pPr algn="ctr"/>
+            <a:r>
+              <a:rPr lang="en-US" dirty="0"/>
+              <a:t>Other partitions are available and this is important if you are running a “job” that will take longer than 3 days</a:t>
+            </a:r>
+          </a:p>
+        </p:txBody>
+      </p:sp>
+      <p:cxnSp>
+        <p:nvCxnSpPr>
+          <p:cNvPr id="7" name="Straight Arrow Connector 6">
+            <a:extLst>
+              <a:ext uri="{FF2B5EF4-FFF2-40B4-BE49-F238E27FC236}">
+                <a16:creationId xmlns:a16="http://schemas.microsoft.com/office/drawing/2014/main" id="{9BF05B00-CC4E-F548-B4B9-64B5C04798C7}"/>
+              </a:ext>
+            </a:extLst>
+          </p:cNvPr>
+          <p:cNvCxnSpPr>
+            <a:cxnSpLocks/>
+          </p:cNvCxnSpPr>
+          <p:nvPr/>
+        </p:nvCxnSpPr>
+        <p:spPr>
+          <a:xfrm flipH="1">
+            <a:off x="5071621" y="2403835"/>
+            <a:ext cx="867266" cy="358219"/>
+          </a:xfrm>
+          <a:prstGeom prst="straightConnector1">
+            <a:avLst/>
+          </a:prstGeom>
+          <a:ln>
+            <a:solidFill>
+              <a:schemeClr val="tx1"/>
+            </a:solidFill>
+            <a:tailEnd type="triangle"/>
+          </a:ln>
+        </p:spPr>
+        <p:style>
+          <a:lnRef idx="1">
+            <a:schemeClr val="accent1"/>
+          </a:lnRef>
+          <a:fillRef idx="0">
+            <a:schemeClr val="accent1"/>
+          </a:fillRef>
+          <a:effectRef idx="0">
+            <a:schemeClr val="accent1"/>
+          </a:effectRef>
+          <a:fontRef idx="minor">
+            <a:schemeClr val="tx1"/>
+          </a:fontRef>
+        </p:style>
+      </p:cxnSp>
+    </p:spTree>
+    <p:extLst>
+      <p:ext uri="{BB962C8B-B14F-4D97-AF65-F5344CB8AC3E}">
+        <p14:creationId xmlns:p14="http://schemas.microsoft.com/office/powerpoint/2010/main" val="3974154458"/>
+      </p:ext>
+    </p:extLst>
+  </p:cSld>
+  <p:clrMapOvr>
+    <a:masterClrMapping/>
+  </p:clrMapOvr>
+</p:sld>
+</file>
+
+<file path=ppt/slides/slide29.xml><?xml version="1.0" encoding="utf-8"?>
+<p:sld xmlns:a="http://schemas.openxmlformats.org/drawingml/2006/main" xmlns:r="http://schemas.openxmlformats.org/officeDocument/2006/relationships" xmlns:p="http://schemas.openxmlformats.org/presentationml/2006/main">
+  <p:cSld>
+    <p:spTree>
+      <p:nvGrpSpPr>
+        <p:cNvPr id="1" name=""/>
+        <p:cNvGrpSpPr/>
+        <p:nvPr/>
+      </p:nvGrpSpPr>
+      <p:grpSpPr>
+        <a:xfrm>
+          <a:off x="0" y="0"/>
+          <a:ext cx="0" cy="0"/>
+          <a:chOff x="0" y="0"/>
+          <a:chExt cx="0" cy="0"/>
+        </a:xfrm>
+      </p:grpSpPr>
+      <p:sp>
+        <p:nvSpPr>
+          <p:cNvPr id="3" name="TextBox 2">
+            <a:extLst>
+              <a:ext uri="{FF2B5EF4-FFF2-40B4-BE49-F238E27FC236}">
+                <a16:creationId xmlns:a16="http://schemas.microsoft.com/office/drawing/2014/main" id="{4B17CB9E-5070-6D43-B6A9-BF74C06C6574}"/>
+              </a:ext>
+            </a:extLst>
+          </p:cNvPr>
+          <p:cNvSpPr txBox="1"/>
+          <p:nvPr/>
+        </p:nvSpPr>
+        <p:spPr>
+          <a:xfrm>
+            <a:off x="628650" y="2179305"/>
+            <a:ext cx="6858000" cy="3785652"/>
+          </a:xfrm>
+          <a:prstGeom prst="rect">
+            <a:avLst/>
+          </a:prstGeom>
+          <a:noFill/>
+        </p:spPr>
+        <p:txBody>
+          <a:bodyPr wrap="square">
+            <a:spAutoFit/>
+          </a:bodyPr>
+          <a:lstStyle/>
+          <a:p>
+            <a:r>
+              <a:rPr lang="en-US" sz="2400" dirty="0"/>
+              <a:t>#!/bin/bash</a:t>
+            </a:r>
+          </a:p>
+          <a:p>
+            <a:r>
+              <a:rPr lang="en-US" sz="2400" dirty="0"/>
+              <a:t>#SBATCH --partition=</a:t>
+            </a:r>
+            <a:r>
+              <a:rPr lang="en-US" sz="2400" dirty="0" err="1"/>
+              <a:t>bluemoon</a:t>
+            </a:r>
+            <a:endParaRPr lang="en-US" sz="2400" dirty="0"/>
+          </a:p>
+          <a:p>
+            <a:r>
+              <a:rPr lang="en-US" sz="2400" dirty="0"/>
+              <a:t>#SBATCH --nodes=1</a:t>
+            </a:r>
+          </a:p>
+          <a:p>
+            <a:r>
+              <a:rPr lang="en-US" sz="2400" dirty="0"/>
+              <a:t>#SBATCH --</a:t>
+            </a:r>
+            <a:r>
+              <a:rPr lang="en-US" sz="2400" dirty="0" err="1"/>
+              <a:t>ntasks</a:t>
+            </a:r>
+            <a:r>
+              <a:rPr lang="en-US" sz="2400" dirty="0"/>
+              <a:t>=4</a:t>
+            </a:r>
+          </a:p>
+          <a:p>
+            <a:r>
+              <a:rPr lang="en-US" sz="2400" dirty="0"/>
+              <a:t>#SBATCH --mem=50G</a:t>
+            </a:r>
+          </a:p>
+          <a:p>
+            <a:r>
+              <a:rPr lang="en-US" sz="2400" dirty="0"/>
+              <a:t>#SBATCH --time=30:00:00</a:t>
+            </a:r>
+          </a:p>
+          <a:p>
+            <a:r>
+              <a:rPr lang="en-US" sz="2400" dirty="0"/>
+              <a:t>#SBATCH --job-name=</a:t>
+            </a:r>
+            <a:r>
+              <a:rPr lang="en-US" sz="2400" dirty="0" err="1"/>
+              <a:t>RNAseq</a:t>
+            </a:r>
+            <a:endParaRPr lang="en-US" sz="2400" dirty="0"/>
+          </a:p>
+          <a:p>
+            <a:r>
+              <a:rPr lang="en-US" sz="2400" dirty="0"/>
+              <a:t># %x=job-name %j=</a:t>
+            </a:r>
+            <a:r>
+              <a:rPr lang="en-US" sz="2400" dirty="0" err="1"/>
+              <a:t>jobid</a:t>
+            </a:r>
+            <a:endParaRPr lang="en-US" sz="2400" dirty="0"/>
+          </a:p>
+          <a:p>
+            <a:r>
+              <a:rPr lang="en-US" sz="2400" dirty="0"/>
+              <a:t>#SBATCH --output=%x_%</a:t>
+            </a:r>
+            <a:r>
+              <a:rPr lang="en-US" sz="2400" dirty="0" err="1"/>
+              <a:t>j.out</a:t>
+            </a:r>
+            <a:endParaRPr lang="en-US" sz="2400" dirty="0"/>
+          </a:p>
+          <a:p>
+            <a:endParaRPr lang="en-US" sz="2400" dirty="0"/>
+          </a:p>
+        </p:txBody>
+      </p:sp>
+      <p:sp>
+        <p:nvSpPr>
+          <p:cNvPr id="4" name="Title 3">
+            <a:extLst>
+              <a:ext uri="{FF2B5EF4-FFF2-40B4-BE49-F238E27FC236}">
+                <a16:creationId xmlns:a16="http://schemas.microsoft.com/office/drawing/2014/main" id="{92EB00D5-98D3-A545-9257-7F5477D17C0C}"/>
+              </a:ext>
+            </a:extLst>
+          </p:cNvPr>
+          <p:cNvSpPr>
+            <a:spLocks noGrp="1"/>
+          </p:cNvSpPr>
+          <p:nvPr>
+            <p:ph type="title"/>
+          </p:nvPr>
+        </p:nvSpPr>
+        <p:spPr/>
+        <p:txBody>
+          <a:bodyPr>
+            <a:normAutofit/>
+          </a:bodyPr>
+          <a:lstStyle/>
+          <a:p>
+            <a:r>
+              <a:rPr lang="en-US" dirty="0"/>
+              <a:t>In order to </a:t>
+            </a:r>
+            <a:r>
+              <a:rPr lang="en-US" u="sng" dirty="0"/>
+              <a:t>submit a job</a:t>
+            </a:r>
+            <a:r>
+              <a:rPr lang="en-US" dirty="0"/>
+              <a:t>, need to use the job scheduler </a:t>
+            </a:r>
+            <a:r>
+              <a:rPr lang="en-US" dirty="0" err="1"/>
+              <a:t>Slurm</a:t>
+            </a:r>
+            <a:endParaRPr lang="en-US" dirty="0"/>
+          </a:p>
+        </p:txBody>
+      </p:sp>
+      <p:sp>
+        <p:nvSpPr>
+          <p:cNvPr id="2" name="TextBox 1">
+            <a:extLst>
+              <a:ext uri="{FF2B5EF4-FFF2-40B4-BE49-F238E27FC236}">
+                <a16:creationId xmlns:a16="http://schemas.microsoft.com/office/drawing/2014/main" id="{71A08821-8308-1F45-89E7-2699E7F67CD2}"/>
+              </a:ext>
+            </a:extLst>
+          </p:cNvPr>
+          <p:cNvSpPr txBox="1"/>
+          <p:nvPr/>
+        </p:nvSpPr>
+        <p:spPr>
+          <a:xfrm>
+            <a:off x="628650" y="1750331"/>
+            <a:ext cx="3544560" cy="369332"/>
+          </a:xfrm>
+          <a:prstGeom prst="rect">
+            <a:avLst/>
+          </a:prstGeom>
+          <a:noFill/>
+        </p:spPr>
+        <p:txBody>
+          <a:bodyPr wrap="none" rtlCol="0">
+            <a:spAutoFit/>
+          </a:bodyPr>
+          <a:lstStyle/>
+          <a:p>
+            <a:r>
+              <a:rPr lang="en-US" b="1" i="1" dirty="0"/>
+              <a:t>Some common </a:t>
+            </a:r>
+            <a:r>
+              <a:rPr lang="en-US" b="1" i="1" dirty="0" err="1"/>
+              <a:t>slurm</a:t>
+            </a:r>
+            <a:r>
+              <a:rPr lang="en-US" b="1" i="1" dirty="0"/>
+              <a:t> directive</a:t>
+            </a:r>
+          </a:p>
+        </p:txBody>
+      </p:sp>
+      <p:sp>
+        <p:nvSpPr>
+          <p:cNvPr id="5" name="TextBox 4">
+            <a:extLst>
+              <a:ext uri="{FF2B5EF4-FFF2-40B4-BE49-F238E27FC236}">
+                <a16:creationId xmlns:a16="http://schemas.microsoft.com/office/drawing/2014/main" id="{B84414E8-965C-2145-9BED-78301787FE98}"/>
+              </a:ext>
+            </a:extLst>
+          </p:cNvPr>
+          <p:cNvSpPr txBox="1"/>
+          <p:nvPr/>
+        </p:nvSpPr>
+        <p:spPr>
+          <a:xfrm>
+            <a:off x="5948315" y="1934997"/>
+            <a:ext cx="2714920" cy="3970318"/>
+          </a:xfrm>
+          <a:prstGeom prst="rect">
+            <a:avLst/>
+          </a:prstGeom>
+          <a:solidFill>
+            <a:schemeClr val="accent4">
+              <a:lumMod val="20000"/>
+              <a:lumOff val="80000"/>
+            </a:schemeClr>
+          </a:solidFill>
+          <a:ln>
+            <a:solidFill>
+              <a:schemeClr val="tx1"/>
+            </a:solidFill>
+          </a:ln>
+        </p:spPr>
+        <p:txBody>
+          <a:bodyPr wrap="square" rtlCol="0">
+            <a:spAutoFit/>
+          </a:bodyPr>
+          <a:lstStyle/>
+          <a:p>
+            <a:pPr algn="ctr"/>
+            <a:r>
+              <a:rPr lang="en-US" b="1" dirty="0"/>
+              <a:t>Node:</a:t>
+            </a:r>
+            <a:r>
+              <a:rPr lang="en-US" dirty="0"/>
+              <a:t> A “node” is a server in the cluster. Each node has is configured with a certain number of cores (CPUs).</a:t>
+            </a:r>
+          </a:p>
+          <a:p>
+            <a:pPr algn="ctr"/>
+            <a:endParaRPr lang="en-US" dirty="0"/>
+          </a:p>
+          <a:p>
+            <a:pPr algn="ctr"/>
+            <a:r>
+              <a:rPr lang="en-US" b="1" dirty="0"/>
+              <a:t>Task:</a:t>
+            </a:r>
+            <a:r>
+              <a:rPr lang="en-US" dirty="0"/>
+              <a:t> A “task” is a process sent to a core. By default, 1 core is assigned per 1 task</a:t>
+            </a:r>
+          </a:p>
+          <a:p>
+            <a:pPr algn="ctr"/>
+            <a:endParaRPr lang="en-US" dirty="0"/>
+          </a:p>
+          <a:p>
+            <a:pPr algn="ctr"/>
+            <a:r>
+              <a:rPr lang="en-US" dirty="0"/>
+              <a:t>Recommend that you begin with 1 node and 2 processes</a:t>
+            </a:r>
+          </a:p>
+        </p:txBody>
+      </p:sp>
+      <p:cxnSp>
+        <p:nvCxnSpPr>
+          <p:cNvPr id="7" name="Straight Arrow Connector 6">
+            <a:extLst>
+              <a:ext uri="{FF2B5EF4-FFF2-40B4-BE49-F238E27FC236}">
+                <a16:creationId xmlns:a16="http://schemas.microsoft.com/office/drawing/2014/main" id="{9BF05B00-CC4E-F548-B4B9-64B5C04798C7}"/>
+              </a:ext>
+            </a:extLst>
+          </p:cNvPr>
+          <p:cNvCxnSpPr>
+            <a:cxnSpLocks/>
+          </p:cNvCxnSpPr>
+          <p:nvPr/>
+        </p:nvCxnSpPr>
+        <p:spPr>
+          <a:xfrm flipH="1">
+            <a:off x="3624017" y="3129768"/>
+            <a:ext cx="2324298" cy="0"/>
+          </a:xfrm>
+          <a:prstGeom prst="straightConnector1">
+            <a:avLst/>
+          </a:prstGeom>
+          <a:ln>
+            <a:solidFill>
+              <a:schemeClr val="tx1"/>
+            </a:solidFill>
+            <a:tailEnd type="triangle"/>
+          </a:ln>
+        </p:spPr>
+        <p:style>
+          <a:lnRef idx="1">
+            <a:schemeClr val="accent1"/>
+          </a:lnRef>
+          <a:fillRef idx="0">
+            <a:schemeClr val="accent1"/>
+          </a:fillRef>
+          <a:effectRef idx="0">
+            <a:schemeClr val="accent1"/>
+          </a:effectRef>
+          <a:fontRef idx="minor">
+            <a:schemeClr val="tx1"/>
+          </a:fontRef>
+        </p:style>
+      </p:cxnSp>
+      <p:cxnSp>
+        <p:nvCxnSpPr>
+          <p:cNvPr id="8" name="Straight Arrow Connector 7">
+            <a:extLst>
+              <a:ext uri="{FF2B5EF4-FFF2-40B4-BE49-F238E27FC236}">
+                <a16:creationId xmlns:a16="http://schemas.microsoft.com/office/drawing/2014/main" id="{D0DBC379-3610-4544-80B5-487135F07777}"/>
+              </a:ext>
+            </a:extLst>
+          </p:cNvPr>
+          <p:cNvCxnSpPr>
+            <a:cxnSpLocks/>
+          </p:cNvCxnSpPr>
+          <p:nvPr/>
+        </p:nvCxnSpPr>
+        <p:spPr>
+          <a:xfrm flipH="1">
+            <a:off x="3624017" y="3289955"/>
+            <a:ext cx="2324298" cy="254523"/>
+          </a:xfrm>
+          <a:prstGeom prst="straightConnector1">
+            <a:avLst/>
+          </a:prstGeom>
+          <a:ln>
+            <a:solidFill>
+              <a:schemeClr val="tx1"/>
+            </a:solidFill>
+            <a:tailEnd type="triangle"/>
+          </a:ln>
+        </p:spPr>
+        <p:style>
+          <a:lnRef idx="1">
+            <a:schemeClr val="accent1"/>
+          </a:lnRef>
+          <a:fillRef idx="0">
+            <a:schemeClr val="accent1"/>
+          </a:fillRef>
+          <a:effectRef idx="0">
+            <a:schemeClr val="accent1"/>
+          </a:effectRef>
+          <a:fontRef idx="minor">
+            <a:schemeClr val="tx1"/>
+          </a:fontRef>
+        </p:style>
+      </p:cxnSp>
+    </p:spTree>
+    <p:extLst>
+      <p:ext uri="{BB962C8B-B14F-4D97-AF65-F5344CB8AC3E}">
+        <p14:creationId xmlns:p14="http://schemas.microsoft.com/office/powerpoint/2010/main" val="3347668987"/>
+      </p:ext>
+    </p:extLst>
+  </p:cSld>
+  <p:clrMapOvr>
+    <a:masterClrMapping/>
+  </p:clrMapOvr>
+</p:sld>
+</file>
+
+<file path=ppt/slides/slide3.xml><?xml version="1.0" encoding="utf-8"?>
+<p:sld xmlns:a="http://schemas.openxmlformats.org/drawingml/2006/main" xmlns:r="http://schemas.openxmlformats.org/officeDocument/2006/relationships" xmlns:p="http://schemas.openxmlformats.org/presentationml/2006/main">
+  <p:cSld>
+    <p:spTree>
+      <p:nvGrpSpPr>
+        <p:cNvPr id="1" name=""/>
+        <p:cNvGrpSpPr/>
+        <p:nvPr/>
+      </p:nvGrpSpPr>
+      <p:grpSpPr>
+        <a:xfrm>
+          <a:off x="0" y="0"/>
+          <a:ext cx="0" cy="0"/>
+          <a:chOff x="0" y="0"/>
+          <a:chExt cx="0" cy="0"/>
+        </a:xfrm>
+      </p:grpSpPr>
+      <p:sp>
+        <p:nvSpPr>
+          <p:cNvPr id="2" name="Title 1">
+            <a:extLst>
+              <a:ext uri="{FF2B5EF4-FFF2-40B4-BE49-F238E27FC236}">
+                <a16:creationId xmlns:a16="http://schemas.microsoft.com/office/drawing/2014/main" id="{6D23536B-1EE1-5247-9D12-984A5F29C82A}"/>
+              </a:ext>
+            </a:extLst>
+          </p:cNvPr>
+          <p:cNvSpPr>
+            <a:spLocks noGrp="1"/>
+          </p:cNvSpPr>
+          <p:nvPr>
+            <p:ph type="title"/>
+          </p:nvPr>
+        </p:nvSpPr>
+        <p:spPr/>
+        <p:txBody>
+          <a:bodyPr/>
+          <a:lstStyle/>
+          <a:p>
+            <a:r>
+              <a:rPr lang="en-US" dirty="0"/>
+              <a:t>Submitting to GEO </a:t>
+            </a:r>
+          </a:p>
+        </p:txBody>
+      </p:sp>
+      <p:sp>
+        <p:nvSpPr>
+          <p:cNvPr id="3" name="Content Placeholder 2">
+            <a:extLst>
+              <a:ext uri="{FF2B5EF4-FFF2-40B4-BE49-F238E27FC236}">
+                <a16:creationId xmlns:a16="http://schemas.microsoft.com/office/drawing/2014/main" id="{F6D16095-A8B0-6944-9F38-52CFEBE9C590}"/>
+              </a:ext>
+            </a:extLst>
+          </p:cNvPr>
+          <p:cNvSpPr>
+            <a:spLocks noGrp="1"/>
+          </p:cNvSpPr>
+          <p:nvPr>
+            <p:ph idx="1"/>
+          </p:nvPr>
+        </p:nvSpPr>
+        <p:spPr/>
+        <p:txBody>
+          <a:bodyPr/>
+          <a:lstStyle/>
+          <a:p>
+            <a:r>
+              <a:rPr lang="en-US" dirty="0"/>
+              <a:t>Is a pre-requisite for publication of peer-reviewed research articles </a:t>
+            </a:r>
+          </a:p>
+          <a:p>
+            <a:r>
+              <a:rPr lang="en-US" dirty="0"/>
+              <a:t>Step-by-step process that requires sample data spreadsheets, raw data, and other submission forms </a:t>
+            </a:r>
+          </a:p>
+        </p:txBody>
+      </p:sp>
+    </p:spTree>
+    <p:extLst>
+      <p:ext uri="{BB962C8B-B14F-4D97-AF65-F5344CB8AC3E}">
+        <p14:creationId xmlns:p14="http://schemas.microsoft.com/office/powerpoint/2010/main" val="1283501657"/>
+      </p:ext>
+    </p:extLst>
+  </p:cSld>
+  <p:clrMapOvr>
+    <a:masterClrMapping/>
+  </p:clrMapOvr>
+</p:sld>
+</file>
+
+<file path=ppt/slides/slide30.xml><?xml version="1.0" encoding="utf-8"?>
+<p:sld xmlns:a="http://schemas.openxmlformats.org/drawingml/2006/main" xmlns:r="http://schemas.openxmlformats.org/officeDocument/2006/relationships" xmlns:p="http://schemas.openxmlformats.org/presentationml/2006/main">
+  <p:cSld>
+    <p:spTree>
+      <p:nvGrpSpPr>
+        <p:cNvPr id="1" name=""/>
+        <p:cNvGrpSpPr/>
+        <p:nvPr/>
+      </p:nvGrpSpPr>
+      <p:grpSpPr>
+        <a:xfrm>
+          <a:off x="0" y="0"/>
+          <a:ext cx="0" cy="0"/>
+          <a:chOff x="0" y="0"/>
+          <a:chExt cx="0" cy="0"/>
+        </a:xfrm>
+      </p:grpSpPr>
+      <p:sp>
+        <p:nvSpPr>
+          <p:cNvPr id="3" name="TextBox 2">
+            <a:extLst>
+              <a:ext uri="{FF2B5EF4-FFF2-40B4-BE49-F238E27FC236}">
+                <a16:creationId xmlns:a16="http://schemas.microsoft.com/office/drawing/2014/main" id="{4B17CB9E-5070-6D43-B6A9-BF74C06C6574}"/>
+              </a:ext>
+            </a:extLst>
+          </p:cNvPr>
+          <p:cNvSpPr txBox="1"/>
+          <p:nvPr/>
+        </p:nvSpPr>
+        <p:spPr>
+          <a:xfrm>
+            <a:off x="628650" y="2179305"/>
+            <a:ext cx="6858000" cy="3785652"/>
+          </a:xfrm>
+          <a:prstGeom prst="rect">
+            <a:avLst/>
+          </a:prstGeom>
+          <a:noFill/>
+        </p:spPr>
+        <p:txBody>
+          <a:bodyPr wrap="square">
+            <a:spAutoFit/>
+          </a:bodyPr>
+          <a:lstStyle/>
+          <a:p>
+            <a:r>
+              <a:rPr lang="en-US" sz="2400" dirty="0"/>
+              <a:t>#!/bin/bash</a:t>
+            </a:r>
+          </a:p>
+          <a:p>
+            <a:r>
+              <a:rPr lang="en-US" sz="2400" dirty="0"/>
+              <a:t>#SBATCH --partition=</a:t>
+            </a:r>
+            <a:r>
+              <a:rPr lang="en-US" sz="2400" dirty="0" err="1"/>
+              <a:t>bluemoon</a:t>
+            </a:r>
+            <a:endParaRPr lang="en-US" sz="2400" dirty="0"/>
+          </a:p>
+          <a:p>
+            <a:r>
+              <a:rPr lang="en-US" sz="2400" dirty="0"/>
+              <a:t>#SBATCH --nodes=1</a:t>
+            </a:r>
+          </a:p>
+          <a:p>
+            <a:r>
+              <a:rPr lang="en-US" sz="2400" dirty="0"/>
+              <a:t>#SBATCH --</a:t>
+            </a:r>
+            <a:r>
+              <a:rPr lang="en-US" sz="2400" dirty="0" err="1"/>
+              <a:t>ntasks</a:t>
+            </a:r>
+            <a:r>
+              <a:rPr lang="en-US" sz="2400" dirty="0"/>
+              <a:t>=4</a:t>
+            </a:r>
+          </a:p>
+          <a:p>
+            <a:r>
+              <a:rPr lang="en-US" sz="2400" dirty="0"/>
+              <a:t>#SBATCH --mem=50G</a:t>
+            </a:r>
+          </a:p>
+          <a:p>
+            <a:r>
+              <a:rPr lang="en-US" sz="2400" dirty="0"/>
+              <a:t>#SBATCH --time=30:00:00</a:t>
+            </a:r>
+          </a:p>
+          <a:p>
+            <a:r>
+              <a:rPr lang="en-US" sz="2400" dirty="0"/>
+              <a:t>#SBATCH --job-name=</a:t>
+            </a:r>
+            <a:r>
+              <a:rPr lang="en-US" sz="2400" dirty="0" err="1"/>
+              <a:t>RNAseq</a:t>
+            </a:r>
+            <a:endParaRPr lang="en-US" sz="2400" dirty="0"/>
+          </a:p>
+          <a:p>
+            <a:r>
+              <a:rPr lang="en-US" sz="2400" dirty="0"/>
+              <a:t># %x=job-name %j=</a:t>
+            </a:r>
+            <a:r>
+              <a:rPr lang="en-US" sz="2400" dirty="0" err="1"/>
+              <a:t>jobid</a:t>
+            </a:r>
+            <a:endParaRPr lang="en-US" sz="2400" dirty="0"/>
+          </a:p>
+          <a:p>
+            <a:r>
+              <a:rPr lang="en-US" sz="2400" dirty="0"/>
+              <a:t>#SBATCH --output=%x_%</a:t>
+            </a:r>
+            <a:r>
+              <a:rPr lang="en-US" sz="2400" dirty="0" err="1"/>
+              <a:t>j.out</a:t>
+            </a:r>
+            <a:endParaRPr lang="en-US" sz="2400" dirty="0"/>
+          </a:p>
+          <a:p>
+            <a:endParaRPr lang="en-US" sz="2400" dirty="0"/>
+          </a:p>
+        </p:txBody>
+      </p:sp>
+      <p:sp>
+        <p:nvSpPr>
+          <p:cNvPr id="4" name="Title 3">
+            <a:extLst>
+              <a:ext uri="{FF2B5EF4-FFF2-40B4-BE49-F238E27FC236}">
+                <a16:creationId xmlns:a16="http://schemas.microsoft.com/office/drawing/2014/main" id="{92EB00D5-98D3-A545-9257-7F5477D17C0C}"/>
+              </a:ext>
+            </a:extLst>
+          </p:cNvPr>
+          <p:cNvSpPr>
+            <a:spLocks noGrp="1"/>
+          </p:cNvSpPr>
+          <p:nvPr>
+            <p:ph type="title"/>
+          </p:nvPr>
+        </p:nvSpPr>
+        <p:spPr/>
+        <p:txBody>
+          <a:bodyPr>
+            <a:normAutofit/>
+          </a:bodyPr>
+          <a:lstStyle/>
+          <a:p>
+            <a:r>
+              <a:rPr lang="en-US" dirty="0"/>
+              <a:t>In order to </a:t>
+            </a:r>
+            <a:r>
+              <a:rPr lang="en-US" u="sng" dirty="0"/>
+              <a:t>submit a job</a:t>
+            </a:r>
+            <a:r>
+              <a:rPr lang="en-US" dirty="0"/>
+              <a:t>, need to use the job scheduler </a:t>
+            </a:r>
+            <a:r>
+              <a:rPr lang="en-US" dirty="0" err="1"/>
+              <a:t>Slurm</a:t>
+            </a:r>
+            <a:endParaRPr lang="en-US" dirty="0"/>
+          </a:p>
+        </p:txBody>
+      </p:sp>
+      <p:sp>
+        <p:nvSpPr>
+          <p:cNvPr id="2" name="TextBox 1">
+            <a:extLst>
+              <a:ext uri="{FF2B5EF4-FFF2-40B4-BE49-F238E27FC236}">
+                <a16:creationId xmlns:a16="http://schemas.microsoft.com/office/drawing/2014/main" id="{71A08821-8308-1F45-89E7-2699E7F67CD2}"/>
+              </a:ext>
+            </a:extLst>
+          </p:cNvPr>
+          <p:cNvSpPr txBox="1"/>
+          <p:nvPr/>
+        </p:nvSpPr>
+        <p:spPr>
+          <a:xfrm>
+            <a:off x="628650" y="1750331"/>
+            <a:ext cx="3544560" cy="369332"/>
+          </a:xfrm>
+          <a:prstGeom prst="rect">
+            <a:avLst/>
+          </a:prstGeom>
+          <a:noFill/>
+        </p:spPr>
+        <p:txBody>
+          <a:bodyPr wrap="none" rtlCol="0">
+            <a:spAutoFit/>
+          </a:bodyPr>
+          <a:lstStyle/>
+          <a:p>
+            <a:r>
+              <a:rPr lang="en-US" b="1" i="1" dirty="0"/>
+              <a:t>Some common </a:t>
+            </a:r>
+            <a:r>
+              <a:rPr lang="en-US" b="1" i="1" dirty="0" err="1"/>
+              <a:t>slurm</a:t>
+            </a:r>
+            <a:r>
+              <a:rPr lang="en-US" b="1" i="1" dirty="0"/>
+              <a:t> directive</a:t>
+            </a:r>
+          </a:p>
+        </p:txBody>
+      </p:sp>
+      <p:sp>
+        <p:nvSpPr>
+          <p:cNvPr id="5" name="TextBox 4">
+            <a:extLst>
+              <a:ext uri="{FF2B5EF4-FFF2-40B4-BE49-F238E27FC236}">
+                <a16:creationId xmlns:a16="http://schemas.microsoft.com/office/drawing/2014/main" id="{B84414E8-965C-2145-9BED-78301787FE98}"/>
+              </a:ext>
+            </a:extLst>
+          </p:cNvPr>
+          <p:cNvSpPr txBox="1"/>
+          <p:nvPr/>
+        </p:nvSpPr>
+        <p:spPr>
+          <a:xfrm>
+            <a:off x="5948315" y="3104569"/>
+            <a:ext cx="2714920" cy="923330"/>
+          </a:xfrm>
+          <a:prstGeom prst="rect">
+            <a:avLst/>
+          </a:prstGeom>
+          <a:solidFill>
+            <a:schemeClr val="accent4">
+              <a:lumMod val="20000"/>
+              <a:lumOff val="80000"/>
+            </a:schemeClr>
+          </a:solidFill>
+          <a:ln>
+            <a:solidFill>
+              <a:schemeClr val="tx1"/>
+            </a:solidFill>
+          </a:ln>
+        </p:spPr>
+        <p:txBody>
+          <a:bodyPr wrap="square" rtlCol="0">
+            <a:spAutoFit/>
+          </a:bodyPr>
+          <a:lstStyle/>
+          <a:p>
+            <a:pPr algn="ctr"/>
+            <a:r>
+              <a:rPr lang="en-US" dirty="0"/>
+              <a:t>If your job requires more than 1G of memory – need to specify this</a:t>
+            </a:r>
+          </a:p>
+        </p:txBody>
+      </p:sp>
+      <p:cxnSp>
+        <p:nvCxnSpPr>
+          <p:cNvPr id="8" name="Straight Arrow Connector 7">
+            <a:extLst>
+              <a:ext uri="{FF2B5EF4-FFF2-40B4-BE49-F238E27FC236}">
+                <a16:creationId xmlns:a16="http://schemas.microsoft.com/office/drawing/2014/main" id="{D0DBC379-3610-4544-80B5-487135F07777}"/>
+              </a:ext>
+            </a:extLst>
+          </p:cNvPr>
+          <p:cNvCxnSpPr>
+            <a:cxnSpLocks/>
+          </p:cNvCxnSpPr>
+          <p:nvPr/>
+        </p:nvCxnSpPr>
+        <p:spPr>
+          <a:xfrm flipH="1">
+            <a:off x="3855563" y="3704734"/>
+            <a:ext cx="2092752" cy="169682"/>
+          </a:xfrm>
+          <a:prstGeom prst="straightConnector1">
+            <a:avLst/>
+          </a:prstGeom>
+          <a:ln>
+            <a:solidFill>
+              <a:schemeClr val="tx1"/>
+            </a:solidFill>
+            <a:tailEnd type="triangle"/>
+          </a:ln>
+        </p:spPr>
+        <p:style>
+          <a:lnRef idx="1">
+            <a:schemeClr val="accent1"/>
+          </a:lnRef>
+          <a:fillRef idx="0">
+            <a:schemeClr val="accent1"/>
+          </a:fillRef>
+          <a:effectRef idx="0">
+            <a:schemeClr val="accent1"/>
+          </a:effectRef>
+          <a:fontRef idx="minor">
+            <a:schemeClr val="tx1"/>
+          </a:fontRef>
+        </p:style>
+      </p:cxnSp>
+    </p:spTree>
+    <p:extLst>
+      <p:ext uri="{BB962C8B-B14F-4D97-AF65-F5344CB8AC3E}">
+        <p14:creationId xmlns:p14="http://schemas.microsoft.com/office/powerpoint/2010/main" val="3836341815"/>
+      </p:ext>
+    </p:extLst>
+  </p:cSld>
+  <p:clrMapOvr>
+    <a:masterClrMapping/>
+  </p:clrMapOvr>
+</p:sld>
+</file>
+
+<file path=ppt/slides/slide31.xml><?xml version="1.0" encoding="utf-8"?>
+<p:sld xmlns:a="http://schemas.openxmlformats.org/drawingml/2006/main" xmlns:r="http://schemas.openxmlformats.org/officeDocument/2006/relationships" xmlns:p="http://schemas.openxmlformats.org/presentationml/2006/main">
+  <p:cSld>
+    <p:spTree>
+      <p:nvGrpSpPr>
+        <p:cNvPr id="1" name=""/>
+        <p:cNvGrpSpPr/>
+        <p:nvPr/>
+      </p:nvGrpSpPr>
+      <p:grpSpPr>
+        <a:xfrm>
+          <a:off x="0" y="0"/>
+          <a:ext cx="0" cy="0"/>
+          <a:chOff x="0" y="0"/>
+          <a:chExt cx="0" cy="0"/>
+        </a:xfrm>
+      </p:grpSpPr>
+      <p:sp>
+        <p:nvSpPr>
+          <p:cNvPr id="3" name="TextBox 2">
+            <a:extLst>
+              <a:ext uri="{FF2B5EF4-FFF2-40B4-BE49-F238E27FC236}">
+                <a16:creationId xmlns:a16="http://schemas.microsoft.com/office/drawing/2014/main" id="{4B17CB9E-5070-6D43-B6A9-BF74C06C6574}"/>
+              </a:ext>
+            </a:extLst>
+          </p:cNvPr>
+          <p:cNvSpPr txBox="1"/>
+          <p:nvPr/>
+        </p:nvSpPr>
+        <p:spPr>
+          <a:xfrm>
+            <a:off x="628650" y="2179305"/>
+            <a:ext cx="6858000" cy="3785652"/>
+          </a:xfrm>
+          <a:prstGeom prst="rect">
+            <a:avLst/>
+          </a:prstGeom>
+          <a:noFill/>
+        </p:spPr>
+        <p:txBody>
+          <a:bodyPr wrap="square">
+            <a:spAutoFit/>
+          </a:bodyPr>
+          <a:lstStyle/>
+          <a:p>
+            <a:r>
+              <a:rPr lang="en-US" sz="2400" dirty="0"/>
+              <a:t>#!/bin/bash</a:t>
+            </a:r>
+          </a:p>
+          <a:p>
+            <a:r>
+              <a:rPr lang="en-US" sz="2400" dirty="0"/>
+              <a:t>#SBATCH --partition=</a:t>
+            </a:r>
+            <a:r>
+              <a:rPr lang="en-US" sz="2400" dirty="0" err="1"/>
+              <a:t>bluemoon</a:t>
+            </a:r>
+            <a:endParaRPr lang="en-US" sz="2400" dirty="0"/>
+          </a:p>
+          <a:p>
+            <a:r>
+              <a:rPr lang="en-US" sz="2400" dirty="0"/>
+              <a:t>#SBATCH --nodes=1</a:t>
+            </a:r>
+          </a:p>
+          <a:p>
+            <a:r>
+              <a:rPr lang="en-US" sz="2400" dirty="0"/>
+              <a:t>#SBATCH --</a:t>
+            </a:r>
+            <a:r>
+              <a:rPr lang="en-US" sz="2400" dirty="0" err="1"/>
+              <a:t>ntasks</a:t>
+            </a:r>
+            <a:r>
+              <a:rPr lang="en-US" sz="2400" dirty="0"/>
+              <a:t>=4</a:t>
+            </a:r>
+          </a:p>
+          <a:p>
+            <a:r>
+              <a:rPr lang="en-US" sz="2400" dirty="0"/>
+              <a:t>#SBATCH --mem=50G</a:t>
+            </a:r>
+          </a:p>
+          <a:p>
+            <a:r>
+              <a:rPr lang="en-US" sz="2400" dirty="0"/>
+              <a:t>#SBATCH --time=30:00:00</a:t>
+            </a:r>
+          </a:p>
+          <a:p>
+            <a:r>
+              <a:rPr lang="en-US" sz="2400" dirty="0"/>
+              <a:t>#SBATCH --job-name=</a:t>
+            </a:r>
+            <a:r>
+              <a:rPr lang="en-US" sz="2400" dirty="0" err="1"/>
+              <a:t>RNAseq</a:t>
+            </a:r>
+            <a:endParaRPr lang="en-US" sz="2400" dirty="0"/>
+          </a:p>
+          <a:p>
+            <a:r>
+              <a:rPr lang="en-US" sz="2400" dirty="0"/>
+              <a:t># %x=job-name %j=</a:t>
+            </a:r>
+            <a:r>
+              <a:rPr lang="en-US" sz="2400" dirty="0" err="1"/>
+              <a:t>jobid</a:t>
+            </a:r>
+            <a:endParaRPr lang="en-US" sz="2400" dirty="0"/>
+          </a:p>
+          <a:p>
+            <a:r>
+              <a:rPr lang="en-US" sz="2400" dirty="0"/>
+              <a:t>#SBATCH --output=%x_%</a:t>
+            </a:r>
+            <a:r>
+              <a:rPr lang="en-US" sz="2400" dirty="0" err="1"/>
+              <a:t>j.out</a:t>
+            </a:r>
+            <a:endParaRPr lang="en-US" sz="2400" dirty="0"/>
+          </a:p>
+          <a:p>
+            <a:endParaRPr lang="en-US" sz="2400" dirty="0"/>
+          </a:p>
+        </p:txBody>
+      </p:sp>
+      <p:sp>
+        <p:nvSpPr>
+          <p:cNvPr id="4" name="Title 3">
+            <a:extLst>
+              <a:ext uri="{FF2B5EF4-FFF2-40B4-BE49-F238E27FC236}">
+                <a16:creationId xmlns:a16="http://schemas.microsoft.com/office/drawing/2014/main" id="{92EB00D5-98D3-A545-9257-7F5477D17C0C}"/>
+              </a:ext>
+            </a:extLst>
+          </p:cNvPr>
+          <p:cNvSpPr>
+            <a:spLocks noGrp="1"/>
+          </p:cNvSpPr>
+          <p:nvPr>
+            <p:ph type="title"/>
+          </p:nvPr>
+        </p:nvSpPr>
+        <p:spPr/>
+        <p:txBody>
+          <a:bodyPr>
+            <a:normAutofit/>
+          </a:bodyPr>
+          <a:lstStyle/>
+          <a:p>
+            <a:r>
+              <a:rPr lang="en-US" dirty="0"/>
+              <a:t>In order to </a:t>
+            </a:r>
+            <a:r>
+              <a:rPr lang="en-US" u="sng" dirty="0"/>
+              <a:t>submit a job</a:t>
+            </a:r>
+            <a:r>
+              <a:rPr lang="en-US" dirty="0"/>
+              <a:t>, need to use the job scheduler </a:t>
+            </a:r>
+            <a:r>
+              <a:rPr lang="en-US" dirty="0" err="1"/>
+              <a:t>Slurm</a:t>
+            </a:r>
+            <a:endParaRPr lang="en-US" dirty="0"/>
+          </a:p>
+        </p:txBody>
+      </p:sp>
+      <p:sp>
+        <p:nvSpPr>
+          <p:cNvPr id="2" name="TextBox 1">
+            <a:extLst>
+              <a:ext uri="{FF2B5EF4-FFF2-40B4-BE49-F238E27FC236}">
+                <a16:creationId xmlns:a16="http://schemas.microsoft.com/office/drawing/2014/main" id="{71A08821-8308-1F45-89E7-2699E7F67CD2}"/>
+              </a:ext>
+            </a:extLst>
+          </p:cNvPr>
+          <p:cNvSpPr txBox="1"/>
+          <p:nvPr/>
+        </p:nvSpPr>
+        <p:spPr>
+          <a:xfrm>
+            <a:off x="628650" y="1750331"/>
+            <a:ext cx="3544560" cy="369332"/>
+          </a:xfrm>
+          <a:prstGeom prst="rect">
+            <a:avLst/>
+          </a:prstGeom>
+          <a:noFill/>
+        </p:spPr>
+        <p:txBody>
+          <a:bodyPr wrap="none" rtlCol="0">
+            <a:spAutoFit/>
+          </a:bodyPr>
+          <a:lstStyle/>
+          <a:p>
+            <a:r>
+              <a:rPr lang="en-US" b="1" i="1" dirty="0"/>
+              <a:t>Some common </a:t>
+            </a:r>
+            <a:r>
+              <a:rPr lang="en-US" b="1" i="1" dirty="0" err="1"/>
+              <a:t>slurm</a:t>
+            </a:r>
+            <a:r>
+              <a:rPr lang="en-US" b="1" i="1" dirty="0"/>
+              <a:t> directive</a:t>
+            </a:r>
+          </a:p>
+        </p:txBody>
+      </p:sp>
+      <p:sp>
+        <p:nvSpPr>
+          <p:cNvPr id="5" name="TextBox 4">
+            <a:extLst>
+              <a:ext uri="{FF2B5EF4-FFF2-40B4-BE49-F238E27FC236}">
+                <a16:creationId xmlns:a16="http://schemas.microsoft.com/office/drawing/2014/main" id="{B84414E8-965C-2145-9BED-78301787FE98}"/>
+              </a:ext>
+            </a:extLst>
+          </p:cNvPr>
+          <p:cNvSpPr txBox="1"/>
+          <p:nvPr/>
+        </p:nvSpPr>
+        <p:spPr>
+          <a:xfrm>
+            <a:off x="5872899" y="3737976"/>
+            <a:ext cx="2714920" cy="923330"/>
+          </a:xfrm>
+          <a:prstGeom prst="rect">
+            <a:avLst/>
+          </a:prstGeom>
+          <a:solidFill>
+            <a:schemeClr val="accent4">
+              <a:lumMod val="20000"/>
+              <a:lumOff val="80000"/>
+            </a:schemeClr>
+          </a:solidFill>
+          <a:ln>
+            <a:solidFill>
+              <a:schemeClr val="tx1"/>
+            </a:solidFill>
+          </a:ln>
+        </p:spPr>
+        <p:txBody>
+          <a:bodyPr wrap="square" rtlCol="0">
+            <a:spAutoFit/>
+          </a:bodyPr>
+          <a:lstStyle/>
+          <a:p>
+            <a:pPr algn="ctr"/>
+            <a:r>
+              <a:rPr lang="en-US" dirty="0" err="1"/>
+              <a:t>Walltime</a:t>
+            </a:r>
+            <a:r>
+              <a:rPr lang="en-US" dirty="0"/>
+              <a:t> is the maximum amount of time your job will run. </a:t>
+            </a:r>
+          </a:p>
+        </p:txBody>
+      </p:sp>
+      <p:cxnSp>
+        <p:nvCxnSpPr>
+          <p:cNvPr id="8" name="Straight Arrow Connector 7">
+            <a:extLst>
+              <a:ext uri="{FF2B5EF4-FFF2-40B4-BE49-F238E27FC236}">
+                <a16:creationId xmlns:a16="http://schemas.microsoft.com/office/drawing/2014/main" id="{D0DBC379-3610-4544-80B5-487135F07777}"/>
+              </a:ext>
+            </a:extLst>
+          </p:cNvPr>
+          <p:cNvCxnSpPr>
+            <a:cxnSpLocks/>
+          </p:cNvCxnSpPr>
+          <p:nvPr/>
+        </p:nvCxnSpPr>
+        <p:spPr>
+          <a:xfrm flipH="1">
+            <a:off x="4317477" y="4166647"/>
+            <a:ext cx="1555422" cy="65988"/>
+          </a:xfrm>
+          <a:prstGeom prst="straightConnector1">
+            <a:avLst/>
+          </a:prstGeom>
+          <a:ln>
+            <a:solidFill>
+              <a:schemeClr val="tx1"/>
+            </a:solidFill>
+            <a:tailEnd type="triangle"/>
+          </a:ln>
+        </p:spPr>
+        <p:style>
+          <a:lnRef idx="1">
+            <a:schemeClr val="accent1"/>
+          </a:lnRef>
+          <a:fillRef idx="0">
+            <a:schemeClr val="accent1"/>
+          </a:fillRef>
+          <a:effectRef idx="0">
+            <a:schemeClr val="accent1"/>
+          </a:effectRef>
+          <a:fontRef idx="minor">
+            <a:schemeClr val="tx1"/>
+          </a:fontRef>
+        </p:style>
+      </p:cxnSp>
+    </p:spTree>
+    <p:extLst>
+      <p:ext uri="{BB962C8B-B14F-4D97-AF65-F5344CB8AC3E}">
+        <p14:creationId xmlns:p14="http://schemas.microsoft.com/office/powerpoint/2010/main" val="3137538660"/>
+      </p:ext>
+    </p:extLst>
+  </p:cSld>
+  <p:clrMapOvr>
+    <a:masterClrMapping/>
+  </p:clrMapOvr>
+</p:sld>
+</file>
+
+<file path=ppt/slides/slide4.xml><?xml version="1.0" encoding="utf-8"?>
+<p:sld xmlns:a="http://schemas.openxmlformats.org/drawingml/2006/main" xmlns:r="http://schemas.openxmlformats.org/officeDocument/2006/relationships" xmlns:p="http://schemas.openxmlformats.org/presentationml/2006/main">
+  <p:cSld>
+    <p:spTree>
+      <p:nvGrpSpPr>
+        <p:cNvPr id="1" name=""/>
+        <p:cNvGrpSpPr/>
+        <p:nvPr/>
+      </p:nvGrpSpPr>
+      <p:grpSpPr>
+        <a:xfrm>
+          <a:off x="0" y="0"/>
+          <a:ext cx="0" cy="0"/>
+          <a:chOff x="0" y="0"/>
+          <a:chExt cx="0" cy="0"/>
+        </a:xfrm>
+      </p:grpSpPr>
+      <p:sp>
+        <p:nvSpPr>
+          <p:cNvPr id="2" name="Title 1">
+            <a:extLst>
+              <a:ext uri="{FF2B5EF4-FFF2-40B4-BE49-F238E27FC236}">
+                <a16:creationId xmlns:a16="http://schemas.microsoft.com/office/drawing/2014/main" id="{C472B6A4-177F-C646-8858-683775F9A278}"/>
+              </a:ext>
+            </a:extLst>
+          </p:cNvPr>
+          <p:cNvSpPr>
+            <a:spLocks noGrp="1"/>
+          </p:cNvSpPr>
+          <p:nvPr>
+            <p:ph type="title"/>
+          </p:nvPr>
+        </p:nvSpPr>
+        <p:spPr/>
+        <p:txBody>
+          <a:bodyPr/>
+          <a:lstStyle/>
+          <a:p>
+            <a:r>
+              <a:rPr lang="en-US" dirty="0"/>
+              <a:t>MIAME Compliant </a:t>
+            </a:r>
+          </a:p>
+        </p:txBody>
+      </p:sp>
+      <p:sp>
+        <p:nvSpPr>
+          <p:cNvPr id="3" name="Content Placeholder 2">
+            <a:extLst>
+              <a:ext uri="{FF2B5EF4-FFF2-40B4-BE49-F238E27FC236}">
+                <a16:creationId xmlns:a16="http://schemas.microsoft.com/office/drawing/2014/main" id="{27340C22-8B0D-1045-B30E-71C40D92D593}"/>
+              </a:ext>
+            </a:extLst>
+          </p:cNvPr>
+          <p:cNvSpPr>
+            <a:spLocks noGrp="1"/>
+          </p:cNvSpPr>
+          <p:nvPr>
+            <p:ph idx="1"/>
+          </p:nvPr>
+        </p:nvSpPr>
+        <p:spPr/>
+        <p:txBody>
+          <a:bodyPr/>
+          <a:lstStyle/>
+          <a:p>
+            <a:r>
+              <a:rPr lang="en-US" dirty="0"/>
+              <a:t>Minimum information about a microarray experiment </a:t>
+            </a:r>
+          </a:p>
+          <a:p>
+            <a:r>
+              <a:rPr lang="en-US" dirty="0"/>
+              <a:t>Effort to standardize publicly available data</a:t>
+            </a:r>
+          </a:p>
+          <a:p>
+            <a:endParaRPr lang="en-US" dirty="0"/>
+          </a:p>
+          <a:p>
+            <a:r>
+              <a:rPr lang="en-US" dirty="0"/>
+              <a:t>MAIME Checklist </a:t>
+            </a:r>
+          </a:p>
+          <a:p>
+            <a:pPr lvl="1"/>
+            <a:r>
+              <a:rPr lang="en-US" dirty="0"/>
+              <a:t>Experimental Design</a:t>
+            </a:r>
+          </a:p>
+          <a:p>
+            <a:pPr lvl="1"/>
+            <a:r>
+              <a:rPr lang="en-US" dirty="0"/>
+              <a:t>Samples used, extract preparation, and labeling </a:t>
+            </a:r>
+          </a:p>
+          <a:p>
+            <a:pPr lvl="1"/>
+            <a:r>
+              <a:rPr lang="en-US" dirty="0"/>
+              <a:t>Measurement data and specifications </a:t>
+            </a:r>
+          </a:p>
+          <a:p>
+            <a:pPr marL="342900" lvl="1" indent="0">
+              <a:buNone/>
+            </a:pPr>
+            <a:r>
+              <a:rPr lang="en-US" dirty="0"/>
+              <a:t> </a:t>
+            </a:r>
+          </a:p>
+        </p:txBody>
+      </p:sp>
+    </p:spTree>
+    <p:extLst>
+      <p:ext uri="{BB962C8B-B14F-4D97-AF65-F5344CB8AC3E}">
+        <p14:creationId xmlns:p14="http://schemas.microsoft.com/office/powerpoint/2010/main" val="3984959041"/>
+      </p:ext>
+    </p:extLst>
+  </p:cSld>
+  <p:clrMapOvr>
+    <a:masterClrMapping/>
+  </p:clrMapOvr>
+</p:sld>
+</file>
+
+<file path=ppt/slides/slide5.xml><?xml version="1.0" encoding="utf-8"?>
+<p:sld xmlns:a="http://schemas.openxmlformats.org/drawingml/2006/main" xmlns:r="http://schemas.openxmlformats.org/officeDocument/2006/relationships" xmlns:p="http://schemas.openxmlformats.org/presentationml/2006/main">
+  <p:cSld>
+    <p:spTree>
+      <p:nvGrpSpPr>
+        <p:cNvPr id="1" name=""/>
+        <p:cNvGrpSpPr/>
+        <p:nvPr/>
+      </p:nvGrpSpPr>
+      <p:grpSpPr>
+        <a:xfrm>
+          <a:off x="0" y="0"/>
+          <a:ext cx="0" cy="0"/>
+          <a:chOff x="0" y="0"/>
+          <a:chExt cx="0" cy="0"/>
+        </a:xfrm>
+      </p:grpSpPr>
+      <p:sp>
+        <p:nvSpPr>
+          <p:cNvPr id="2" name="Title 1">
+            <a:extLst>
+              <a:ext uri="{FF2B5EF4-FFF2-40B4-BE49-F238E27FC236}">
+                <a16:creationId xmlns:a16="http://schemas.microsoft.com/office/drawing/2014/main" id="{CC241BB3-D2BE-E14E-8F34-F7E1D4B47909}"/>
+              </a:ext>
+            </a:extLst>
+          </p:cNvPr>
+          <p:cNvSpPr>
+            <a:spLocks noGrp="1"/>
+          </p:cNvSpPr>
+          <p:nvPr>
+            <p:ph type="title"/>
+          </p:nvPr>
+        </p:nvSpPr>
+        <p:spPr/>
+        <p:txBody>
+          <a:bodyPr/>
+          <a:lstStyle/>
+          <a:p>
+            <a:r>
+              <a:rPr lang="en-US"/>
+              <a:t>GEO Architecture </a:t>
+            </a:r>
+            <a:endParaRPr lang="en-US" dirty="0"/>
+          </a:p>
+        </p:txBody>
+      </p:sp>
+      <p:sp>
+        <p:nvSpPr>
+          <p:cNvPr id="3" name="Content Placeholder 2">
+            <a:extLst>
+              <a:ext uri="{FF2B5EF4-FFF2-40B4-BE49-F238E27FC236}">
+                <a16:creationId xmlns:a16="http://schemas.microsoft.com/office/drawing/2014/main" id="{C8C017E5-98E4-854C-BE13-E69831DB1695}"/>
+              </a:ext>
+            </a:extLst>
+          </p:cNvPr>
+          <p:cNvSpPr>
+            <a:spLocks noGrp="1"/>
+          </p:cNvSpPr>
+          <p:nvPr>
+            <p:ph idx="1"/>
+          </p:nvPr>
+        </p:nvSpPr>
+        <p:spPr/>
+        <p:txBody>
+          <a:bodyPr/>
+          <a:lstStyle/>
+          <a:p>
+            <a:pPr marL="0" indent="0">
+              <a:buNone/>
+            </a:pPr>
+            <a:r>
+              <a:rPr lang="en-US" dirty="0"/>
+              <a:t>There are three types of GEO submitter records: </a:t>
+            </a:r>
+          </a:p>
+          <a:p>
+            <a:r>
+              <a:rPr lang="en-US" dirty="0"/>
+              <a:t>A </a:t>
+            </a:r>
+            <a:r>
+              <a:rPr lang="en-US" b="1" dirty="0"/>
+              <a:t>Platform</a:t>
+            </a:r>
+            <a:r>
+              <a:rPr lang="en-US" dirty="0"/>
+              <a:t> record describes an array or sequencer and, for array-based platforms, a data table defining the array template. </a:t>
+            </a:r>
+          </a:p>
+          <a:p>
+            <a:r>
+              <a:rPr lang="en-US" dirty="0"/>
+              <a:t>A </a:t>
+            </a:r>
+            <a:r>
+              <a:rPr lang="en-US" b="1" dirty="0"/>
+              <a:t>Sample</a:t>
+            </a:r>
+            <a:r>
+              <a:rPr lang="en-US" dirty="0"/>
+              <a:t> record describes the sample source, the protocols used in its analysis, and the expression data derived from it. </a:t>
+            </a:r>
+          </a:p>
+          <a:p>
+            <a:r>
+              <a:rPr lang="en-US" dirty="0"/>
+              <a:t>A </a:t>
+            </a:r>
+            <a:r>
+              <a:rPr lang="en-US" b="1" dirty="0"/>
+              <a:t>Series</a:t>
+            </a:r>
+            <a:r>
+              <a:rPr lang="en-US" dirty="0"/>
+              <a:t> record links together a group of related Samples and describes a whole study.</a:t>
+            </a:r>
+          </a:p>
+          <a:p>
+            <a:pPr marL="0" indent="0">
+              <a:buNone/>
+            </a:pPr>
+            <a:r>
+              <a:rPr lang="en-US" dirty="0"/>
+              <a:t>Together, this information makes up a GEO record that is assembled by the GEO staff. These records provide a coherent synopsis about the experiment and data collected. </a:t>
+            </a:r>
+          </a:p>
+        </p:txBody>
+      </p:sp>
+    </p:spTree>
+    <p:extLst>
+      <p:ext uri="{BB962C8B-B14F-4D97-AF65-F5344CB8AC3E}">
+        <p14:creationId xmlns:p14="http://schemas.microsoft.com/office/powerpoint/2010/main" val="2918356810"/>
+      </p:ext>
+    </p:extLst>
+  </p:cSld>
+  <p:clrMapOvr>
+    <a:masterClrMapping/>
+  </p:clrMapOvr>
+</p:sld>
+</file>
+
+<file path=ppt/slides/slide6.xml><?xml version="1.0" encoding="utf-8"?>
+<p:sld xmlns:a="http://schemas.openxmlformats.org/drawingml/2006/main" xmlns:r="http://schemas.openxmlformats.org/officeDocument/2006/relationships" xmlns:p="http://schemas.openxmlformats.org/presentationml/2006/main">
+  <p:cSld>
+    <p:spTree>
+      <p:nvGrpSpPr>
+        <p:cNvPr id="1" name=""/>
+        <p:cNvGrpSpPr/>
+        <p:nvPr/>
+      </p:nvGrpSpPr>
+      <p:grpSpPr>
+        <a:xfrm>
+          <a:off x="0" y="0"/>
+          <a:ext cx="0" cy="0"/>
+          <a:chOff x="0" y="0"/>
+          <a:chExt cx="0" cy="0"/>
+        </a:xfrm>
+      </p:grpSpPr>
+      <p:sp>
+        <p:nvSpPr>
+          <p:cNvPr id="2" name="Title 1">
+            <a:extLst>
+              <a:ext uri="{FF2B5EF4-FFF2-40B4-BE49-F238E27FC236}">
+                <a16:creationId xmlns:a16="http://schemas.microsoft.com/office/drawing/2014/main" id="{12BF1C87-49C5-844B-B364-4C65F661D81B}"/>
+              </a:ext>
+            </a:extLst>
+          </p:cNvPr>
+          <p:cNvSpPr>
+            <a:spLocks noGrp="1"/>
+          </p:cNvSpPr>
+          <p:nvPr>
+            <p:ph type="title"/>
+          </p:nvPr>
+        </p:nvSpPr>
+        <p:spPr/>
+        <p:txBody>
+          <a:bodyPr/>
+          <a:lstStyle/>
+          <a:p>
+            <a:r>
+              <a:rPr lang="en-US" dirty="0"/>
+              <a:t>GEO data retrieval </a:t>
+            </a:r>
+          </a:p>
+        </p:txBody>
+      </p:sp>
+      <p:sp>
+        <p:nvSpPr>
+          <p:cNvPr id="3" name="Content Placeholder 2">
+            <a:extLst>
+              <a:ext uri="{FF2B5EF4-FFF2-40B4-BE49-F238E27FC236}">
+                <a16:creationId xmlns:a16="http://schemas.microsoft.com/office/drawing/2014/main" id="{663209C1-678F-274F-A127-49594B15758D}"/>
+              </a:ext>
+            </a:extLst>
+          </p:cNvPr>
+          <p:cNvSpPr>
+            <a:spLocks noGrp="1"/>
+          </p:cNvSpPr>
+          <p:nvPr>
+            <p:ph idx="1"/>
+          </p:nvPr>
+        </p:nvSpPr>
+        <p:spPr/>
+        <p:txBody>
+          <a:bodyPr/>
+          <a:lstStyle/>
+          <a:p>
+            <a:pPr marL="0" indent="0">
+              <a:buNone/>
+            </a:pPr>
+            <a:r>
+              <a:rPr lang="en-US" dirty="0"/>
+              <a:t>GEO data can be retrieved and analyzed in several ways:</a:t>
+            </a:r>
+          </a:p>
+          <a:p>
+            <a:pPr marL="0" indent="0">
+              <a:buNone/>
+            </a:pPr>
+            <a:endParaRPr lang="en-US" dirty="0"/>
+          </a:p>
+          <a:p>
+            <a:pPr lvl="1" algn="just"/>
+            <a:r>
+              <a:rPr lang="en-US" sz="2000" dirty="0"/>
+              <a:t>To look at a particular GEO record for which you have the accession number, use the GEO accession box located on the GEO homepage or at the top of each GEO record.</a:t>
+            </a:r>
+          </a:p>
+          <a:p>
+            <a:pPr lvl="1" algn="just"/>
+            <a:r>
+              <a:rPr lang="en-US" sz="2000" dirty="0"/>
+              <a:t>To download data, see the various options described on the </a:t>
+            </a:r>
+            <a:r>
+              <a:rPr lang="en-US" sz="2000" dirty="0">
+                <a:hlinkClick r:id="rId2"/>
+              </a:rPr>
+              <a:t>Download GEO data</a:t>
+            </a:r>
+            <a:r>
+              <a:rPr lang="en-US" sz="2000" dirty="0"/>
+              <a:t> page.</a:t>
+            </a:r>
+          </a:p>
+          <a:p>
+            <a:pPr lvl="1" algn="just"/>
+            <a:r>
+              <a:rPr lang="en-US" sz="2000" dirty="0"/>
+              <a:t>To quickly locate data relevant to your interests, search GEO </a:t>
+            </a:r>
+            <a:r>
+              <a:rPr lang="en-US" sz="2000" dirty="0" err="1"/>
+              <a:t>DataSets</a:t>
+            </a:r>
+            <a:r>
+              <a:rPr lang="en-US" sz="2000" dirty="0"/>
+              <a:t> and GEO Profiles</a:t>
+            </a:r>
+          </a:p>
+          <a:p>
+            <a:pPr marL="0" indent="0">
+              <a:buNone/>
+            </a:pPr>
+            <a:endParaRPr lang="en-US" dirty="0"/>
+          </a:p>
+        </p:txBody>
+      </p:sp>
+    </p:spTree>
+    <p:extLst>
+      <p:ext uri="{BB962C8B-B14F-4D97-AF65-F5344CB8AC3E}">
+        <p14:creationId xmlns:p14="http://schemas.microsoft.com/office/powerpoint/2010/main" val="2444361572"/>
+      </p:ext>
+    </p:extLst>
+  </p:cSld>
+  <p:clrMapOvr>
+    <a:masterClrMapping/>
+  </p:clrMapOvr>
+</p:sld>
+</file>
+
+<file path=ppt/slides/slide7.xml><?xml version="1.0" encoding="utf-8"?>
+<p:sld xmlns:a="http://schemas.openxmlformats.org/drawingml/2006/main" xmlns:r="http://schemas.openxmlformats.org/officeDocument/2006/relationships" xmlns:p="http://schemas.openxmlformats.org/presentationml/2006/main">
+  <p:cSld>
+    <p:spTree>
+      <p:nvGrpSpPr>
+        <p:cNvPr id="1" name=""/>
+        <p:cNvGrpSpPr/>
+        <p:nvPr/>
+      </p:nvGrpSpPr>
+      <p:grpSpPr>
+        <a:xfrm>
+          <a:off x="0" y="0"/>
+          <a:ext cx="0" cy="0"/>
+          <a:chOff x="0" y="0"/>
+          <a:chExt cx="0" cy="0"/>
+        </a:xfrm>
+      </p:grpSpPr>
+      <p:sp>
+        <p:nvSpPr>
+          <p:cNvPr id="3" name="Content Placeholder 2">
+            <a:extLst>
+              <a:ext uri="{FF2B5EF4-FFF2-40B4-BE49-F238E27FC236}">
+                <a16:creationId xmlns:a16="http://schemas.microsoft.com/office/drawing/2014/main" id="{2C218C74-14DC-D24B-8CC6-8120D63C9FFC}"/>
+              </a:ext>
+            </a:extLst>
+          </p:cNvPr>
+          <p:cNvSpPr>
+            <a:spLocks noGrp="1"/>
+          </p:cNvSpPr>
+          <p:nvPr>
+            <p:ph idx="1"/>
+          </p:nvPr>
+        </p:nvSpPr>
+        <p:spPr>
+          <a:xfrm>
+            <a:off x="628650" y="5724939"/>
+            <a:ext cx="7886700" cy="452024"/>
+          </a:xfrm>
+        </p:spPr>
+        <p:txBody>
+          <a:bodyPr/>
+          <a:lstStyle/>
+          <a:p>
+            <a:pPr marL="0" indent="0">
+              <a:buNone/>
+            </a:pPr>
+            <a:r>
+              <a:rPr lang="en-US" dirty="0"/>
+              <a:t>https://</a:t>
+            </a:r>
+            <a:r>
+              <a:rPr lang="en-US" dirty="0" err="1"/>
+              <a:t>www.ncbi.nlm.nih.gov</a:t>
+            </a:r>
+            <a:r>
+              <a:rPr lang="en-US" dirty="0"/>
+              <a:t>/geo/</a:t>
+            </a:r>
+          </a:p>
+        </p:txBody>
+      </p:sp>
+      <p:pic>
+        <p:nvPicPr>
+          <p:cNvPr id="5" name="Picture 4" descr="Graphical user interface, application, Teams&#10;&#10;Description automatically generated">
+            <a:extLst>
+              <a:ext uri="{FF2B5EF4-FFF2-40B4-BE49-F238E27FC236}">
+                <a16:creationId xmlns:a16="http://schemas.microsoft.com/office/drawing/2014/main" id="{E632D444-C5F2-E447-B674-473D82AAFF38}"/>
+              </a:ext>
+            </a:extLst>
+          </p:cNvPr>
+          <p:cNvPicPr>
+            <a:picLocks noChangeAspect="1"/>
+          </p:cNvPicPr>
+          <p:nvPr/>
+        </p:nvPicPr>
+        <p:blipFill>
+          <a:blip r:embed="rId2"/>
+          <a:stretch>
+            <a:fillRect/>
+          </a:stretch>
+        </p:blipFill>
+        <p:spPr>
+          <a:xfrm>
+            <a:off x="628650" y="410211"/>
+            <a:ext cx="7886701" cy="4652268"/>
+          </a:xfrm>
+          <a:prstGeom prst="rect">
+            <a:avLst/>
+          </a:prstGeom>
+        </p:spPr>
+      </p:pic>
+    </p:spTree>
+    <p:extLst>
+      <p:ext uri="{BB962C8B-B14F-4D97-AF65-F5344CB8AC3E}">
+        <p14:creationId xmlns:p14="http://schemas.microsoft.com/office/powerpoint/2010/main" val="2376071518"/>
+      </p:ext>
+    </p:extLst>
+  </p:cSld>
+  <p:clrMapOvr>
+    <a:masterClrMapping/>
+  </p:clrMapOvr>
+</p:sld>
+</file>
+
+<file path=ppt/slides/slide8.xml><?xml version="1.0" encoding="utf-8"?>
+<p:sld xmlns:a="http://schemas.openxmlformats.org/drawingml/2006/main" xmlns:r="http://schemas.openxmlformats.org/officeDocument/2006/relationships" xmlns:p="http://schemas.openxmlformats.org/presentationml/2006/main">
+  <p:cSld>
+    <p:spTree>
+      <p:nvGrpSpPr>
+        <p:cNvPr id="1" name=""/>
+        <p:cNvGrpSpPr/>
+        <p:nvPr/>
+      </p:nvGrpSpPr>
+      <p:grpSpPr>
+        <a:xfrm>
+          <a:off x="0" y="0"/>
+          <a:ext cx="0" cy="0"/>
+          <a:chOff x="0" y="0"/>
+          <a:chExt cx="0" cy="0"/>
+        </a:xfrm>
+      </p:grpSpPr>
+      <p:sp>
+        <p:nvSpPr>
+          <p:cNvPr id="2" name="Title 1">
+            <a:extLst>
+              <a:ext uri="{FF2B5EF4-FFF2-40B4-BE49-F238E27FC236}">
+                <a16:creationId xmlns:a16="http://schemas.microsoft.com/office/drawing/2014/main" id="{5D71CF14-B362-844E-862D-146DC135690F}"/>
+              </a:ext>
+            </a:extLst>
+          </p:cNvPr>
+          <p:cNvSpPr>
+            <a:spLocks noGrp="1"/>
+          </p:cNvSpPr>
+          <p:nvPr>
+            <p:ph type="title"/>
+          </p:nvPr>
+        </p:nvSpPr>
+        <p:spPr/>
+        <p:txBody>
+          <a:bodyPr/>
+          <a:lstStyle/>
+          <a:p>
+            <a:endParaRPr lang="en-US"/>
+          </a:p>
+        </p:txBody>
+      </p:sp>
+      <p:pic>
+        <p:nvPicPr>
+          <p:cNvPr id="5" name="Content Placeholder 4" descr="Graphical user interface, application, Teams&#10;&#10;Description automatically generated">
+            <a:extLst>
+              <a:ext uri="{FF2B5EF4-FFF2-40B4-BE49-F238E27FC236}">
+                <a16:creationId xmlns:a16="http://schemas.microsoft.com/office/drawing/2014/main" id="{9D7A33E5-E4DA-B143-8329-366D3E16433E}"/>
+              </a:ext>
+            </a:extLst>
+          </p:cNvPr>
+          <p:cNvPicPr>
+            <a:picLocks noGrp="1" noChangeAspect="1"/>
+          </p:cNvPicPr>
+          <p:nvPr>
+            <p:ph idx="1"/>
+          </p:nvPr>
+        </p:nvPicPr>
+        <p:blipFill>
+          <a:blip r:embed="rId2"/>
+          <a:stretch>
+            <a:fillRect/>
+          </a:stretch>
+        </p:blipFill>
+        <p:spPr>
+          <a:xfrm>
+            <a:off x="307402" y="1113182"/>
+            <a:ext cx="8529196" cy="5113476"/>
+          </a:xfrm>
+        </p:spPr>
+      </p:pic>
+    </p:spTree>
+    <p:extLst>
+      <p:ext uri="{BB962C8B-B14F-4D97-AF65-F5344CB8AC3E}">
+        <p14:creationId xmlns:p14="http://schemas.microsoft.com/office/powerpoint/2010/main" val="515493275"/>
+      </p:ext>
+    </p:extLst>
+  </p:cSld>
+  <p:clrMapOvr>
+    <a:masterClrMapping/>
+  </p:clrMapOvr>
+</p:sld>
+</file>
+
+<file path=ppt/slides/slide9.xml><?xml version="1.0" encoding="utf-8"?>
+<p:sld xmlns:a="http://schemas.openxmlformats.org/drawingml/2006/main" xmlns:r="http://schemas.openxmlformats.org/officeDocument/2006/relationships" xmlns:p="http://schemas.openxmlformats.org/presentationml/2006/main">
+  <p:cSld>
+    <p:spTree>
+      <p:nvGrpSpPr>
+        <p:cNvPr id="1" name=""/>
+        <p:cNvGrpSpPr/>
+        <p:nvPr/>
+      </p:nvGrpSpPr>
+      <p:grpSpPr>
+        <a:xfrm>
+          <a:off x="0" y="0"/>
+          <a:ext cx="0" cy="0"/>
+          <a:chOff x="0" y="0"/>
+          <a:chExt cx="0" cy="0"/>
+        </a:xfrm>
+      </p:grpSpPr>
+      <p:sp>
+        <p:nvSpPr>
+          <p:cNvPr id="2" name="Title 1">
+            <a:extLst>
+              <a:ext uri="{FF2B5EF4-FFF2-40B4-BE49-F238E27FC236}">
+                <a16:creationId xmlns:a16="http://schemas.microsoft.com/office/drawing/2014/main" id="{F9727625-0C5F-114D-9FD4-958E279C7BD0}"/>
+              </a:ext>
+            </a:extLst>
+          </p:cNvPr>
+          <p:cNvSpPr>
+            <a:spLocks noGrp="1"/>
+          </p:cNvSpPr>
+          <p:nvPr>
+            <p:ph type="title"/>
+          </p:nvPr>
+        </p:nvSpPr>
+        <p:spPr/>
+        <p:txBody>
+          <a:bodyPr/>
+          <a:lstStyle/>
+          <a:p>
+            <a:endParaRPr lang="en-US"/>
+          </a:p>
+        </p:txBody>
+      </p:sp>
+      <p:pic>
+        <p:nvPicPr>
+          <p:cNvPr id="5" name="Content Placeholder 4" descr="Graphical user interface, text&#10;&#10;Description automatically generated">
+            <a:extLst>
+              <a:ext uri="{FF2B5EF4-FFF2-40B4-BE49-F238E27FC236}">
+                <a16:creationId xmlns:a16="http://schemas.microsoft.com/office/drawing/2014/main" id="{1CB27E03-E096-DE46-8C0C-D4D757B0330F}"/>
+              </a:ext>
+            </a:extLst>
+          </p:cNvPr>
+          <p:cNvPicPr>
+            <a:picLocks noGrp="1" noChangeAspect="1"/>
+          </p:cNvPicPr>
+          <p:nvPr>
+            <p:ph idx="1"/>
+          </p:nvPr>
+        </p:nvPicPr>
+        <p:blipFill>
+          <a:blip r:embed="rId2"/>
+          <a:stretch>
+            <a:fillRect/>
+          </a:stretch>
+        </p:blipFill>
+        <p:spPr>
+          <a:xfrm>
+            <a:off x="1034438" y="128027"/>
+            <a:ext cx="4789893" cy="6601945"/>
+          </a:xfrm>
+        </p:spPr>
+      </p:pic>
+      <p:cxnSp>
+        <p:nvCxnSpPr>
+          <p:cNvPr id="7" name="Straight Arrow Connector 6">
+            <a:extLst>
+              <a:ext uri="{FF2B5EF4-FFF2-40B4-BE49-F238E27FC236}">
+                <a16:creationId xmlns:a16="http://schemas.microsoft.com/office/drawing/2014/main" id="{B35F1249-3794-C945-B4BD-9EF626121788}"/>
+              </a:ext>
+            </a:extLst>
+          </p:cNvPr>
+          <p:cNvCxnSpPr/>
+          <p:nvPr/>
+        </p:nvCxnSpPr>
+        <p:spPr>
+          <a:xfrm flipH="1">
+            <a:off x="1991801" y="809045"/>
+            <a:ext cx="5486400" cy="0"/>
+          </a:xfrm>
+          <a:prstGeom prst="straightConnector1">
+            <a:avLst/>
+          </a:prstGeom>
+          <a:ln w="57150">
+            <a:solidFill>
+              <a:srgbClr val="C00000"/>
+            </a:solidFill>
+            <a:tailEnd type="triangle"/>
+          </a:ln>
+        </p:spPr>
+        <p:style>
+          <a:lnRef idx="1">
+            <a:schemeClr val="accent1"/>
+          </a:lnRef>
+          <a:fillRef idx="0">
+            <a:schemeClr val="accent1"/>
+          </a:fillRef>
+          <a:effectRef idx="0">
+            <a:schemeClr val="accent1"/>
+          </a:effectRef>
+          <a:fontRef idx="minor">
+            <a:schemeClr val="tx1"/>
+          </a:fontRef>
+        </p:style>
+      </p:cxnSp>
+    </p:spTree>
+    <p:extLst>
+      <p:ext uri="{BB962C8B-B14F-4D97-AF65-F5344CB8AC3E}">
+        <p14:creationId xmlns:p14="http://schemas.microsoft.com/office/powerpoint/2010/main" val="19482673"/>
+      </p:ext>
+    </p:extLst>
+  </p:cSld>
+  <p:clrMapOvr>
+    <a:masterClrMapping/>
+  </p:clrMapOvr>
+</p:sld>
+</file>
+
 <file path=ppt/theme/theme1.xml><?xml version="1.0" encoding="utf-8"?>
 <a:theme xmlns:a="http://schemas.openxmlformats.org/drawingml/2006/main" name="Office Theme">
   <a:themeElements>
-    <a:clrScheme name="Office Theme">
+    <a:clrScheme name="Office">
       <a:dk1>
         <a:sysClr val="windowText" lastClr="000000"/>
       </a:dk1>
@@ -25243,7 +27425,7 @@
         <a:srgbClr val="954F72"/>
       </a:folHlink>
     </a:clrScheme>
-    <a:fontScheme name="Office Theme">
+    <a:fontScheme name="Office">
       <a:majorFont>
         <a:latin typeface="Calibri Light" panose="020F0302020204030204"/>
         <a:ea typeface=""/>
@@ -25278,6 +27460,23 @@
         <a:font script="Viet" typeface="Times New Roman"/>
         <a:font script="Uigh" typeface="Microsoft Uighur"/>
         <a:font script="Geor" typeface="Sylfaen"/>
+        <a:font script="Armn" typeface="Arial"/>
+        <a:font script="Bugi" typeface="Leelawadee UI"/>
+        <a:font script="Bopo" typeface="Microsoft JhengHei"/>
+        <a:font script="Java" typeface="Javanese Text"/>
+        <a:font script="Lisu" typeface="Segoe UI"/>
+        <a:font script="Mymr" typeface="Myanmar Text"/>
+        <a:font script="Nkoo" typeface="Ebrima"/>
+        <a:font script="Olck" typeface="Nirmala UI"/>
+        <a:font script="Osma" typeface="Ebrima"/>
+        <a:font script="Phag" typeface="Phagspa"/>
+        <a:font script="Syrn" typeface="Estrangelo Edessa"/>
+        <a:font script="Syrj" typeface="Estrangelo Edessa"/>
+        <a:font script="Syre" typeface="Estrangelo Edessa"/>
+        <a:font script="Sora" typeface="Nirmala UI"/>
+        <a:font script="Tale" typeface="Microsoft Tai Le"/>
+        <a:font script="Talu" typeface="Microsoft New Tai Lue"/>
+        <a:font script="Tfng" typeface="Ebrima"/>
       </a:majorFont>
       <a:minorFont>
         <a:latin typeface="Calibri" panose="020F0502020204030204"/>
@@ -25313,9 +27512,26 @@
         <a:font script="Viet" typeface="Arial"/>
         <a:font script="Uigh" typeface="Microsoft Uighur"/>
         <a:font script="Geor" typeface="Sylfaen"/>
+        <a:font script="Armn" typeface="Arial"/>
+        <a:font script="Bugi" typeface="Leelawadee UI"/>
+        <a:font script="Bopo" typeface="Microsoft JhengHei"/>
+        <a:font script="Java" typeface="Javanese Text"/>
+        <a:font script="Lisu" typeface="Segoe UI"/>
+        <a:font script="Mymr" typeface="Myanmar Text"/>
+        <a:font script="Nkoo" typeface="Ebrima"/>
+        <a:font script="Olck" typeface="Nirmala UI"/>
+        <a:font script="Osma" typeface="Ebrima"/>
+        <a:font script="Phag" typeface="Phagspa"/>
+        <a:font script="Syrn" typeface="Estrangelo Edessa"/>
+        <a:font script="Syrj" typeface="Estrangelo Edessa"/>
+        <a:font script="Syre" typeface="Estrangelo Edessa"/>
+        <a:font script="Sora" typeface="Nirmala UI"/>
+        <a:font script="Tale" typeface="Microsoft Tai Le"/>
+        <a:font script="Talu" typeface="Microsoft New Tai Lue"/>
+        <a:font script="Tfng" typeface="Ebrima"/>
       </a:minorFont>
     </a:fontScheme>
-    <a:fmtScheme name="Office Theme">
+    <a:fmtScheme name="Office">
       <a:fillStyleLst>
         <a:solidFill>
           <a:schemeClr val="phClr"/>
